--- a/JavaScript/JS UI & DOM/11. HTML Templates/HTML Templates.pptx
+++ b/JavaScript/JS UI & DOM/11. HTML Templates/HTML Templates.pptx
@@ -5,23 +5,14 @@
     <p:sldMasterId id="2147483666" r:id="rId1"/>
   </p:sldMasterIdLst>
   <p:notesMasterIdLst>
-    <p:notesMasterId r:id="rId16"/>
+    <p:notesMasterId r:id="rId7"/>
   </p:notesMasterIdLst>
   <p:sldIdLst>
-    <p:sldId id="286" r:id="rId2"/>
-    <p:sldId id="292" r:id="rId3"/>
-    <p:sldId id="293" r:id="rId4"/>
-    <p:sldId id="295" r:id="rId5"/>
-    <p:sldId id="298" r:id="rId6"/>
-    <p:sldId id="302" r:id="rId7"/>
-    <p:sldId id="305" r:id="rId8"/>
-    <p:sldId id="310" r:id="rId9"/>
-    <p:sldId id="313" r:id="rId10"/>
-    <p:sldId id="282" r:id="rId11"/>
-    <p:sldId id="314" r:id="rId12"/>
-    <p:sldId id="316" r:id="rId13"/>
-    <p:sldId id="315" r:id="rId14"/>
-    <p:sldId id="318" r:id="rId15"/>
+    <p:sldId id="282" r:id="rId2"/>
+    <p:sldId id="314" r:id="rId3"/>
+    <p:sldId id="316" r:id="rId4"/>
+    <p:sldId id="315" r:id="rId5"/>
+    <p:sldId id="318" r:id="rId6"/>
   </p:sldIdLst>
   <p:sldSz cx="9144000" cy="6858000" type="screen4x3"/>
   <p:notesSz cx="6858000" cy="9144000"/>
@@ -211,7 +202,7 @@
             <a:fld id="{2F541452-C600-41D2-9741-6ECF12EA35EA}" type="datetimeFigureOut">
               <a:rPr lang="en-US" smtClean="0"/>
               <a:pPr/>
-              <a:t>6/11/2014</a:t>
+              <a:t>6/16/2014</a:t>
             </a:fld>
             <a:endParaRPr lang="en-US"/>
           </a:p>
@@ -480,93 +471,8 @@
 </p:notesMaster>
 </file>
 
-<file path=ppt/notesSlides/notesSlide1.xml><?xml version="1.0" encoding="utf-8"?>
-<p:notes xmlns:a="http://schemas.openxmlformats.org/drawingml/2006/main" xmlns:r="http://schemas.openxmlformats.org/officeDocument/2006/relationships" xmlns:p="http://schemas.openxmlformats.org/presentationml/2006/main">
-  <p:cSld>
-    <p:spTree>
-      <p:nvGrpSpPr>
-        <p:cNvPr id="1" name=""/>
-        <p:cNvGrpSpPr/>
-        <p:nvPr/>
-      </p:nvGrpSpPr>
-      <p:grpSpPr>
-        <a:xfrm>
-          <a:off x="0" y="0"/>
-          <a:ext cx="0" cy="0"/>
-          <a:chOff x="0" y="0"/>
-          <a:chExt cx="0" cy="0"/>
-        </a:xfrm>
-      </p:grpSpPr>
-      <p:sp>
-        <p:nvSpPr>
-          <p:cNvPr id="2" name="Slide Image Placeholder 1"/>
-          <p:cNvSpPr>
-            <a:spLocks noGrp="1" noRot="1" noChangeAspect="1"/>
-          </p:cNvSpPr>
-          <p:nvPr>
-            <p:ph type="sldImg"/>
-          </p:nvPr>
-        </p:nvSpPr>
-        <p:spPr/>
-      </p:sp>
-      <p:sp>
-        <p:nvSpPr>
-          <p:cNvPr id="3" name="Notes Placeholder 2"/>
-          <p:cNvSpPr>
-            <a:spLocks noGrp="1"/>
-          </p:cNvSpPr>
-          <p:nvPr>
-            <p:ph type="body" idx="1"/>
-          </p:nvPr>
-        </p:nvSpPr>
-        <p:spPr/>
-        <p:txBody>
-          <a:bodyPr/>
-          <a:lstStyle/>
-          <a:p>
-            <a:endParaRPr lang="en-US" dirty="0"/>
-          </a:p>
-        </p:txBody>
-      </p:sp>
-      <p:sp>
-        <p:nvSpPr>
-          <p:cNvPr id="4" name="Slide Number Placeholder 3"/>
-          <p:cNvSpPr>
-            <a:spLocks noGrp="1"/>
-          </p:cNvSpPr>
-          <p:nvPr>
-            <p:ph type="sldNum" sz="quarter" idx="10"/>
-          </p:nvPr>
-        </p:nvSpPr>
-        <p:spPr/>
-        <p:txBody>
-          <a:bodyPr/>
-          <a:lstStyle/>
-          <a:p>
-            <a:fld id="{87AA6D75-F8EF-4500-B971-F29CBBAAE696}" type="slidenum">
-              <a:rPr lang="en-US" smtClean="0"/>
-              <a:pPr/>
-              <a:t>4</a:t>
-            </a:fld>
-            <a:endParaRPr lang="en-US"/>
-          </a:p>
-        </p:txBody>
-      </p:sp>
-    </p:spTree>
-    <p:extLst>
-      <p:ext uri="{BB962C8B-B14F-4D97-AF65-F5344CB8AC3E}">
-        <p14:creationId xmlns="" xmlns:p14="http://schemas.microsoft.com/office/powerpoint/2010/main" val="2770181370"/>
-      </p:ext>
-    </p:extLst>
-  </p:cSld>
-  <p:clrMapOvr>
-    <a:masterClrMapping/>
-  </p:clrMapOvr>
-</p:notes>
-</file>
-
 <file path=ppt/slideLayouts/slideLayout1.xml><?xml version="1.0" encoding="utf-8"?>
-<p:sldLayout xmlns:a="http://schemas.openxmlformats.org/drawingml/2006/main" xmlns:r="http://schemas.openxmlformats.org/officeDocument/2006/relationships" xmlns:p="http://schemas.openxmlformats.org/presentationml/2006/main" preserve="1">
+<p:sldLayout xmlns:a="http://schemas.openxmlformats.org/drawingml/2006/main" xmlns:r="http://schemas.openxmlformats.org/officeDocument/2006/relationships" xmlns:p="http://schemas.openxmlformats.org/presentationml/2006/main" showMasterSp="0" preserve="1">
   <p:cSld name="Presentation Title Slide">
     <p:spTree>
       <p:nvGrpSpPr>
@@ -985,7 +891,7 @@
 </file>
 
 <file path=ppt/slideLayouts/slideLayout2.xml><?xml version="1.0" encoding="utf-8"?>
-<p:sldLayout xmlns:a="http://schemas.openxmlformats.org/drawingml/2006/main" xmlns:r="http://schemas.openxmlformats.org/officeDocument/2006/relationships" xmlns:p="http://schemas.openxmlformats.org/presentationml/2006/main" type="obj" preserve="1">
+<p:sldLayout xmlns:a="http://schemas.openxmlformats.org/drawingml/2006/main" xmlns:r="http://schemas.openxmlformats.org/officeDocument/2006/relationships" xmlns:p="http://schemas.openxmlformats.org/presentationml/2006/main" showMasterSp="0" type="obj" preserve="1">
   <p:cSld name="Title and Content">
     <p:spTree>
       <p:nvGrpSpPr>
@@ -1290,7 +1196,7 @@
 </file>
 
 <file path=ppt/slideLayouts/slideLayout3.xml><?xml version="1.0" encoding="utf-8"?>
-<p:sldLayout xmlns:a="http://schemas.openxmlformats.org/drawingml/2006/main" xmlns:r="http://schemas.openxmlformats.org/officeDocument/2006/relationships" xmlns:p="http://schemas.openxmlformats.org/presentationml/2006/main" preserve="1">
+<p:sldLayout xmlns:a="http://schemas.openxmlformats.org/drawingml/2006/main" xmlns:r="http://schemas.openxmlformats.org/officeDocument/2006/relationships" xmlns:p="http://schemas.openxmlformats.org/presentationml/2006/main" showMasterSp="0" preserve="1">
   <p:cSld name="Custom Layout">
     <p:spTree>
       <p:nvGrpSpPr>
@@ -1714,7 +1620,7 @@
 </file>
 
 <file path=ppt/slideLayouts/slideLayout4.xml><?xml version="1.0" encoding="utf-8"?>
-<p:sldLayout xmlns:a="http://schemas.openxmlformats.org/drawingml/2006/main" xmlns:r="http://schemas.openxmlformats.org/officeDocument/2006/relationships" xmlns:p="http://schemas.openxmlformats.org/presentationml/2006/main" type="title" preserve="1">
+<p:sldLayout xmlns:a="http://schemas.openxmlformats.org/drawingml/2006/main" xmlns:r="http://schemas.openxmlformats.org/officeDocument/2006/relationships" xmlns:p="http://schemas.openxmlformats.org/presentationml/2006/main" showMasterSp="0" type="title" preserve="1">
   <p:cSld name="Title Slide">
     <p:spTree>
       <p:nvGrpSpPr>
@@ -1888,7 +1794,7 @@
 </file>
 
 <file path=ppt/slideLayouts/slideLayout5.xml><?xml version="1.0" encoding="utf-8"?>
-<p:sldLayout xmlns:a="http://schemas.openxmlformats.org/drawingml/2006/main" xmlns:r="http://schemas.openxmlformats.org/officeDocument/2006/relationships" xmlns:p="http://schemas.openxmlformats.org/presentationml/2006/main" preserve="1">
+<p:sldLayout xmlns:a="http://schemas.openxmlformats.org/drawingml/2006/main" xmlns:r="http://schemas.openxmlformats.org/officeDocument/2006/relationships" xmlns:p="http://schemas.openxmlformats.org/presentationml/2006/main" showMasterSp="0" preserve="1">
   <p:cSld name="Questions Slide">
     <p:spTree>
       <p:nvGrpSpPr>
@@ -4543,7 +4449,7 @@
 </file>
 
 <file path=ppt/slideLayouts/slideLayout6.xml><?xml version="1.0" encoding="utf-8"?>
-<p:sldLayout xmlns:a="http://schemas.openxmlformats.org/drawingml/2006/main" xmlns:r="http://schemas.openxmlformats.org/officeDocument/2006/relationships" xmlns:p="http://schemas.openxmlformats.org/presentationml/2006/main">
+<p:sldLayout xmlns:a="http://schemas.openxmlformats.org/drawingml/2006/main" xmlns:r="http://schemas.openxmlformats.org/officeDocument/2006/relationships" xmlns:p="http://schemas.openxmlformats.org/presentationml/2006/main" showMasterSp="0">
   <p:cSld name="1_Presentation Title Slide">
     <p:spTree>
       <p:nvGrpSpPr>
@@ -5858,7 +5764,7 @@
 </file>
 
 <file path=ppt/slides/slide1.xml><?xml version="1.0" encoding="utf-8"?>
-<p:sld xmlns:a="http://schemas.openxmlformats.org/drawingml/2006/main" xmlns:r="http://schemas.openxmlformats.org/officeDocument/2006/relationships" xmlns:p="http://schemas.openxmlformats.org/presentationml/2006/main">
+<p:sld xmlns:a="http://schemas.openxmlformats.org/drawingml/2006/main" xmlns:r="http://schemas.openxmlformats.org/officeDocument/2006/relationships" xmlns:p="http://schemas.openxmlformats.org/presentationml/2006/main" showMasterSp="0">
   <p:cSld>
     <p:spTree>
       <p:nvGrpSpPr>
@@ -5876,30 +5782,7 @@
       </p:grpSpPr>
       <p:sp>
         <p:nvSpPr>
-          <p:cNvPr id="5" name="Title 4"/>
-          <p:cNvSpPr>
-            <a:spLocks noGrp="1"/>
-          </p:cNvSpPr>
-          <p:nvPr>
-            <p:ph type="title"/>
-          </p:nvPr>
-        </p:nvSpPr>
-        <p:spPr/>
-        <p:txBody>
-          <a:bodyPr/>
-          <a:lstStyle/>
-          <a:p>
-            <a:r>
-              <a:rPr lang="en-US" smtClean="0"/>
-              <a:t>Setup and Usage</a:t>
-            </a:r>
-            <a:endParaRPr lang="en-US" dirty="0"/>
-          </a:p>
-        </p:txBody>
-      </p:sp>
-      <p:sp>
-        <p:nvSpPr>
-          <p:cNvPr id="6" name="Content Placeholder 5"/>
+          <p:cNvPr id="5" name="Content Placeholder 4"/>
           <p:cNvSpPr>
             <a:spLocks noGrp="1"/>
           </p:cNvSpPr>
@@ -5907,87 +5790,155 @@
             <p:ph idx="1"/>
           </p:nvPr>
         </p:nvSpPr>
-        <p:spPr/>
+        <p:spPr>
+          <a:xfrm>
+            <a:off x="228600" y="641533"/>
+            <a:ext cx="8686800" cy="656949"/>
+          </a:xfrm>
+        </p:spPr>
         <p:txBody>
           <a:bodyPr/>
           <a:lstStyle/>
           <a:p>
-            <a:pPr>
-              <a:lnSpc>
-                <a:spcPct val="100000"/>
-              </a:lnSpc>
+            <a:pPr marL="400050" indent="-400050">
+              <a:buFont typeface="+mj-lt"/>
+              <a:buAutoNum type="arabicPeriod"/>
             </a:pPr>
             <a:r>
-              <a:rPr lang="en-US" dirty="0" smtClean="0"/>
-              <a:t>(cont.) To use Handlebars follow the steps:</a:t>
-            </a:r>
-          </a:p>
-          <a:p>
-            <a:pPr lvl="1">
-              <a:lnSpc>
-                <a:spcPct val="100000"/>
-              </a:lnSpc>
+              <a:rPr lang="en-US" sz="2800" dirty="0" smtClean="0"/>
+              <a:t>Create the following using Handlebars.js</a:t>
+            </a:r>
+          </a:p>
+        </p:txBody>
+      </p:sp>
+      <p:pic>
+        <p:nvPicPr>
+          <p:cNvPr id="9" name="Picture 8"/>
+          <p:cNvPicPr>
+            <a:picLocks noChangeAspect="1"/>
+          </p:cNvPicPr>
+          <p:nvPr/>
+        </p:nvPicPr>
+        <p:blipFill rotWithShape="1">
+          <a:blip r:embed="rId2" cstate="email">
+            <a:extLst>
+              <a:ext uri="{28A0092B-C50C-407E-A947-70E740481C1C}">
+                <a14:useLocalDpi xmlns="" xmlns:a14="http://schemas.microsoft.com/office/drawing/2010/main"/>
+              </a:ext>
+            </a:extLst>
+          </a:blip>
+          <a:srcRect/>
+          <a:stretch/>
+        </p:blipFill>
+        <p:spPr>
+          <a:xfrm>
+            <a:off x="765229" y="1688813"/>
+            <a:ext cx="7731778" cy="4115301"/>
+          </a:xfrm>
+          <a:prstGeom prst="roundRect">
+            <a:avLst>
+              <a:gd name="adj" fmla="val 898"/>
+            </a:avLst>
+          </a:prstGeom>
+          <a:ln w="19050">
+            <a:solidFill>
+              <a:schemeClr val="bg1">
+                <a:lumMod val="95000"/>
+                <a:lumOff val="5000"/>
+              </a:schemeClr>
+            </a:solidFill>
+          </a:ln>
+        </p:spPr>
+      </p:pic>
+    </p:spTree>
+    <p:extLst>
+      <p:ext uri="{BB962C8B-B14F-4D97-AF65-F5344CB8AC3E}">
+        <p14:creationId xmlns="" xmlns:p14="http://schemas.microsoft.com/office/powerpoint/2010/main" val="2314371933"/>
+      </p:ext>
+    </p:extLst>
+  </p:cSld>
+  <p:clrMapOvr>
+    <a:masterClrMapping/>
+  </p:clrMapOvr>
+  <p:timing>
+    <p:tnLst>
+      <p:par>
+        <p:cTn id="1" dur="indefinite" restart="never" nodeType="tmRoot"/>
+      </p:par>
+    </p:tnLst>
+  </p:timing>
+</p:sld>
+</file>
+
+<file path=ppt/slides/slide2.xml><?xml version="1.0" encoding="utf-8"?>
+<p:sld xmlns:a="http://schemas.openxmlformats.org/drawingml/2006/main" xmlns:r="http://schemas.openxmlformats.org/officeDocument/2006/relationships" xmlns:p="http://schemas.openxmlformats.org/presentationml/2006/main" showMasterSp="0">
+  <p:cSld>
+    <p:spTree>
+      <p:nvGrpSpPr>
+        <p:cNvPr id="1" name=""/>
+        <p:cNvGrpSpPr/>
+        <p:nvPr/>
+      </p:nvGrpSpPr>
+      <p:grpSpPr>
+        <a:xfrm>
+          <a:off x="0" y="0"/>
+          <a:ext cx="0" cy="0"/>
+          <a:chOff x="0" y="0"/>
+          <a:chExt cx="0" cy="0"/>
+        </a:xfrm>
+      </p:grpSpPr>
+      <p:sp>
+        <p:nvSpPr>
+          <p:cNvPr id="5" name="Content Placeholder 4"/>
+          <p:cNvSpPr>
+            <a:spLocks noGrp="1"/>
+          </p:cNvSpPr>
+          <p:nvPr>
+            <p:ph idx="1"/>
+          </p:nvPr>
+        </p:nvSpPr>
+        <p:spPr>
+          <a:xfrm>
+            <a:off x="228600" y="610537"/>
+            <a:ext cx="8686800" cy="2241151"/>
+          </a:xfrm>
+        </p:spPr>
+        <p:txBody>
+          <a:bodyPr/>
+          <a:lstStyle/>
+          <a:p>
+            <a:pPr marL="346075" indent="-346075">
+              <a:buFont typeface="+mj-lt"/>
+              <a:buAutoNum type="arabicPeriod" startAt="2"/>
             </a:pPr>
             <a:r>
-              <a:rPr lang="en-US" dirty="0" smtClean="0"/>
-              <a:t>Create a template</a:t>
-            </a:r>
-          </a:p>
-          <a:p>
-            <a:pPr lvl="2">
-              <a:lnSpc>
-                <a:spcPct val="100000"/>
-              </a:lnSpc>
-            </a:pPr>
-            <a:r>
-              <a:rPr lang="en-US" dirty="0" smtClean="0"/>
-              <a:t>In a script tag with </a:t>
-            </a:r>
-            <a:r>
-              <a:rPr lang="en-US" dirty="0" smtClean="0">
-                <a:solidFill>
-                  <a:schemeClr val="accent5">
-                    <a:lumMod val="20000"/>
-                    <a:lumOff val="80000"/>
-                  </a:schemeClr>
-                </a:solidFill>
-              </a:rPr>
-              <a:t>invalid type</a:t>
-            </a:r>
-            <a:r>
-              <a:rPr lang="en-US" dirty="0" smtClean="0"/>
-              <a:t> attribute</a:t>
-            </a:r>
+              <a:rPr lang="en-US" sz="2800" dirty="0" smtClean="0"/>
+              <a:t>Create a dynamic select using Handlebars.js</a:t>
+            </a:r>
+          </a:p>
+          <a:p>
+            <a:pPr marL="568325" lvl="1" indent="-220663"/>
+            <a:r>
+              <a:rPr lang="en-US" sz="2600" dirty="0" smtClean="0"/>
+              <a:t>The options in the select should be generated based on a collection of JavaScript objects</a:t>
+            </a:r>
+          </a:p>
+          <a:p>
+            <a:pPr marL="568325" lvl="1" indent="-220663"/>
+            <a:r>
+              <a:rPr lang="en-US" sz="2600" dirty="0" smtClean="0"/>
+              <a:t>Example:</a:t>
+            </a:r>
+          </a:p>
+          <a:p>
+            <a:pPr marL="568325" lvl="1" indent="-220663"/>
+            <a:endParaRPr lang="en-US" sz="2600" dirty="0" smtClean="0"/>
           </a:p>
         </p:txBody>
       </p:sp>
       <p:sp>
         <p:nvSpPr>
-          <p:cNvPr id="4" name="Slide Number Placeholder 3"/>
-          <p:cNvSpPr>
-            <a:spLocks noGrp="1"/>
-          </p:cNvSpPr>
-          <p:nvPr>
-            <p:ph type="sldNum" sz="quarter" idx="10"/>
-          </p:nvPr>
-        </p:nvSpPr>
-        <p:spPr/>
-        <p:txBody>
-          <a:bodyPr/>
-          <a:lstStyle/>
-          <a:p>
-            <a:fld id="{CF20ED08-E70C-4F83-9884-206434D7992D}" type="slidenum">
-              <a:rPr lang="en-US" smtClean="0"/>
-              <a:pPr/>
-              <a:t>1</a:t>
-            </a:fld>
-            <a:endParaRPr lang="en-US"/>
-          </a:p>
-        </p:txBody>
-      </p:sp>
-      <p:sp>
-        <p:nvSpPr>
-          <p:cNvPr id="7" name="Text Placeholder 6"/>
+          <p:cNvPr id="6" name="Text Placeholder 6"/>
           <p:cNvSpPr txBox="1">
             <a:spLocks/>
           </p:cNvSpPr>
@@ -5995,8 +5946,8 @@
         </p:nvSpPr>
         <p:spPr>
           <a:xfrm>
-            <a:off x="342900" y="2737301"/>
-            <a:ext cx="8458200" cy="1846659"/>
+            <a:off x="816745" y="3111985"/>
+            <a:ext cx="7510509" cy="2723823"/>
           </a:xfrm>
           <a:prstGeom prst="rect">
             <a:avLst/>
@@ -6216,127 +6167,256 @@
           </a:lstStyle>
           <a:p>
             <a:r>
+              <a:rPr lang="en-US" sz="1900" dirty="0" smtClean="0"/>
+              <a:t>var items = [{</a:t>
+            </a:r>
+          </a:p>
+          <a:p>
+            <a:r>
               <a:rPr lang="en-US" sz="1900" dirty="0"/>
-              <a:t>&lt;script id</a:t>
+              <a:t> </a:t>
             </a:r>
             <a:r>
               <a:rPr lang="en-US" sz="1900" dirty="0" smtClean="0"/>
-              <a:t>="post-template" type</a:t>
-            </a:r>
+              <a:t> value: 1,</a:t>
+            </a:r>
+          </a:p>
+          <a:p>
             <a:r>
               <a:rPr lang="en-US" sz="1900" dirty="0"/>
-              <a:t>="</a:t>
-            </a:r>
-            <a:r>
-              <a:rPr lang="en-US" sz="1900" dirty="0">
-                <a:solidFill>
-                  <a:schemeClr val="tx1">
+              <a:t> </a:t>
+            </a:r>
+            <a:r>
+              <a:rPr lang="en-US" sz="1900" dirty="0" smtClean="0"/>
+              <a:t> text: 'One'</a:t>
+            </a:r>
+          </a:p>
+          <a:p>
+            <a:r>
+              <a:rPr lang="en-US" sz="1900" dirty="0" smtClean="0"/>
+              <a:t>}, {</a:t>
+            </a:r>
+          </a:p>
+          <a:p>
+            <a:r>
+              <a:rPr lang="en-US" sz="1900" dirty="0"/>
+              <a:t> </a:t>
+            </a:r>
+            <a:r>
+              <a:rPr lang="en-US" sz="1900" dirty="0" smtClean="0"/>
+              <a:t> value</a:t>
+            </a:r>
+            <a:r>
+              <a:rPr lang="en-US" sz="1900" dirty="0"/>
+              <a:t>: </a:t>
+            </a:r>
+            <a:r>
+              <a:rPr lang="en-US" sz="1900" dirty="0" smtClean="0"/>
+              <a:t>2,</a:t>
+            </a:r>
+            <a:endParaRPr lang="en-US" sz="1900" dirty="0"/>
+          </a:p>
+          <a:p>
+            <a:r>
+              <a:rPr lang="en-US" sz="1900" dirty="0"/>
+              <a:t>  text: </a:t>
+            </a:r>
+            <a:r>
+              <a:rPr lang="en-US" sz="1900" dirty="0" smtClean="0"/>
+              <a:t>'Two'</a:t>
+            </a:r>
+          </a:p>
+          <a:p>
+            <a:r>
+              <a:rPr lang="en-US" sz="1900" dirty="0" smtClean="0"/>
+              <a:t>}];</a:t>
+            </a:r>
+          </a:p>
+          <a:p>
+            <a:endParaRPr lang="en-US" sz="1900" dirty="0"/>
+          </a:p>
+          <a:p>
+            <a:r>
+              <a:rPr lang="en-US" sz="1900" dirty="0" smtClean="0"/>
+              <a:t>var </a:t>
+            </a:r>
+            <a:r>
+              <a:rPr lang="en-US" sz="1900" dirty="0" err="1" smtClean="0"/>
+              <a:t>selectHTML</a:t>
+            </a:r>
+            <a:r>
+              <a:rPr lang="en-US" sz="1900" dirty="0" smtClean="0"/>
+              <a:t> = </a:t>
+            </a:r>
+            <a:r>
+              <a:rPr lang="en-US" sz="1900" dirty="0" err="1" smtClean="0"/>
+              <a:t>selectTemplate</a:t>
+            </a:r>
+            <a:r>
+              <a:rPr lang="en-US" sz="1900" dirty="0" smtClean="0"/>
+              <a:t>(items);</a:t>
+            </a:r>
+          </a:p>
+        </p:txBody>
+      </p:sp>
+      <p:pic>
+        <p:nvPicPr>
+          <p:cNvPr id="3" name="Picture 2"/>
+          <p:cNvPicPr>
+            <a:picLocks noChangeAspect="1"/>
+          </p:cNvPicPr>
+          <p:nvPr/>
+        </p:nvPicPr>
+        <p:blipFill rotWithShape="1">
+          <a:blip r:embed="rId2" cstate="email">
+            <a:extLst>
+              <a:ext uri="{28A0092B-C50C-407E-A947-70E740481C1C}">
+                <a14:useLocalDpi xmlns="" xmlns:a14="http://schemas.microsoft.com/office/drawing/2010/main"/>
+              </a:ext>
+            </a:extLst>
+          </a:blip>
+          <a:srcRect/>
+          <a:stretch/>
+        </p:blipFill>
+        <p:spPr>
+          <a:xfrm>
+            <a:off x="6892214" y="3155756"/>
+            <a:ext cx="1410440" cy="2186829"/>
+          </a:xfrm>
+          <a:prstGeom prst="roundRect">
+            <a:avLst>
+              <a:gd name="adj" fmla="val 3836"/>
+            </a:avLst>
+          </a:prstGeom>
+          <a:ln w="19050">
+            <a:solidFill>
+              <a:schemeClr val="accent5">
+                <a:lumMod val="60000"/>
+                <a:lumOff val="40000"/>
+              </a:schemeClr>
+            </a:solidFill>
+          </a:ln>
+        </p:spPr>
+      </p:pic>
+    </p:spTree>
+    <p:extLst>
+      <p:ext uri="{BB962C8B-B14F-4D97-AF65-F5344CB8AC3E}">
+        <p14:creationId xmlns="" xmlns:p14="http://schemas.microsoft.com/office/powerpoint/2010/main" val="106720609"/>
+      </p:ext>
+    </p:extLst>
+  </p:cSld>
+  <p:clrMapOvr>
+    <a:masterClrMapping/>
+  </p:clrMapOvr>
+  <p:timing>
+    <p:tnLst>
+      <p:par>
+        <p:cTn id="1" dur="indefinite" restart="never" nodeType="tmRoot"/>
+      </p:par>
+    </p:tnLst>
+  </p:timing>
+</p:sld>
+</file>
+
+<file path=ppt/slides/slide3.xml><?xml version="1.0" encoding="utf-8"?>
+<p:sld xmlns:a="http://schemas.openxmlformats.org/drawingml/2006/main" xmlns:r="http://schemas.openxmlformats.org/officeDocument/2006/relationships" xmlns:p="http://schemas.openxmlformats.org/presentationml/2006/main" showMasterSp="0">
+  <p:cSld>
+    <p:spTree>
+      <p:nvGrpSpPr>
+        <p:cNvPr id="1" name=""/>
+        <p:cNvGrpSpPr/>
+        <p:nvPr/>
+      </p:nvGrpSpPr>
+      <p:grpSpPr>
+        <a:xfrm>
+          <a:off x="0" y="0"/>
+          <a:ext cx="0" cy="0"/>
+          <a:chOff x="0" y="0"/>
+          <a:chExt cx="0" cy="0"/>
+        </a:xfrm>
+      </p:grpSpPr>
+      <p:sp>
+        <p:nvSpPr>
+          <p:cNvPr id="5" name="Content Placeholder 4"/>
+          <p:cNvSpPr>
+            <a:spLocks noGrp="1"/>
+          </p:cNvSpPr>
+          <p:nvPr>
+            <p:ph idx="1"/>
+          </p:nvPr>
+        </p:nvSpPr>
+        <p:spPr>
+          <a:xfrm>
+            <a:off x="228600" y="491718"/>
+            <a:ext cx="8686800" cy="3205147"/>
+          </a:xfrm>
+        </p:spPr>
+        <p:txBody>
+          <a:bodyPr/>
+          <a:lstStyle/>
+          <a:p>
+            <a:pPr marL="342900" indent="-342900">
+              <a:buFont typeface="+mj-lt"/>
+              <a:buAutoNum type="arabicPeriod" startAt="3"/>
+            </a:pPr>
+            <a:r>
+              <a:rPr lang="en-US" sz="2800" dirty="0" smtClean="0"/>
+              <a:t>*Create a jQuery plugin for </a:t>
+            </a:r>
+            <a:r>
+              <a:rPr lang="en-US" sz="2800" dirty="0" err="1" smtClean="0"/>
+              <a:t>ListView</a:t>
+            </a:r>
+            <a:endParaRPr lang="en-US" sz="2800" dirty="0" smtClean="0"/>
+          </a:p>
+          <a:p>
+            <a:pPr marL="685800" lvl="1" indent="-338138"/>
+            <a:r>
+              <a:rPr lang="en-US" sz="2600" dirty="0" smtClean="0"/>
+              <a:t>Apply a template for each item of a collection</a:t>
+            </a:r>
+          </a:p>
+          <a:p>
+            <a:pPr marL="685800" lvl="1" indent="-338138"/>
+            <a:r>
+              <a:rPr lang="en-US" sz="2600" dirty="0" smtClean="0"/>
+              <a:t>Using the </a:t>
+            </a:r>
+            <a:r>
+              <a:rPr lang="en-US" sz="2600" dirty="0" smtClean="0">
+                <a:solidFill>
+                  <a:schemeClr val="accent5">
                     <a:lumMod val="20000"/>
                     <a:lumOff val="80000"/>
                   </a:schemeClr>
                 </a:solidFill>
               </a:rPr>
-              <a:t>text/x-handlebars-template</a:t>
-            </a:r>
-            <a:r>
-              <a:rPr lang="en-US" sz="1900" dirty="0" smtClean="0"/>
-              <a:t>"&gt;</a:t>
-            </a:r>
-            <a:endParaRPr lang="en-US" sz="1900" dirty="0"/>
-          </a:p>
-          <a:p>
-            <a:r>
-              <a:rPr lang="en-US" sz="1900" dirty="0" smtClean="0"/>
-              <a:t>  &lt;div </a:t>
-            </a:r>
-            <a:r>
-              <a:rPr lang="en-US" sz="1900" dirty="0"/>
-              <a:t>class='post'&gt;</a:t>
-            </a:r>
-          </a:p>
-          <a:p>
-            <a:r>
-              <a:rPr lang="en-US" sz="1900" dirty="0" smtClean="0"/>
-              <a:t>    &lt;</a:t>
-            </a:r>
-            <a:r>
-              <a:rPr lang="en-US" sz="1900" dirty="0"/>
-              <a:t>h1 class="post-title"&gt;</a:t>
-            </a:r>
-            <a:r>
-              <a:rPr lang="en-US" sz="1900" dirty="0">
-                <a:solidFill>
-                  <a:schemeClr val="tx1">
-                    <a:lumMod val="20000"/>
-                    <a:lumOff val="80000"/>
-                  </a:schemeClr>
-                </a:solidFill>
-              </a:rPr>
-              <a:t>{{title}}</a:t>
-            </a:r>
-            <a:r>
-              <a:rPr lang="en-US" sz="1900" dirty="0"/>
-              <a:t>&lt;/h1</a:t>
-            </a:r>
-            <a:r>
-              <a:rPr lang="en-US" sz="1900" dirty="0" smtClean="0"/>
-              <a:t>&gt;</a:t>
-            </a:r>
-          </a:p>
-          <a:p>
-            <a:r>
-              <a:rPr lang="en-US" sz="1900" dirty="0"/>
-              <a:t> </a:t>
-            </a:r>
-            <a:r>
-              <a:rPr lang="en-US" sz="1900" dirty="0" smtClean="0"/>
-              <a:t>   &lt;</a:t>
-            </a:r>
-            <a:r>
-              <a:rPr lang="en-US" sz="1900" dirty="0"/>
-              <a:t>p class="post-content"&gt;</a:t>
-            </a:r>
-            <a:r>
-              <a:rPr lang="en-US" sz="1900" dirty="0">
-                <a:solidFill>
-                  <a:schemeClr val="tx1">
-                    <a:lumMod val="20000"/>
-                    <a:lumOff val="80000"/>
-                  </a:schemeClr>
-                </a:solidFill>
-              </a:rPr>
-              <a:t>{{{content}}}</a:t>
-            </a:r>
-            <a:r>
-              <a:rPr lang="en-US" sz="1900" dirty="0"/>
-              <a:t>&lt;/p&gt;</a:t>
-            </a:r>
-          </a:p>
-          <a:p>
-            <a:r>
-              <a:rPr lang="en-US" sz="1900" dirty="0" smtClean="0"/>
-              <a:t>  &lt;/</a:t>
-            </a:r>
-            <a:r>
-              <a:rPr lang="en-US" sz="1900" dirty="0"/>
-              <a:t>div&gt;</a:t>
-            </a:r>
-          </a:p>
-          <a:p>
-            <a:r>
-              <a:rPr lang="en-US" sz="1900" dirty="0" smtClean="0"/>
-              <a:t>&lt;/</a:t>
-            </a:r>
-            <a:r>
-              <a:rPr lang="en-US" sz="1900" dirty="0"/>
-              <a:t>script&gt;</a:t>
+              <a:t>data-template</a:t>
+            </a:r>
+            <a:r>
+              <a:rPr lang="en-US" sz="2600" dirty="0" smtClean="0"/>
+              <a:t> attribute set the ID of the template to use for the items</a:t>
+            </a:r>
+          </a:p>
+          <a:p>
+            <a:pPr marL="685800" lvl="1" indent="-338138"/>
+            <a:r>
+              <a:rPr lang="en-US" sz="2600" dirty="0" smtClean="0"/>
+              <a:t>Must work with different collections and templates</a:t>
+            </a:r>
+          </a:p>
+          <a:p>
+            <a:pPr marL="685800" lvl="1" indent="-338138"/>
+            <a:r>
+              <a:rPr lang="en-US" sz="2400" dirty="0" smtClean="0"/>
+              <a:t>*More examples on the next slides</a:t>
             </a:r>
           </a:p>
         </p:txBody>
       </p:sp>
       <p:sp>
         <p:nvSpPr>
-          <p:cNvPr id="10" name="Content Placeholder 5"/>
+          <p:cNvPr id="6" name="Text Placeholder 6"/>
           <p:cNvSpPr txBox="1">
             <a:spLocks/>
           </p:cNvSpPr>
@@ -6344,281 +6424,8 @@
         </p:nvSpPr>
         <p:spPr>
           <a:xfrm>
-            <a:off x="228600" y="4647367"/>
-            <a:ext cx="8686800" cy="629205"/>
-          </a:xfrm>
-          <a:prstGeom prst="rect">
-            <a:avLst/>
-          </a:prstGeom>
-        </p:spPr>
-        <p:txBody>
-          <a:bodyPr/>
-          <a:lstStyle>
-            <a:lvl1pPr marL="282575" indent="-282575" algn="l" rtl="0" eaLnBrk="1" fontAlgn="base" hangingPunct="1">
-              <a:lnSpc>
-                <a:spcPct val="105000"/>
-              </a:lnSpc>
-              <a:spcBef>
-                <a:spcPts val="600"/>
-              </a:spcBef>
-              <a:spcAft>
-                <a:spcPts val="600"/>
-              </a:spcAft>
-              <a:buClr>
-                <a:schemeClr val="accent5">
-                  <a:lumMod val="40000"/>
-                  <a:lumOff val="60000"/>
-                </a:schemeClr>
-              </a:buClr>
-              <a:buSzPct val="70000"/>
-              <a:buFont typeface="Wingdings 2" pitchFamily="18" charset="2"/>
-              <a:buChar char=""/>
-              <a:tabLst>
-                <a:tab pos="282575" algn="l"/>
-              </a:tabLst>
-              <a:defRPr sz="3200" b="1" kern="1200">
-                <a:solidFill>
-                  <a:srgbClr val="EBFFD2"/>
-                </a:solidFill>
-                <a:effectLst>
-                  <a:outerShdw blurRad="38100" dist="38100" dir="2700000" algn="tl">
-                    <a:srgbClr val="000000">
-                      <a:alpha val="43137"/>
-                    </a:srgbClr>
-                  </a:outerShdw>
-                </a:effectLst>
-                <a:latin typeface="+mn-lt"/>
-                <a:ea typeface="+mn-ea"/>
-                <a:cs typeface="+mn-cs"/>
-              </a:defRPr>
-            </a:lvl1pPr>
-            <a:lvl2pPr marL="630238" indent="-273050" algn="l" rtl="0" eaLnBrk="1" fontAlgn="base" hangingPunct="1">
-              <a:lnSpc>
-                <a:spcPct val="105000"/>
-              </a:lnSpc>
-              <a:spcBef>
-                <a:spcPts val="600"/>
-              </a:spcBef>
-              <a:spcAft>
-                <a:spcPts val="600"/>
-              </a:spcAft>
-              <a:buClr>
-                <a:srgbClr val="8FD600"/>
-              </a:buClr>
-              <a:buFont typeface="Wingdings 2" pitchFamily="18" charset="2"/>
-              <a:buChar char=""/>
-              <a:defRPr sz="3000" b="1" kern="1200">
-                <a:solidFill>
-                  <a:schemeClr val="tx1">
-                    <a:lumMod val="40000"/>
-                    <a:lumOff val="60000"/>
-                  </a:schemeClr>
-                </a:solidFill>
-                <a:effectLst>
-                  <a:outerShdw blurRad="38100" dist="38100" dir="2700000" algn="tl">
-                    <a:srgbClr val="000000">
-                      <a:alpha val="43137"/>
-                    </a:srgbClr>
-                  </a:outerShdw>
-                </a:effectLst>
-                <a:latin typeface="+mn-lt"/>
-                <a:ea typeface="+mn-ea"/>
-                <a:cs typeface="+mn-cs"/>
-              </a:defRPr>
-            </a:lvl2pPr>
-            <a:lvl3pPr marL="922338" indent="-273050" algn="l" rtl="0" eaLnBrk="1" fontAlgn="base" hangingPunct="1">
-              <a:lnSpc>
-                <a:spcPct val="105000"/>
-              </a:lnSpc>
-              <a:spcBef>
-                <a:spcPts val="600"/>
-              </a:spcBef>
-              <a:spcAft>
-                <a:spcPts val="600"/>
-              </a:spcAft>
-              <a:buClr>
-                <a:srgbClr val="FFAD9F"/>
-              </a:buClr>
-              <a:buFont typeface="Wingdings 2" pitchFamily="18" charset="2"/>
-              <a:buChar char=""/>
-              <a:defRPr sz="2800" b="1" kern="1200">
-                <a:solidFill>
-                  <a:srgbClr val="F5FFC2"/>
-                </a:solidFill>
-                <a:effectLst>
-                  <a:outerShdw blurRad="38100" dist="38100" dir="2700000" algn="tl">
-                    <a:srgbClr val="000000">
-                      <a:alpha val="43137"/>
-                    </a:srgbClr>
-                  </a:outerShdw>
-                </a:effectLst>
-                <a:latin typeface="+mn-lt"/>
-                <a:ea typeface="+mn-ea"/>
-                <a:cs typeface="+mn-cs"/>
-              </a:defRPr>
-            </a:lvl3pPr>
-            <a:lvl4pPr marL="1187450" indent="-228600" algn="l" rtl="0" eaLnBrk="1" fontAlgn="base" hangingPunct="1">
-              <a:lnSpc>
-                <a:spcPct val="105000"/>
-              </a:lnSpc>
-              <a:spcBef>
-                <a:spcPts val="600"/>
-              </a:spcBef>
-              <a:spcAft>
-                <a:spcPts val="600"/>
-              </a:spcAft>
-              <a:buClr>
-                <a:srgbClr val="FACF82"/>
-              </a:buClr>
-              <a:buFont typeface="Wingdings 2" pitchFamily="18" charset="2"/>
-              <a:buChar char=""/>
-              <a:defRPr sz="2600" b="1" kern="1200">
-                <a:solidFill>
-                  <a:schemeClr val="tx1">
-                    <a:lumMod val="40000"/>
-                    <a:lumOff val="60000"/>
-                  </a:schemeClr>
-                </a:solidFill>
-                <a:effectLst>
-                  <a:outerShdw blurRad="38100" dist="38100" dir="2700000" algn="tl">
-                    <a:srgbClr val="000000">
-                      <a:alpha val="43137"/>
-                    </a:srgbClr>
-                  </a:outerShdw>
-                </a:effectLst>
-                <a:latin typeface="+mn-lt"/>
-                <a:ea typeface="+mn-ea"/>
-                <a:cs typeface="+mn-cs"/>
-              </a:defRPr>
-            </a:lvl4pPr>
-            <a:lvl5pPr marL="1425575" indent="-228600" algn="l" rtl="0" eaLnBrk="1" fontAlgn="base" hangingPunct="1">
-              <a:lnSpc>
-                <a:spcPct val="105000"/>
-              </a:lnSpc>
-              <a:spcBef>
-                <a:spcPts val="600"/>
-              </a:spcBef>
-              <a:spcAft>
-                <a:spcPts val="600"/>
-              </a:spcAft>
-              <a:buClr>
-                <a:srgbClr val="46A6BD"/>
-              </a:buClr>
-              <a:buFont typeface="Wingdings 2" pitchFamily="18" charset="2"/>
-              <a:buChar char=""/>
-              <a:defRPr sz="2400" b="1" kern="1200">
-                <a:solidFill>
-                  <a:schemeClr val="tx1">
-                    <a:lumMod val="40000"/>
-                    <a:lumOff val="60000"/>
-                  </a:schemeClr>
-                </a:solidFill>
-                <a:effectLst>
-                  <a:outerShdw blurRad="38100" dist="38100" dir="2700000" algn="tl">
-                    <a:srgbClr val="000000">
-                      <a:alpha val="43137"/>
-                    </a:srgbClr>
-                  </a:outerShdw>
-                </a:effectLst>
-                <a:latin typeface="+mn-lt"/>
-                <a:ea typeface="+mn-ea"/>
-                <a:cs typeface="+mn-cs"/>
-              </a:defRPr>
-            </a:lvl5pPr>
-            <a:lvl6pPr marL="1673352" indent="-228600" algn="l" rtl="0" eaLnBrk="1" latinLnBrk="0" hangingPunct="1">
-              <a:spcBef>
-                <a:spcPct val="20000"/>
-              </a:spcBef>
-              <a:buClr>
-                <a:schemeClr val="accent6"/>
-              </a:buClr>
-              <a:buFont typeface="Wingdings 2"/>
-              <a:buChar char=""/>
-              <a:defRPr sz="1800" kern="1200">
-                <a:solidFill>
-                  <a:schemeClr val="tx1"/>
-                </a:solidFill>
-                <a:latin typeface="+mn-lt"/>
-                <a:ea typeface="+mn-ea"/>
-                <a:cs typeface="+mn-cs"/>
-              </a:defRPr>
-            </a:lvl6pPr>
-            <a:lvl7pPr marL="1911096" indent="-228600" algn="l" rtl="0" eaLnBrk="1" latinLnBrk="0" hangingPunct="1">
-              <a:spcBef>
-                <a:spcPct val="20000"/>
-              </a:spcBef>
-              <a:buClr>
-                <a:schemeClr val="tx2"/>
-              </a:buClr>
-              <a:buFont typeface="Wingdings 2"/>
-              <a:buChar char=""/>
-              <a:defRPr sz="1600" kern="1200">
-                <a:solidFill>
-                  <a:schemeClr val="tx1"/>
-                </a:solidFill>
-                <a:latin typeface="+mn-lt"/>
-                <a:ea typeface="+mn-ea"/>
-                <a:cs typeface="+mn-cs"/>
-              </a:defRPr>
-            </a:lvl7pPr>
-            <a:lvl8pPr marL="2121408" indent="-182880" algn="l" rtl="0" eaLnBrk="1" latinLnBrk="0" hangingPunct="1">
-              <a:spcBef>
-                <a:spcPct val="20000"/>
-              </a:spcBef>
-              <a:buClr>
-                <a:schemeClr val="tx2"/>
-              </a:buClr>
-              <a:buFont typeface="Wingdings 2"/>
-              <a:buChar char=""/>
-              <a:defRPr sz="1400" kern="1200">
-                <a:solidFill>
-                  <a:schemeClr val="tx1"/>
-                </a:solidFill>
-                <a:latin typeface="+mn-lt"/>
-                <a:ea typeface="+mn-ea"/>
-                <a:cs typeface="+mn-cs"/>
-              </a:defRPr>
-            </a:lvl8pPr>
-            <a:lvl9pPr marL="2322576" indent="-182880" algn="l" rtl="0" eaLnBrk="1" latinLnBrk="0" hangingPunct="1">
-              <a:spcBef>
-                <a:spcPct val="20000"/>
-              </a:spcBef>
-              <a:buClr>
-                <a:schemeClr val="tx2"/>
-              </a:buClr>
-              <a:buFont typeface="Wingdings 2"/>
-              <a:buChar char=""/>
-              <a:defRPr sz="1400" kern="1200">
-                <a:solidFill>
-                  <a:schemeClr val="tx1"/>
-                </a:solidFill>
-                <a:latin typeface="+mn-lt"/>
-                <a:ea typeface="+mn-ea"/>
-                <a:cs typeface="+mn-cs"/>
-              </a:defRPr>
-            </a:lvl9pPr>
-          </a:lstStyle>
-          <a:p>
-            <a:pPr lvl="1"/>
-            <a:r>
-              <a:rPr lang="en-US" dirty="0"/>
-              <a:t>Render the template</a:t>
-            </a:r>
-          </a:p>
-        </p:txBody>
-      </p:sp>
-      <p:sp>
-        <p:nvSpPr>
-          <p:cNvPr id="11" name="Text Placeholder 6"/>
-          <p:cNvSpPr txBox="1">
-            <a:spLocks/>
-          </p:cNvSpPr>
-          <p:nvPr/>
-        </p:nvSpPr>
-        <p:spPr>
-          <a:xfrm>
-            <a:off x="342900" y="5306967"/>
-            <a:ext cx="8458200" cy="1261884"/>
+            <a:off x="591554" y="3805351"/>
+            <a:ext cx="7816277" cy="2723823"/>
           </a:xfrm>
           <a:prstGeom prst="rect">
             <a:avLst/>
@@ -6838,48 +6645,30 @@
           </a:lstStyle>
           <a:p>
             <a:r>
+              <a:rPr lang="en-US" sz="1900" dirty="0"/>
+              <a:t>&lt;</a:t>
+            </a:r>
+            <a:r>
+              <a:rPr lang="en-US" sz="1900" dirty="0" err="1"/>
+              <a:t>ul</a:t>
+            </a:r>
+            <a:r>
+              <a:rPr lang="en-US" sz="1900" dirty="0"/>
+              <a:t> id="books-list</a:t>
+            </a:r>
+            <a:r>
               <a:rPr lang="en-US" sz="1900" dirty="0" smtClean="0"/>
-              <a:t>var post = {title: '…', content: '…'},</a:t>
-            </a:r>
-          </a:p>
-          <a:p>
+              <a:t>" </a:t>
+            </a:r>
+            <a:br>
+              <a:rPr lang="en-US" sz="1900" dirty="0" smtClean="0"/>
+            </a:br>
             <a:r>
               <a:rPr lang="en-US" sz="1900" dirty="0" smtClean="0"/>
               <a:t>    </a:t>
             </a:r>
             <a:r>
-              <a:rPr lang="en-US" sz="1900" dirty="0" err="1" smtClean="0"/>
-              <a:t>htmlTemplate</a:t>
-            </a:r>
-            <a:r>
-              <a:rPr lang="en-US" sz="1900" dirty="0" smtClean="0"/>
-              <a:t> = </a:t>
-            </a:r>
-            <a:r>
-              <a:rPr lang="en-US" sz="1900" dirty="0" err="1" smtClean="0"/>
-              <a:t>postTemplateNode.innerHTML</a:t>
-            </a:r>
-            <a:r>
-              <a:rPr lang="en-US" sz="1900" dirty="0"/>
-              <a:t>,</a:t>
-            </a:r>
-            <a:endParaRPr lang="en-US" sz="1900" dirty="0" smtClean="0"/>
-          </a:p>
-          <a:p>
-            <a:r>
-              <a:rPr lang="en-US" sz="1900" dirty="0" smtClean="0"/>
-              <a:t>    </a:t>
-            </a:r>
-            <a:r>
-              <a:rPr lang="en-US" sz="1900" dirty="0" err="1" smtClean="0"/>
-              <a:t>postTemplate</a:t>
-            </a:r>
-            <a:r>
-              <a:rPr lang="en-US" sz="1900" dirty="0" smtClean="0"/>
-              <a:t> = </a:t>
-            </a:r>
-            <a:r>
-              <a:rPr lang="en-US" sz="1900" dirty="0" err="1" smtClean="0">
+              <a:rPr lang="en-US" sz="1900" dirty="0" smtClean="0">
                 <a:solidFill>
                   <a:schemeClr val="tx1">
                     <a:lumMod val="20000"/>
@@ -6887,10 +6676,28 @@
                   </a:schemeClr>
                 </a:solidFill>
               </a:rPr>
-              <a:t>Handlebars.compile</a:t>
-            </a:r>
-            <a:r>
-              <a:rPr lang="en-US" sz="1900" dirty="0" smtClean="0">
+              <a:t>data-template</a:t>
+            </a:r>
+            <a:r>
+              <a:rPr lang="en-US" sz="1900" dirty="0" smtClean="0"/>
+              <a:t>="book-item-template"&gt;&lt;/</a:t>
+            </a:r>
+            <a:r>
+              <a:rPr lang="en-US" sz="1900" dirty="0" err="1"/>
+              <a:t>ul</a:t>
+            </a:r>
+            <a:r>
+              <a:rPr lang="en-US" sz="1900" dirty="0"/>
+              <a:t>&gt;</a:t>
+            </a:r>
+          </a:p>
+          <a:p>
+            <a:r>
+              <a:rPr lang="en-US" sz="1900" dirty="0"/>
+              <a:t>&lt;script id="</a:t>
+            </a:r>
+            <a:r>
+              <a:rPr lang="en-US" sz="1900" dirty="0">
                 <a:solidFill>
                   <a:schemeClr val="tx1">
                     <a:lumMod val="20000"/>
@@ -6898,371 +6705,62 @@
                   </a:schemeClr>
                 </a:solidFill>
               </a:rPr>
-              <a:t>(</a:t>
-            </a:r>
-            <a:r>
-              <a:rPr lang="en-US" sz="1900" dirty="0" err="1" smtClean="0">
-                <a:solidFill>
-                  <a:schemeClr val="tx1">
-                    <a:lumMod val="20000"/>
-                    <a:lumOff val="80000"/>
-                  </a:schemeClr>
-                </a:solidFill>
-              </a:rPr>
-              <a:t>htmlTemplate</a:t>
-            </a:r>
-            <a:r>
-              <a:rPr lang="en-US" sz="1900" dirty="0" smtClean="0">
-                <a:solidFill>
-                  <a:schemeClr val="tx1">
-                    <a:lumMod val="20000"/>
-                    <a:lumOff val="80000"/>
-                  </a:schemeClr>
-                </a:solidFill>
-              </a:rPr>
-              <a:t>)</a:t>
-            </a:r>
-            <a:r>
-              <a:rPr lang="en-US" sz="1900" dirty="0" smtClean="0"/>
-              <a:t>,</a:t>
-            </a:r>
-          </a:p>
-          <a:p>
-            <a:r>
-              <a:rPr sz="1900"/>
-              <a:t> </a:t>
-            </a:r>
-            <a:r>
-              <a:rPr sz="1900" smtClean="0"/>
-              <a:t>   </a:t>
-            </a:r>
-            <a:r>
-              <a:rPr lang="en-US" sz="1900" smtClean="0"/>
-              <a:t>postNode.innerHTML </a:t>
-            </a:r>
-            <a:r>
-              <a:rPr lang="en-US" sz="1900" dirty="0" smtClean="0"/>
-              <a:t>= </a:t>
-            </a:r>
-            <a:r>
-              <a:rPr lang="en-US" sz="1900" dirty="0" err="1" smtClean="0">
-                <a:solidFill>
-                  <a:schemeClr val="tx1">
-                    <a:lumMod val="20000"/>
-                    <a:lumOff val="80000"/>
-                  </a:schemeClr>
-                </a:solidFill>
-              </a:rPr>
-              <a:t>postTemplate</a:t>
-            </a:r>
-            <a:r>
-              <a:rPr lang="en-US" sz="1900" dirty="0" smtClean="0">
-                <a:solidFill>
-                  <a:schemeClr val="tx1">
-                    <a:lumMod val="20000"/>
-                    <a:lumOff val="80000"/>
-                  </a:schemeClr>
-                </a:solidFill>
-              </a:rPr>
-              <a:t>(post)</a:t>
-            </a:r>
-            <a:r>
-              <a:rPr lang="en-US" sz="1900" dirty="0" smtClean="0"/>
-              <a:t>;</a:t>
-            </a:r>
-          </a:p>
-        </p:txBody>
-      </p:sp>
-    </p:spTree>
-    <p:extLst>
-      <p:ext uri="{BB962C8B-B14F-4D97-AF65-F5344CB8AC3E}">
-        <p14:creationId xmlns="" xmlns:p14="http://schemas.microsoft.com/office/powerpoint/2010/main" val="1830334715"/>
-      </p:ext>
-    </p:extLst>
-  </p:cSld>
-  <p:clrMapOvr>
-    <a:masterClrMapping/>
-  </p:clrMapOvr>
-  <p:timing>
-    <p:tnLst>
-      <p:par>
-        <p:cTn id="1" dur="indefinite" restart="never" nodeType="tmRoot"/>
-      </p:par>
-    </p:tnLst>
-  </p:timing>
-</p:sld>
-</file>
-
-<file path=ppt/slides/slide10.xml><?xml version="1.0" encoding="utf-8"?>
-<p:sld xmlns:a="http://schemas.openxmlformats.org/drawingml/2006/main" xmlns:r="http://schemas.openxmlformats.org/officeDocument/2006/relationships" xmlns:p="http://schemas.openxmlformats.org/presentationml/2006/main">
-  <p:cSld>
-    <p:spTree>
-      <p:nvGrpSpPr>
-        <p:cNvPr id="1" name=""/>
-        <p:cNvGrpSpPr/>
-        <p:nvPr/>
-      </p:nvGrpSpPr>
-      <p:grpSpPr>
-        <a:xfrm>
-          <a:off x="0" y="0"/>
-          <a:ext cx="0" cy="0"/>
-          <a:chOff x="0" y="0"/>
-          <a:chExt cx="0" cy="0"/>
-        </a:xfrm>
-      </p:grpSpPr>
-      <p:sp>
-        <p:nvSpPr>
-          <p:cNvPr id="4" name="Title 3"/>
-          <p:cNvSpPr>
-            <a:spLocks noGrp="1"/>
-          </p:cNvSpPr>
-          <p:nvPr>
-            <p:ph type="title"/>
-          </p:nvPr>
-        </p:nvSpPr>
-        <p:spPr/>
-        <p:txBody>
-          <a:bodyPr/>
-          <a:lstStyle/>
-          <a:p>
-            <a:r>
-              <a:rPr lang="en-US" smtClean="0"/>
-              <a:t>Homework</a:t>
-            </a:r>
-            <a:endParaRPr lang="bg-BG" dirty="0"/>
+              <a:t>book-item-template</a:t>
+            </a:r>
+            <a:r>
+              <a:rPr lang="en-US" sz="1900" dirty="0"/>
+              <a:t>" type="…"&gt;</a:t>
+            </a:r>
+          </a:p>
+          <a:p>
+            <a:r>
+              <a:rPr lang="en-US" sz="1900" dirty="0"/>
+              <a:t>  &lt;li class="book-item"&gt;</a:t>
+            </a:r>
+          </a:p>
+          <a:p>
+            <a:r>
+              <a:rPr lang="en-US" sz="1900" dirty="0"/>
+              <a:t>    &lt;a </a:t>
+            </a:r>
+            <a:r>
+              <a:rPr lang="en-US" sz="1900" dirty="0" err="1"/>
+              <a:t>href</a:t>
+            </a:r>
+            <a:r>
+              <a:rPr lang="en-US" sz="1900" dirty="0"/>
+              <a:t>="/#books/{{id}}"&gt;</a:t>
+            </a:r>
+          </a:p>
+          <a:p>
+            <a:r>
+              <a:rPr lang="en-US" sz="1900" dirty="0"/>
+              <a:t>      &lt;strong&gt;{{title}}&lt;/strong&gt;</a:t>
+            </a:r>
+          </a:p>
+          <a:p>
+            <a:r>
+              <a:rPr lang="en-US" sz="1900" dirty="0"/>
+              <a:t>    &lt;/a&gt;</a:t>
+            </a:r>
+          </a:p>
+          <a:p>
+            <a:r>
+              <a:rPr lang="en-US" sz="1900" dirty="0"/>
+              <a:t>  &lt;/li&gt;	</a:t>
+            </a:r>
+          </a:p>
+          <a:p>
+            <a:r>
+              <a:rPr lang="en-US" sz="1900" dirty="0"/>
+              <a:t>&lt;/script&gt;</a:t>
+            </a:r>
           </a:p>
         </p:txBody>
       </p:sp>
       <p:sp>
         <p:nvSpPr>
-          <p:cNvPr id="5" name="Content Placeholder 4"/>
-          <p:cNvSpPr>
-            <a:spLocks noGrp="1"/>
-          </p:cNvSpPr>
-          <p:nvPr>
-            <p:ph idx="1"/>
-          </p:nvPr>
-        </p:nvSpPr>
-        <p:spPr>
-          <a:xfrm>
-            <a:off x="228600" y="1145218"/>
-            <a:ext cx="8686800" cy="656949"/>
-          </a:xfrm>
-        </p:spPr>
-        <p:txBody>
-          <a:bodyPr/>
-          <a:lstStyle/>
-          <a:p>
-            <a:pPr marL="400050" indent="-400050">
-              <a:buFont typeface="+mj-lt"/>
-              <a:buAutoNum type="arabicPeriod"/>
-            </a:pPr>
-            <a:r>
-              <a:rPr lang="en-US" sz="2800" dirty="0" smtClean="0"/>
-              <a:t>Create the following using Handlebars.js</a:t>
-            </a:r>
-          </a:p>
-        </p:txBody>
-      </p:sp>
-      <p:sp>
-        <p:nvSpPr>
-          <p:cNvPr id="2" name="Slide Number Placeholder 1"/>
-          <p:cNvSpPr>
-            <a:spLocks noGrp="1"/>
-          </p:cNvSpPr>
-          <p:nvPr>
-            <p:ph type="sldNum" sz="quarter" idx="10"/>
-          </p:nvPr>
-        </p:nvSpPr>
-        <p:spPr/>
-        <p:txBody>
-          <a:bodyPr/>
-          <a:lstStyle/>
-          <a:p>
-            <a:fld id="{CF20ED08-E70C-4F83-9884-206434D7992D}" type="slidenum">
-              <a:rPr lang="en-US" smtClean="0"/>
-              <a:pPr/>
-              <a:t>10</a:t>
-            </a:fld>
-            <a:endParaRPr lang="en-US"/>
-          </a:p>
-        </p:txBody>
-      </p:sp>
-      <p:pic>
-        <p:nvPicPr>
-          <p:cNvPr id="9" name="Picture 8"/>
-          <p:cNvPicPr>
-            <a:picLocks noChangeAspect="1"/>
-          </p:cNvPicPr>
-          <p:nvPr/>
-        </p:nvPicPr>
-        <p:blipFill rotWithShape="1">
-          <a:blip r:embed="rId2" cstate="email">
-            <a:extLst>
-              <a:ext uri="{28A0092B-C50C-407E-A947-70E740481C1C}">
-                <a14:useLocalDpi xmlns="" xmlns:a14="http://schemas.microsoft.com/office/drawing/2010/main"/>
-              </a:ext>
-            </a:extLst>
-          </a:blip>
-          <a:srcRect/>
-          <a:stretch/>
-        </p:blipFill>
-        <p:spPr>
-          <a:xfrm>
-            <a:off x="1028700" y="1998770"/>
-            <a:ext cx="7086600" cy="3771900"/>
-          </a:xfrm>
-          <a:prstGeom prst="roundRect">
-            <a:avLst>
-              <a:gd name="adj" fmla="val 898"/>
-            </a:avLst>
-          </a:prstGeom>
-          <a:ln w="19050">
-            <a:solidFill>
-              <a:schemeClr val="bg1">
-                <a:lumMod val="95000"/>
-                <a:lumOff val="5000"/>
-              </a:schemeClr>
-            </a:solidFill>
-          </a:ln>
-        </p:spPr>
-      </p:pic>
-    </p:spTree>
-    <p:extLst>
-      <p:ext uri="{BB962C8B-B14F-4D97-AF65-F5344CB8AC3E}">
-        <p14:creationId xmlns="" xmlns:p14="http://schemas.microsoft.com/office/powerpoint/2010/main" val="2314371933"/>
-      </p:ext>
-    </p:extLst>
-  </p:cSld>
-  <p:clrMapOvr>
-    <a:masterClrMapping/>
-  </p:clrMapOvr>
-  <p:timing>
-    <p:tnLst>
-      <p:par>
-        <p:cTn id="1" dur="indefinite" restart="never" nodeType="tmRoot"/>
-      </p:par>
-    </p:tnLst>
-  </p:timing>
-</p:sld>
-</file>
-
-<file path=ppt/slides/slide11.xml><?xml version="1.0" encoding="utf-8"?>
-<p:sld xmlns:a="http://schemas.openxmlformats.org/drawingml/2006/main" xmlns:r="http://schemas.openxmlformats.org/officeDocument/2006/relationships" xmlns:p="http://schemas.openxmlformats.org/presentationml/2006/main">
-  <p:cSld>
-    <p:spTree>
-      <p:nvGrpSpPr>
-        <p:cNvPr id="1" name=""/>
-        <p:cNvGrpSpPr/>
-        <p:nvPr/>
-      </p:nvGrpSpPr>
-      <p:grpSpPr>
-        <a:xfrm>
-          <a:off x="0" y="0"/>
-          <a:ext cx="0" cy="0"/>
-          <a:chOff x="0" y="0"/>
-          <a:chExt cx="0" cy="0"/>
-        </a:xfrm>
-      </p:grpSpPr>
-      <p:sp>
-        <p:nvSpPr>
-          <p:cNvPr id="4" name="Title 3"/>
-          <p:cNvSpPr>
-            <a:spLocks noGrp="1"/>
-          </p:cNvSpPr>
-          <p:nvPr>
-            <p:ph type="title"/>
-          </p:nvPr>
-        </p:nvSpPr>
-        <p:spPr/>
-        <p:txBody>
-          <a:bodyPr/>
-          <a:lstStyle/>
-          <a:p>
-            <a:r>
-              <a:rPr lang="en-US" dirty="0" smtClean="0"/>
-              <a:t>Homework (2)</a:t>
-            </a:r>
-            <a:endParaRPr lang="bg-BG" dirty="0"/>
-          </a:p>
-        </p:txBody>
-      </p:sp>
-      <p:sp>
-        <p:nvSpPr>
-          <p:cNvPr id="5" name="Content Placeholder 4"/>
-          <p:cNvSpPr>
-            <a:spLocks noGrp="1"/>
-          </p:cNvSpPr>
-          <p:nvPr>
-            <p:ph idx="1"/>
-          </p:nvPr>
-        </p:nvSpPr>
-        <p:spPr>
-          <a:xfrm>
-            <a:off x="228600" y="1145218"/>
-            <a:ext cx="8686800" cy="656949"/>
-          </a:xfrm>
-        </p:spPr>
-        <p:txBody>
-          <a:bodyPr/>
-          <a:lstStyle/>
-          <a:p>
-            <a:pPr marL="346075" indent="-346075">
-              <a:buFont typeface="+mj-lt"/>
-              <a:buAutoNum type="arabicPeriod" startAt="2"/>
-            </a:pPr>
-            <a:r>
-              <a:rPr lang="en-US" sz="2800" dirty="0" smtClean="0"/>
-              <a:t>Create a dynamic select using Handlebars.js</a:t>
-            </a:r>
-          </a:p>
-          <a:p>
-            <a:pPr marL="568325" lvl="1" indent="-220663"/>
-            <a:r>
-              <a:rPr lang="en-US" sz="2600" dirty="0" smtClean="0"/>
-              <a:t>The options in the select should be generated based on a collection of JavaScript objects</a:t>
-            </a:r>
-          </a:p>
-          <a:p>
-            <a:pPr marL="568325" lvl="1" indent="-220663"/>
-            <a:r>
-              <a:rPr lang="en-US" sz="2600" dirty="0" smtClean="0"/>
-              <a:t>Example:</a:t>
-            </a:r>
-          </a:p>
-          <a:p>
-            <a:pPr marL="568325" lvl="1" indent="-220663"/>
-            <a:endParaRPr lang="en-US" sz="2600" dirty="0" smtClean="0"/>
-          </a:p>
-        </p:txBody>
-      </p:sp>
-      <p:sp>
-        <p:nvSpPr>
-          <p:cNvPr id="2" name="Slide Number Placeholder 1"/>
-          <p:cNvSpPr>
-            <a:spLocks noGrp="1"/>
-          </p:cNvSpPr>
-          <p:nvPr>
-            <p:ph type="sldNum" sz="quarter" idx="10"/>
-          </p:nvPr>
-        </p:nvSpPr>
-        <p:spPr/>
-        <p:txBody>
-          <a:bodyPr/>
-          <a:lstStyle/>
-          <a:p>
-            <a:fld id="{CF20ED08-E70C-4F83-9884-206434D7992D}" type="slidenum">
-              <a:rPr lang="en-US" smtClean="0"/>
-              <a:pPr/>
-              <a:t>11</a:t>
-            </a:fld>
-            <a:endParaRPr lang="en-US"/>
-          </a:p>
-        </p:txBody>
-      </p:sp>
-      <p:sp>
-        <p:nvSpPr>
-          <p:cNvPr id="6" name="Text Placeholder 6"/>
+          <p:cNvPr id="7" name="Text Placeholder 6"/>
           <p:cNvSpPr txBox="1">
             <a:spLocks/>
           </p:cNvSpPr>
@@ -7270,8 +6768,8 @@
         </p:nvSpPr>
         <p:spPr>
           <a:xfrm>
-            <a:off x="816745" y="3297961"/>
-            <a:ext cx="7510509" cy="2723823"/>
+            <a:off x="3698432" y="6100038"/>
+            <a:ext cx="4644255" cy="384721"/>
           </a:xfrm>
           <a:prstGeom prst="rect">
             <a:avLst/>
@@ -7492,100 +6990,23 @@
           <a:p>
             <a:r>
               <a:rPr lang="en-US" sz="1900" dirty="0" smtClean="0"/>
-              <a:t>var items = [{</a:t>
-            </a:r>
-          </a:p>
-          <a:p>
-            <a:r>
-              <a:rPr lang="en-US" sz="1900" dirty="0"/>
-              <a:t> </a:t>
+              <a:t>$('#books-list').</a:t>
+            </a:r>
+            <a:r>
+              <a:rPr lang="en-US" sz="1900" dirty="0" err="1" smtClean="0"/>
+              <a:t>listview</a:t>
             </a:r>
             <a:r>
               <a:rPr lang="en-US" sz="1900" dirty="0" smtClean="0"/>
-              <a:t> value: 1,</a:t>
-            </a:r>
-          </a:p>
-          <a:p>
-            <a:r>
-              <a:rPr lang="en-US" sz="1900" dirty="0"/>
-              <a:t> </a:t>
-            </a:r>
-            <a:r>
-              <a:rPr lang="en-US" sz="1900" dirty="0" smtClean="0"/>
-              <a:t> text: 'One'</a:t>
-            </a:r>
-          </a:p>
-          <a:p>
-            <a:r>
-              <a:rPr lang="en-US" sz="1900" dirty="0" smtClean="0"/>
-              <a:t>}, {</a:t>
-            </a:r>
-          </a:p>
-          <a:p>
-            <a:r>
-              <a:rPr lang="en-US" sz="1900" dirty="0"/>
-              <a:t> </a:t>
-            </a:r>
-            <a:r>
-              <a:rPr lang="en-US" sz="1900" dirty="0" smtClean="0"/>
-              <a:t> value</a:t>
-            </a:r>
-            <a:r>
-              <a:rPr lang="en-US" sz="1900" dirty="0"/>
-              <a:t>: </a:t>
-            </a:r>
-            <a:r>
-              <a:rPr lang="en-US" sz="1900" dirty="0" smtClean="0"/>
-              <a:t>2,</a:t>
+              <a:t>(books);</a:t>
             </a:r>
             <a:endParaRPr lang="en-US" sz="1900" dirty="0"/>
-          </a:p>
-          <a:p>
-            <a:r>
-              <a:rPr lang="en-US" sz="1900" dirty="0"/>
-              <a:t>  text: </a:t>
-            </a:r>
-            <a:r>
-              <a:rPr lang="en-US" sz="1900" dirty="0" smtClean="0"/>
-              <a:t>'Two'</a:t>
-            </a:r>
-          </a:p>
-          <a:p>
-            <a:r>
-              <a:rPr lang="en-US" sz="1900" dirty="0" smtClean="0"/>
-              <a:t>}];</a:t>
-            </a:r>
-          </a:p>
-          <a:p>
-            <a:endParaRPr lang="en-US" sz="1900" dirty="0"/>
-          </a:p>
-          <a:p>
-            <a:r>
-              <a:rPr lang="en-US" sz="1900" dirty="0" smtClean="0"/>
-              <a:t>var </a:t>
-            </a:r>
-            <a:r>
-              <a:rPr lang="en-US" sz="1900" dirty="0" err="1" smtClean="0"/>
-              <a:t>selectHTML</a:t>
-            </a:r>
-            <a:r>
-              <a:rPr lang="en-US" sz="1900" dirty="0" smtClean="0"/>
-              <a:t> = </a:t>
-            </a:r>
-            <a:r>
-              <a:rPr lang="en-US" sz="1900" dirty="0" err="1" smtClean="0"/>
-              <a:t>selectTemplate</a:t>
-            </a:r>
-            <a:r>
-              <a:rPr lang="en-US" sz="1900" dirty="0" smtClean="0"/>
-              <a:t>(items);</a:t>
-            </a:r>
           </a:p>
         </p:txBody>
       </p:sp>
       <p:pic>
         <p:nvPicPr>
-          <p:cNvPr id="3" name="Picture 2"/>
+          <p:cNvPr id="9" name="Picture 8"/>
           <p:cNvPicPr>
             <a:picLocks noChangeAspect="1"/>
           </p:cNvPicPr>
@@ -7604,28 +7025,20 @@
         </p:blipFill>
         <p:spPr>
           <a:xfrm>
-            <a:off x="6357522" y="3566457"/>
-            <a:ext cx="1410440" cy="2186829"/>
+            <a:off x="6176129" y="5119377"/>
+            <a:ext cx="2189805" cy="914879"/>
           </a:xfrm>
           <a:prstGeom prst="roundRect">
             <a:avLst>
-              <a:gd name="adj" fmla="val 3836"/>
+              <a:gd name="adj" fmla="val 4086"/>
             </a:avLst>
           </a:prstGeom>
-          <a:ln w="19050">
-            <a:solidFill>
-              <a:schemeClr val="accent5">
-                <a:lumMod val="60000"/>
-                <a:lumOff val="40000"/>
-              </a:schemeClr>
-            </a:solidFill>
-          </a:ln>
         </p:spPr>
       </p:pic>
     </p:spTree>
     <p:extLst>
       <p:ext uri="{BB962C8B-B14F-4D97-AF65-F5344CB8AC3E}">
-        <p14:creationId xmlns="" xmlns:p14="http://schemas.microsoft.com/office/powerpoint/2010/main" val="106720609"/>
+        <p14:creationId xmlns="" xmlns:p14="http://schemas.microsoft.com/office/powerpoint/2010/main" val="1328017905"/>
       </p:ext>
     </p:extLst>
   </p:cSld>
@@ -7642,8 +7055,8 @@
 </p:sld>
 </file>
 
-<file path=ppt/slides/slide12.xml><?xml version="1.0" encoding="utf-8"?>
-<p:sld xmlns:a="http://schemas.openxmlformats.org/drawingml/2006/main" xmlns:r="http://schemas.openxmlformats.org/officeDocument/2006/relationships" xmlns:p="http://schemas.openxmlformats.org/presentationml/2006/main">
+<file path=ppt/slides/slide4.xml><?xml version="1.0" encoding="utf-8"?>
+<p:sld xmlns:a="http://schemas.openxmlformats.org/drawingml/2006/main" xmlns:r="http://schemas.openxmlformats.org/officeDocument/2006/relationships" xmlns:p="http://schemas.openxmlformats.org/presentationml/2006/main" showMasterSp="0">
   <p:cSld>
     <p:spTree>
       <p:nvGrpSpPr>
@@ -7661,132 +7074,6 @@
       </p:grpSpPr>
       <p:sp>
         <p:nvSpPr>
-          <p:cNvPr id="4" name="Title 3"/>
-          <p:cNvSpPr>
-            <a:spLocks noGrp="1"/>
-          </p:cNvSpPr>
-          <p:nvPr>
-            <p:ph type="title"/>
-          </p:nvPr>
-        </p:nvSpPr>
-        <p:spPr/>
-        <p:txBody>
-          <a:bodyPr/>
-          <a:lstStyle/>
-          <a:p>
-            <a:r>
-              <a:rPr lang="en-US" dirty="0" smtClean="0"/>
-              <a:t>Homework (3)</a:t>
-            </a:r>
-            <a:endParaRPr lang="bg-BG" dirty="0"/>
-          </a:p>
-        </p:txBody>
-      </p:sp>
-      <p:sp>
-        <p:nvSpPr>
-          <p:cNvPr id="5" name="Content Placeholder 4"/>
-          <p:cNvSpPr>
-            <a:spLocks noGrp="1"/>
-          </p:cNvSpPr>
-          <p:nvPr>
-            <p:ph idx="1"/>
-          </p:nvPr>
-        </p:nvSpPr>
-        <p:spPr>
-          <a:xfrm>
-            <a:off x="228600" y="840423"/>
-            <a:ext cx="8686800" cy="3205147"/>
-          </a:xfrm>
-        </p:spPr>
-        <p:txBody>
-          <a:bodyPr/>
-          <a:lstStyle/>
-          <a:p>
-            <a:pPr marL="342900" indent="-342900">
-              <a:buFont typeface="+mj-lt"/>
-              <a:buAutoNum type="arabicPeriod" startAt="3"/>
-            </a:pPr>
-            <a:r>
-              <a:rPr lang="en-US" sz="2800" dirty="0" smtClean="0"/>
-              <a:t>*Create a jQuery plugin for </a:t>
-            </a:r>
-            <a:r>
-              <a:rPr lang="en-US" sz="2800" dirty="0" err="1" smtClean="0"/>
-              <a:t>ListView</a:t>
-            </a:r>
-            <a:endParaRPr lang="en-US" sz="2800" dirty="0" smtClean="0"/>
-          </a:p>
-          <a:p>
-            <a:pPr marL="685800" lvl="1" indent="-338138"/>
-            <a:r>
-              <a:rPr lang="en-US" sz="2600" dirty="0" smtClean="0"/>
-              <a:t>Apply a template for each item of a collection</a:t>
-            </a:r>
-          </a:p>
-          <a:p>
-            <a:pPr marL="685800" lvl="1" indent="-338138"/>
-            <a:r>
-              <a:rPr lang="en-US" sz="2600" dirty="0" smtClean="0"/>
-              <a:t>Using the </a:t>
-            </a:r>
-            <a:r>
-              <a:rPr lang="en-US" sz="2600" dirty="0" smtClean="0">
-                <a:solidFill>
-                  <a:schemeClr val="accent5">
-                    <a:lumMod val="20000"/>
-                    <a:lumOff val="80000"/>
-                  </a:schemeClr>
-                </a:solidFill>
-              </a:rPr>
-              <a:t>data-template</a:t>
-            </a:r>
-            <a:r>
-              <a:rPr lang="en-US" sz="2600" dirty="0" smtClean="0"/>
-              <a:t> attribute set the ID of the template to use for the items</a:t>
-            </a:r>
-          </a:p>
-          <a:p>
-            <a:pPr marL="685800" lvl="1" indent="-338138"/>
-            <a:r>
-              <a:rPr lang="en-US" sz="2600" dirty="0" smtClean="0"/>
-              <a:t>Must work with different collections and templates</a:t>
-            </a:r>
-          </a:p>
-          <a:p>
-            <a:pPr marL="685800" lvl="1" indent="-338138"/>
-            <a:r>
-              <a:rPr lang="en-US" sz="2400" dirty="0" smtClean="0"/>
-              <a:t>*More examples on the next slides</a:t>
-            </a:r>
-          </a:p>
-        </p:txBody>
-      </p:sp>
-      <p:sp>
-        <p:nvSpPr>
-          <p:cNvPr id="2" name="Slide Number Placeholder 1"/>
-          <p:cNvSpPr>
-            <a:spLocks noGrp="1"/>
-          </p:cNvSpPr>
-          <p:nvPr>
-            <p:ph type="sldNum" sz="quarter" idx="10"/>
-          </p:nvPr>
-        </p:nvSpPr>
-        <p:spPr/>
-        <p:txBody>
-          <a:bodyPr/>
-          <a:lstStyle/>
-          <a:p>
-            <a:fld id="{CF20ED08-E70C-4F83-9884-206434D7992D}" type="slidenum">
-              <a:rPr lang="en-US" smtClean="0"/>
-              <a:pPr/>
-              <a:t>12</a:t>
-            </a:fld>
-            <a:endParaRPr lang="en-US"/>
-          </a:p>
-        </p:txBody>
-      </p:sp>
-      <p:sp>
-        <p:nvSpPr>
           <p:cNvPr id="6" name="Text Placeholder 6"/>
           <p:cNvSpPr txBox="1">
             <a:spLocks/>
@@ -7795,8 +7082,8 @@
         </p:nvSpPr>
         <p:spPr>
           <a:xfrm>
-            <a:off x="1335473" y="4045570"/>
-            <a:ext cx="6473055" cy="2723823"/>
+            <a:off x="695326" y="1075396"/>
+            <a:ext cx="7753350" cy="4632037"/>
           </a:xfrm>
           <a:prstGeom prst="rect">
             <a:avLst/>
@@ -8016,46 +7303,147 @@
           </a:lstStyle>
           <a:p>
             <a:r>
+              <a:rPr lang="en-US" sz="1900" dirty="0" smtClean="0"/>
+              <a:t>&lt;table&gt;</a:t>
+            </a:r>
+            <a:endParaRPr lang="en-US" sz="1900" dirty="0"/>
+          </a:p>
+          <a:p>
+            <a:r>
+              <a:rPr lang="en-US" sz="1900" dirty="0" smtClean="0"/>
+              <a:t>  &lt;</a:t>
+            </a:r>
+            <a:r>
+              <a:rPr lang="en-US" sz="1900" dirty="0" err="1"/>
+              <a:t>thead</a:t>
+            </a:r>
+            <a:r>
+              <a:rPr lang="en-US" sz="1900" dirty="0" smtClean="0"/>
+              <a:t>&gt;</a:t>
+            </a:r>
+          </a:p>
+          <a:p>
+            <a:r>
+              <a:rPr lang="en-US" sz="1900" dirty="0" smtClean="0"/>
+              <a:t>    &lt;</a:t>
+            </a:r>
+            <a:r>
+              <a:rPr lang="en-US" sz="1900" dirty="0" err="1" smtClean="0"/>
+              <a:t>tr</a:t>
+            </a:r>
+            <a:r>
+              <a:rPr lang="en-US" sz="1900" dirty="0" smtClean="0"/>
+              <a:t>&gt;&lt;</a:t>
+            </a:r>
+            <a:r>
+              <a:rPr lang="en-US" sz="1900" dirty="0" err="1"/>
+              <a:t>th</a:t>
+            </a:r>
+            <a:r>
               <a:rPr lang="en-US" sz="1900" dirty="0"/>
-              <a:t>&lt;</a:t>
+              <a:t>&gt;#&lt;/</a:t>
             </a:r>
             <a:r>
               <a:rPr lang="en-US" sz="1900" dirty="0" err="1"/>
-              <a:t>ul</a:t>
+              <a:t>th</a:t>
+            </a:r>
+            <a:r>
+              <a:rPr lang="en-US" sz="1900" dirty="0" smtClean="0"/>
+              <a:t>&gt;&lt;</a:t>
+            </a:r>
+            <a:r>
+              <a:rPr lang="en-US" sz="1900" dirty="0" err="1"/>
+              <a:t>th</a:t>
             </a:r>
             <a:r>
               <a:rPr lang="en-US" sz="1900" dirty="0"/>
-              <a:t> id="books-list</a:t>
+              <a:t>&gt;Name&lt;/</a:t>
+            </a:r>
+            <a:r>
+              <a:rPr lang="en-US" sz="1900" dirty="0" err="1"/>
+              <a:t>th</a:t>
             </a:r>
             <a:r>
               <a:rPr lang="en-US" sz="1900" dirty="0" smtClean="0"/>
-              <a:t>" </a:t>
+              <a:t>&gt;&lt;</a:t>
+            </a:r>
+            <a:r>
+              <a:rPr lang="en-US" sz="1900" dirty="0" err="1"/>
+              <a:t>th</a:t>
+            </a:r>
+            <a:r>
+              <a:rPr lang="en-US" sz="1900" dirty="0"/>
+              <a:t>&gt;Mark&lt;/</a:t>
+            </a:r>
+            <a:r>
+              <a:rPr lang="en-US" sz="1900" dirty="0" err="1"/>
+              <a:t>th</a:t>
+            </a:r>
+            <a:r>
+              <a:rPr lang="en-US" sz="1900" dirty="0" smtClean="0"/>
+              <a:t>&gt;&lt;/</a:t>
+            </a:r>
+            <a:r>
+              <a:rPr lang="en-US" sz="1900" dirty="0" err="1"/>
+              <a:t>tr</a:t>
+            </a:r>
+            <a:r>
+              <a:rPr lang="en-US" sz="1900" dirty="0"/>
+              <a:t>&gt;</a:t>
+            </a:r>
+          </a:p>
+          <a:p>
+            <a:r>
+              <a:rPr lang="en-US" sz="1900" dirty="0" smtClean="0"/>
+              <a:t>  &lt;/</a:t>
+            </a:r>
+            <a:r>
+              <a:rPr lang="en-US" sz="1900" dirty="0" err="1"/>
+              <a:t>thead</a:t>
+            </a:r>
+            <a:r>
+              <a:rPr lang="en-US" sz="1900" dirty="0"/>
+              <a:t>&gt;</a:t>
+            </a:r>
+          </a:p>
+          <a:p>
+            <a:r>
+              <a:rPr lang="en-US" sz="1900" dirty="0" smtClean="0"/>
+              <a:t>  &lt;</a:t>
+            </a:r>
+            <a:r>
+              <a:rPr lang="en-US" sz="1900" dirty="0" err="1"/>
+              <a:t>tbody</a:t>
+            </a:r>
+            <a:r>
+              <a:rPr lang="en-US" sz="1900" dirty="0"/>
+              <a:t> id="students-table" </a:t>
+            </a:r>
+            <a:r>
+              <a:rPr lang="en-US" sz="1900" dirty="0" smtClean="0"/>
+              <a:t/>
             </a:r>
             <a:br>
               <a:rPr lang="en-US" sz="1900" dirty="0" smtClean="0"/>
             </a:br>
             <a:r>
               <a:rPr lang="en-US" sz="1900" dirty="0" smtClean="0"/>
-              <a:t>    </a:t>
-            </a:r>
-            <a:r>
-              <a:rPr lang="en-US" sz="1900" dirty="0" smtClean="0">
-                <a:solidFill>
-                  <a:schemeClr val="tx1">
-                    <a:lumMod val="20000"/>
-                    <a:lumOff val="80000"/>
-                  </a:schemeClr>
-                </a:solidFill>
-              </a:rPr>
-              <a:t>data-template</a:t>
-            </a:r>
+              <a:t>         data-template="students-row-template"&gt;</a:t>
+            </a:r>
+            <a:r>
+              <a:rPr lang="en-US" sz="1900" dirty="0"/>
+              <a:t>	</a:t>
+            </a:r>
+            <a:endParaRPr lang="en-US" sz="1900" dirty="0" smtClean="0"/>
+          </a:p>
+          <a:p>
             <a:r>
               <a:rPr lang="en-US" sz="1900" dirty="0" smtClean="0"/>
-              <a:t>="book-item-template"&gt;&lt;/</a:t>
+              <a:t>  &lt;/</a:t>
             </a:r>
             <a:r>
               <a:rPr lang="en-US" sz="1900" dirty="0" err="1"/>
-              <a:t>ul</a:t>
+              <a:t>tbody</a:t>
             </a:r>
             <a:r>
               <a:rPr lang="en-US" sz="1900" dirty="0"/>
@@ -8064,67 +7452,100 @@
           </a:p>
           <a:p>
             <a:r>
+              <a:rPr lang="en-US" sz="1900" dirty="0" smtClean="0"/>
+              <a:t>&lt;/</a:t>
+            </a:r>
+            <a:r>
               <a:rPr lang="en-US" sz="1900" dirty="0"/>
-              <a:t>&lt;script id="</a:t>
-            </a:r>
-            <a:r>
-              <a:rPr lang="en-US" sz="1900" dirty="0">
-                <a:solidFill>
-                  <a:schemeClr val="tx1">
-                    <a:lumMod val="20000"/>
-                    <a:lumOff val="80000"/>
-                  </a:schemeClr>
-                </a:solidFill>
-              </a:rPr>
-              <a:t>book-item-template</a:t>
+              <a:t>table&gt;</a:t>
+            </a:r>
+          </a:p>
+          <a:p>
+            <a:pPr>
+              <a:spcBef>
+                <a:spcPts val="1200"/>
+              </a:spcBef>
+            </a:pPr>
+            <a:r>
+              <a:rPr lang="en-US" sz="1900" dirty="0" smtClean="0"/>
+              <a:t>&lt;</a:t>
             </a:r>
             <a:r>
               <a:rPr lang="en-US" sz="1900" dirty="0"/>
-              <a:t>" type="…"&gt;</a:t>
-            </a:r>
-          </a:p>
-          <a:p>
+              <a:t>script id="students-row-template" type</a:t>
+            </a:r>
+            <a:r>
+              <a:rPr lang="en-US" sz="1900" dirty="0" smtClean="0"/>
+              <a:t>="…"&gt;</a:t>
+            </a:r>
+            <a:endParaRPr lang="en-US" sz="1900" dirty="0"/>
+          </a:p>
+          <a:p>
+            <a:r>
+              <a:rPr lang="en-US" sz="1900" dirty="0" smtClean="0"/>
+              <a:t>  &lt;</a:t>
+            </a:r>
+            <a:r>
+              <a:rPr lang="en-US" sz="1900" dirty="0" err="1"/>
+              <a:t>tr</a:t>
+            </a:r>
             <a:r>
               <a:rPr lang="en-US" sz="1900" dirty="0"/>
-              <a:t>  &lt;li class="book-item"&gt;</a:t>
-            </a:r>
-          </a:p>
-          <a:p>
+              <a:t> class="student-row"&gt;</a:t>
+            </a:r>
+          </a:p>
+          <a:p>
+            <a:r>
+              <a:rPr lang="en-US" sz="1900" dirty="0" smtClean="0"/>
+              <a:t>    &lt;</a:t>
+            </a:r>
             <a:r>
               <a:rPr lang="en-US" sz="1900" dirty="0"/>
-              <a:t>    &lt;a </a:t>
+              <a:t>td&gt;{{number}}&lt;/td&gt;</a:t>
+            </a:r>
+          </a:p>
+          <a:p>
+            <a:r>
+              <a:rPr lang="en-US" sz="1900" dirty="0" smtClean="0"/>
+              <a:t>    &lt;td</a:t>
+            </a:r>
+            <a:r>
+              <a:rPr lang="en-US" sz="1900" dirty="0"/>
+              <a:t>&gt;{{name}}&lt;/td&gt;</a:t>
+            </a:r>
+          </a:p>
+          <a:p>
+            <a:r>
+              <a:rPr lang="en-US" sz="1900" dirty="0" smtClean="0"/>
+              <a:t>    &lt;</a:t>
+            </a:r>
+            <a:r>
+              <a:rPr lang="en-US" sz="1900" dirty="0"/>
+              <a:t>td&gt;{{mark}}&lt;/td&gt;</a:t>
+            </a:r>
+          </a:p>
+          <a:p>
+            <a:r>
+              <a:rPr lang="en-US" sz="1900" dirty="0" smtClean="0"/>
+              <a:t>  &lt;/</a:t>
             </a:r>
             <a:r>
               <a:rPr lang="en-US" sz="1900" dirty="0" err="1"/>
-              <a:t>href</a:t>
+              <a:t>tr</a:t>
             </a:r>
             <a:r>
               <a:rPr lang="en-US" sz="1900" dirty="0"/>
-              <a:t>="/#books/{{id}}"&gt;</a:t>
-            </a:r>
-          </a:p>
-          <a:p>
+              <a:t>&gt;		</a:t>
+            </a:r>
+          </a:p>
+          <a:p>
+            <a:r>
+              <a:rPr lang="en-US" sz="1900" dirty="0" smtClean="0"/>
+              <a:t>&lt;/</a:t>
+            </a:r>
             <a:r>
               <a:rPr lang="en-US" sz="1900" dirty="0"/>
-              <a:t>      &lt;strong&gt;{{title}}&lt;/strong&gt;</a:t>
-            </a:r>
-          </a:p>
-          <a:p>
-            <a:r>
-              <a:rPr lang="en-US" sz="1900" dirty="0"/>
-              <a:t>    &lt;/a&gt;</a:t>
-            </a:r>
-          </a:p>
-          <a:p>
-            <a:r>
-              <a:rPr lang="en-US" sz="1900" dirty="0"/>
-              <a:t>  &lt;/li&gt;	</a:t>
-            </a:r>
-          </a:p>
-          <a:p>
-            <a:r>
-              <a:rPr lang="en-US" sz="1900" dirty="0"/>
-              <a:t>&lt;/script&gt;</a:t>
+              <a:t>script&gt;</a:t>
             </a:r>
           </a:p>
         </p:txBody>
@@ -8139,8 +7560,8 @@
         </p:nvSpPr>
         <p:spPr>
           <a:xfrm>
-            <a:off x="3163741" y="6092284"/>
-            <a:ext cx="4644255" cy="384721"/>
+            <a:off x="2924175" y="5322712"/>
+            <a:ext cx="5524501" cy="384721"/>
           </a:xfrm>
           <a:prstGeom prst="rect">
             <a:avLst/>
@@ -8361,23 +7782,26 @@
           <a:p>
             <a:r>
               <a:rPr lang="en-US" sz="1900" dirty="0" smtClean="0"/>
-              <a:t>$('#books-list').</a:t>
-            </a:r>
-            <a:r>
-              <a:rPr lang="en-US" sz="1900" dirty="0" err="1" smtClean="0"/>
+              <a:t>$('#students-table</a:t>
+            </a:r>
+            <a:r>
+              <a:rPr lang="en-US" sz="1900" dirty="0"/>
+              <a:t>').</a:t>
+            </a:r>
+            <a:r>
+              <a:rPr lang="en-US" sz="1900" dirty="0" err="1"/>
               <a:t>listview</a:t>
             </a:r>
             <a:r>
-              <a:rPr lang="en-US" sz="1900" dirty="0" smtClean="0"/>
-              <a:t>(books);</a:t>
-            </a:r>
-            <a:endParaRPr lang="en-US" sz="1900" dirty="0"/>
+              <a:rPr lang="en-US" sz="1900" dirty="0"/>
+              <a:t>(students);</a:t>
+            </a:r>
           </a:p>
         </p:txBody>
       </p:sp>
       <p:pic>
         <p:nvPicPr>
-          <p:cNvPr id="9" name="Picture 8"/>
+          <p:cNvPr id="10" name="Picture 9"/>
           <p:cNvPicPr>
             <a:picLocks noChangeAspect="1"/>
           </p:cNvPicPr>
@@ -8391,25 +7815,28 @@
               </a:ext>
             </a:extLst>
           </a:blip>
-          <a:srcRect/>
+          <a:srcRect l="-3764" t="-5054" r="-1"/>
           <a:stretch/>
         </p:blipFill>
         <p:spPr>
           <a:xfrm>
-            <a:off x="5618190" y="4034492"/>
-            <a:ext cx="2189805" cy="914879"/>
+            <a:off x="6704112" y="4004575"/>
+            <a:ext cx="1713568" cy="1291790"/>
           </a:xfrm>
           <a:prstGeom prst="roundRect">
             <a:avLst>
-              <a:gd name="adj" fmla="val 4086"/>
+              <a:gd name="adj" fmla="val 4378"/>
             </a:avLst>
           </a:prstGeom>
+          <a:solidFill>
+            <a:srgbClr val="FFFFFF"/>
+          </a:solidFill>
         </p:spPr>
       </p:pic>
     </p:spTree>
     <p:extLst>
       <p:ext uri="{BB962C8B-B14F-4D97-AF65-F5344CB8AC3E}">
-        <p14:creationId xmlns="" xmlns:p14="http://schemas.microsoft.com/office/powerpoint/2010/main" val="1328017905"/>
+        <p14:creationId xmlns="" xmlns:p14="http://schemas.microsoft.com/office/powerpoint/2010/main" val="2250087438"/>
       </p:ext>
     </p:extLst>
   </p:cSld>
@@ -8426,8 +7853,8 @@
 </p:sld>
 </file>
 
-<file path=ppt/slides/slide13.xml><?xml version="1.0" encoding="utf-8"?>
-<p:sld xmlns:a="http://schemas.openxmlformats.org/drawingml/2006/main" xmlns:r="http://schemas.openxmlformats.org/officeDocument/2006/relationships" xmlns:p="http://schemas.openxmlformats.org/presentationml/2006/main">
+<file path=ppt/slides/slide5.xml><?xml version="1.0" encoding="utf-8"?>
+<p:sld xmlns:a="http://schemas.openxmlformats.org/drawingml/2006/main" xmlns:r="http://schemas.openxmlformats.org/officeDocument/2006/relationships" xmlns:p="http://schemas.openxmlformats.org/presentationml/2006/main" showMasterSp="0">
   <p:cSld>
     <p:spTree>
       <p:nvGrpSpPr>
@@ -8445,29 +7872,6 @@
       </p:grpSpPr>
       <p:sp>
         <p:nvSpPr>
-          <p:cNvPr id="4" name="Title 3"/>
-          <p:cNvSpPr>
-            <a:spLocks noGrp="1"/>
-          </p:cNvSpPr>
-          <p:nvPr>
-            <p:ph type="title"/>
-          </p:nvPr>
-        </p:nvSpPr>
-        <p:spPr/>
-        <p:txBody>
-          <a:bodyPr/>
-          <a:lstStyle/>
-          <a:p>
-            <a:r>
-              <a:rPr lang="en-US" dirty="0" smtClean="0"/>
-              <a:t>Homework (4)</a:t>
-            </a:r>
-            <a:endParaRPr lang="bg-BG" dirty="0"/>
-          </a:p>
-        </p:txBody>
-      </p:sp>
-      <p:sp>
-        <p:nvSpPr>
           <p:cNvPr id="5" name="Content Placeholder 4"/>
           <p:cNvSpPr>
             <a:spLocks noGrp="1"/>
@@ -8478,8 +7882,8 @@
         </p:nvSpPr>
         <p:spPr>
           <a:xfrm>
-            <a:off x="228600" y="1088073"/>
-            <a:ext cx="8686800" cy="576247"/>
+            <a:off x="228600" y="632499"/>
+            <a:ext cx="8686800" cy="1552762"/>
           </a:xfrm>
         </p:spPr>
         <p:txBody>
@@ -8488,41 +7892,30 @@
           <a:p>
             <a:pPr marL="342900" indent="-342900">
               <a:buFont typeface="+mj-lt"/>
-              <a:buAutoNum type="arabicPeriod" startAt="3"/>
+              <a:buAutoNum type="arabicPeriod" startAt="4"/>
             </a:pPr>
             <a:r>
+              <a:rPr lang="en-US" sz="2800" dirty="0"/>
+              <a:t>*</a:t>
+            </a:r>
+            <a:r>
               <a:rPr lang="en-US" sz="2800" dirty="0" smtClean="0"/>
-              <a:t>*(cont.)Create a jQuery plugin for </a:t>
-            </a:r>
-            <a:r>
-              <a:rPr lang="en-US" sz="2800" dirty="0" err="1" smtClean="0"/>
-              <a:t>ListView</a:t>
-            </a:r>
+              <a:t>Extend the previous task to set the template inside the DOM element, instead of setting it with data-template</a:t>
+            </a:r>
+          </a:p>
+          <a:p>
+            <a:pPr marL="342900" indent="-342900">
+              <a:buFont typeface="+mj-lt"/>
+              <a:buAutoNum type="arabicPeriod" startAt="4"/>
+            </a:pPr>
             <a:endParaRPr lang="en-US" sz="2800" dirty="0" smtClean="0"/>
           </a:p>
-        </p:txBody>
-      </p:sp>
-      <p:sp>
-        <p:nvSpPr>
-          <p:cNvPr id="2" name="Slide Number Placeholder 1"/>
-          <p:cNvSpPr>
-            <a:spLocks noGrp="1"/>
-          </p:cNvSpPr>
-          <p:nvPr>
-            <p:ph type="sldNum" sz="quarter" idx="10"/>
-          </p:nvPr>
-        </p:nvSpPr>
-        <p:spPr/>
-        <p:txBody>
-          <a:bodyPr/>
-          <a:lstStyle/>
-          <a:p>
-            <a:fld id="{CF20ED08-E70C-4F83-9884-206434D7992D}" type="slidenum">
-              <a:rPr lang="en-US" smtClean="0"/>
-              <a:pPr/>
-              <a:t>13</a:t>
-            </a:fld>
-            <a:endParaRPr lang="en-US"/>
+          <a:p>
+            <a:pPr marL="690563" lvl="1" indent="-342900">
+              <a:buFont typeface="+mj-lt"/>
+              <a:buAutoNum type="arabicPeriod" startAt="4"/>
+            </a:pPr>
+            <a:endParaRPr lang="en-US" sz="2600" dirty="0" smtClean="0"/>
           </a:p>
         </p:txBody>
       </p:sp>
@@ -8536,8 +7929,8 @@
         </p:nvSpPr>
         <p:spPr>
           <a:xfrm>
-            <a:off x="695326" y="1664320"/>
-            <a:ext cx="7753350" cy="4632037"/>
+            <a:off x="523876" y="2437462"/>
+            <a:ext cx="7753350" cy="3600986"/>
           </a:xfrm>
           <a:prstGeom prst="rect">
             <a:avLst/>
@@ -8871,28 +8264,75 @@
             </a:r>
             <a:r>
               <a:rPr lang="en-US" sz="1900" dirty="0"/>
-              <a:t> id="students-table" </a:t>
+              <a:t> id="students-table</a:t>
             </a:r>
             <a:r>
               <a:rPr lang="en-US" sz="1900" dirty="0" smtClean="0"/>
-              <a:t/>
-            </a:r>
-            <a:br>
+              <a:t>"&gt;</a:t>
+            </a:r>
+            <a:endParaRPr lang="en-US" sz="1900" dirty="0"/>
+          </a:p>
+          <a:p>
+            <a:r>
               <a:rPr lang="en-US" sz="1900" dirty="0" smtClean="0"/>
-            </a:br>
+              <a:t>    &lt;</a:t>
+            </a:r>
+            <a:r>
+              <a:rPr lang="en-US" sz="1900" dirty="0" err="1"/>
+              <a:t>tr</a:t>
+            </a:r>
+            <a:r>
+              <a:rPr lang="en-US" sz="1900" dirty="0"/>
+              <a:t> class="student-row"&gt;</a:t>
+            </a:r>
+          </a:p>
+          <a:p>
             <a:r>
               <a:rPr lang="en-US" sz="1900" dirty="0" smtClean="0"/>
-              <a:t>         data-template="students-row-template"&gt;</a:t>
+              <a:t>      &lt;</a:t>
             </a:r>
             <a:r>
               <a:rPr lang="en-US" sz="1900" dirty="0"/>
-              <a:t>	</a:t>
-            </a:r>
-            <a:endParaRPr lang="en-US" sz="1900" dirty="0" smtClean="0"/>
+              <a:t>td&gt;{{number}}&lt;/td&gt;</a:t>
+            </a:r>
           </a:p>
           <a:p>
             <a:r>
               <a:rPr lang="en-US" sz="1900" dirty="0" smtClean="0"/>
+              <a:t>      &lt;td</a:t>
+            </a:r>
+            <a:r>
+              <a:rPr lang="en-US" sz="1900" dirty="0"/>
+              <a:t>&gt;{{name}}&lt;/td&gt;</a:t>
+            </a:r>
+          </a:p>
+          <a:p>
+            <a:r>
+              <a:rPr lang="en-US" sz="1900" dirty="0" smtClean="0"/>
+              <a:t>      &lt;td</a:t>
+            </a:r>
+            <a:r>
+              <a:rPr lang="en-US" sz="1900" dirty="0"/>
+              <a:t>&gt;{{mark}}&lt;/td&gt;</a:t>
+            </a:r>
+          </a:p>
+          <a:p>
+            <a:r>
+              <a:rPr lang="en-US" sz="1900" dirty="0" smtClean="0"/>
+              <a:t>    &lt;/</a:t>
+            </a:r>
+            <a:r>
+              <a:rPr lang="en-US" sz="1900" dirty="0" err="1"/>
+              <a:t>tr</a:t>
+            </a:r>
+            <a:r>
+              <a:rPr lang="en-US" sz="1900" dirty="0"/>
+              <a:t>&gt;		</a:t>
+            </a:r>
+          </a:p>
+          <a:p>
+            <a:r>
+              <a:rPr lang="en-US" sz="1900" dirty="0"/>
               <a:t>  &lt;/</a:t>
             </a:r>
             <a:r>
@@ -8906,101 +8346,14 @@
           </a:p>
           <a:p>
             <a:r>
+              <a:rPr lang="en-US" sz="1900" dirty="0"/>
+              <a:t>&lt;/table</a:t>
+            </a:r>
+            <a:r>
               <a:rPr lang="en-US" sz="1900" dirty="0" smtClean="0"/>
-              <a:t>&lt;/</a:t>
-            </a:r>
-            <a:r>
-              <a:rPr lang="en-US" sz="1900" dirty="0"/>
-              <a:t>table&gt;</a:t>
-            </a:r>
-          </a:p>
-          <a:p>
-            <a:pPr>
-              <a:spcBef>
-                <a:spcPts val="1200"/>
-              </a:spcBef>
-            </a:pPr>
-            <a:r>
-              <a:rPr lang="en-US" sz="1900" dirty="0" smtClean="0"/>
-              <a:t>&lt;</a:t>
-            </a:r>
-            <a:r>
-              <a:rPr lang="en-US" sz="1900" dirty="0"/>
-              <a:t>script id="students-row-template" type</a:t>
-            </a:r>
-            <a:r>
-              <a:rPr lang="en-US" sz="1900" dirty="0" smtClean="0"/>
-              <a:t>="…"&gt;</a:t>
+              <a:t>&gt;</a:t>
             </a:r>
             <a:endParaRPr lang="en-US" sz="1900" dirty="0"/>
-          </a:p>
-          <a:p>
-            <a:r>
-              <a:rPr lang="en-US" sz="1900" dirty="0" smtClean="0"/>
-              <a:t>  &lt;</a:t>
-            </a:r>
-            <a:r>
-              <a:rPr lang="en-US" sz="1900" dirty="0" err="1"/>
-              <a:t>tr</a:t>
-            </a:r>
-            <a:r>
-              <a:rPr lang="en-US" sz="1900" dirty="0"/>
-              <a:t> class="student-row"&gt;</a:t>
-            </a:r>
-          </a:p>
-          <a:p>
-            <a:r>
-              <a:rPr lang="en-US" sz="1900" dirty="0" smtClean="0"/>
-              <a:t>    &lt;</a:t>
-            </a:r>
-            <a:r>
-              <a:rPr lang="en-US" sz="1900" dirty="0"/>
-              <a:t>td&gt;{{number}}&lt;/td&gt;</a:t>
-            </a:r>
-          </a:p>
-          <a:p>
-            <a:r>
-              <a:rPr lang="en-US" sz="1900" dirty="0" smtClean="0"/>
-              <a:t>    &lt;td</a:t>
-            </a:r>
-            <a:r>
-              <a:rPr lang="en-US" sz="1900" dirty="0"/>
-              <a:t>&gt;{{name}}&lt;/td&gt;</a:t>
-            </a:r>
-          </a:p>
-          <a:p>
-            <a:r>
-              <a:rPr lang="en-US" sz="1900" dirty="0" smtClean="0"/>
-              <a:t>    &lt;</a:t>
-            </a:r>
-            <a:r>
-              <a:rPr lang="en-US" sz="1900" dirty="0"/>
-              <a:t>td&gt;{{mark}}&lt;/td&gt;</a:t>
-            </a:r>
-          </a:p>
-          <a:p>
-            <a:r>
-              <a:rPr lang="en-US" sz="1900" dirty="0" smtClean="0"/>
-              <a:t>  &lt;/</a:t>
-            </a:r>
-            <a:r>
-              <a:rPr lang="en-US" sz="1900" dirty="0" err="1"/>
-              <a:t>tr</a:t>
-            </a:r>
-            <a:r>
-              <a:rPr lang="en-US" sz="1900" dirty="0"/>
-              <a:t>&gt;		</a:t>
-            </a:r>
-          </a:p>
-          <a:p>
-            <a:r>
-              <a:rPr lang="en-US" sz="1900" dirty="0" smtClean="0"/>
-              <a:t>&lt;/</a:t>
-            </a:r>
-            <a:r>
-              <a:rPr lang="en-US" sz="1900" dirty="0"/>
-              <a:t>script&gt;</a:t>
-            </a:r>
           </a:p>
         </p:txBody>
       </p:sp>
@@ -9014,7 +8367,7 @@
         </p:nvSpPr>
         <p:spPr>
           <a:xfrm>
-            <a:off x="2924175" y="5911636"/>
+            <a:off x="2752725" y="5653727"/>
             <a:ext cx="5524501" cy="384721"/>
           </a:xfrm>
           <a:prstGeom prst="rect">
@@ -9253,860 +8606,6 @@
           </a:p>
         </p:txBody>
       </p:sp>
-      <p:pic>
-        <p:nvPicPr>
-          <p:cNvPr id="10" name="Picture 9"/>
-          <p:cNvPicPr>
-            <a:picLocks noChangeAspect="1"/>
-          </p:cNvPicPr>
-          <p:nvPr/>
-        </p:nvPicPr>
-        <p:blipFill rotWithShape="1">
-          <a:blip r:embed="rId2" cstate="email">
-            <a:extLst>
-              <a:ext uri="{28A0092B-C50C-407E-A947-70E740481C1C}">
-                <a14:useLocalDpi xmlns="" xmlns:a14="http://schemas.microsoft.com/office/drawing/2010/main"/>
-              </a:ext>
-            </a:extLst>
-          </a:blip>
-          <a:srcRect l="-3764" t="-5054" r="-1"/>
-          <a:stretch/>
-        </p:blipFill>
-        <p:spPr>
-          <a:xfrm>
-            <a:off x="6735108" y="1664320"/>
-            <a:ext cx="1713568" cy="1291790"/>
-          </a:xfrm>
-          <a:prstGeom prst="roundRect">
-            <a:avLst>
-              <a:gd name="adj" fmla="val 4378"/>
-            </a:avLst>
-          </a:prstGeom>
-          <a:solidFill>
-            <a:srgbClr val="FFFFFF"/>
-          </a:solidFill>
-        </p:spPr>
-      </p:pic>
-    </p:spTree>
-    <p:extLst>
-      <p:ext uri="{BB962C8B-B14F-4D97-AF65-F5344CB8AC3E}">
-        <p14:creationId xmlns="" xmlns:p14="http://schemas.microsoft.com/office/powerpoint/2010/main" val="2250087438"/>
-      </p:ext>
-    </p:extLst>
-  </p:cSld>
-  <p:clrMapOvr>
-    <a:masterClrMapping/>
-  </p:clrMapOvr>
-  <p:timing>
-    <p:tnLst>
-      <p:par>
-        <p:cTn id="1" dur="indefinite" restart="never" nodeType="tmRoot"/>
-      </p:par>
-    </p:tnLst>
-  </p:timing>
-</p:sld>
-</file>
-
-<file path=ppt/slides/slide14.xml><?xml version="1.0" encoding="utf-8"?>
-<p:sld xmlns:a="http://schemas.openxmlformats.org/drawingml/2006/main" xmlns:r="http://schemas.openxmlformats.org/officeDocument/2006/relationships" xmlns:p="http://schemas.openxmlformats.org/presentationml/2006/main">
-  <p:cSld>
-    <p:spTree>
-      <p:nvGrpSpPr>
-        <p:cNvPr id="1" name=""/>
-        <p:cNvGrpSpPr/>
-        <p:nvPr/>
-      </p:nvGrpSpPr>
-      <p:grpSpPr>
-        <a:xfrm>
-          <a:off x="0" y="0"/>
-          <a:ext cx="0" cy="0"/>
-          <a:chOff x="0" y="0"/>
-          <a:chExt cx="0" cy="0"/>
-        </a:xfrm>
-      </p:grpSpPr>
-      <p:sp>
-        <p:nvSpPr>
-          <p:cNvPr id="4" name="Title 3"/>
-          <p:cNvSpPr>
-            <a:spLocks noGrp="1"/>
-          </p:cNvSpPr>
-          <p:nvPr>
-            <p:ph type="title"/>
-          </p:nvPr>
-        </p:nvSpPr>
-        <p:spPr/>
-        <p:txBody>
-          <a:bodyPr/>
-          <a:lstStyle/>
-          <a:p>
-            <a:r>
-              <a:rPr lang="en-US" dirty="0" smtClean="0"/>
-              <a:t>Homework (5)</a:t>
-            </a:r>
-            <a:endParaRPr lang="bg-BG" dirty="0"/>
-          </a:p>
-        </p:txBody>
-      </p:sp>
-      <p:sp>
-        <p:nvSpPr>
-          <p:cNvPr id="5" name="Content Placeholder 4"/>
-          <p:cNvSpPr>
-            <a:spLocks noGrp="1"/>
-          </p:cNvSpPr>
-          <p:nvPr>
-            <p:ph idx="1"/>
-          </p:nvPr>
-        </p:nvSpPr>
-        <p:spPr>
-          <a:xfrm>
-            <a:off x="228600" y="1221423"/>
-            <a:ext cx="8686800" cy="1131252"/>
-          </a:xfrm>
-        </p:spPr>
-        <p:txBody>
-          <a:bodyPr/>
-          <a:lstStyle/>
-          <a:p>
-            <a:pPr marL="342900" indent="-342900">
-              <a:buFont typeface="+mj-lt"/>
-              <a:buAutoNum type="arabicPeriod" startAt="4"/>
-            </a:pPr>
-            <a:r>
-              <a:rPr lang="en-US" sz="2800" dirty="0"/>
-              <a:t>*</a:t>
-            </a:r>
-            <a:r>
-              <a:rPr lang="en-US" sz="2800" dirty="0" smtClean="0"/>
-              <a:t>Extend the previous task to set the template inside the DOM element, instead of setting it with data-template</a:t>
-            </a:r>
-          </a:p>
-          <a:p>
-            <a:pPr marL="342900" indent="-342900">
-              <a:buFont typeface="+mj-lt"/>
-              <a:buAutoNum type="arabicPeriod" startAt="4"/>
-            </a:pPr>
-            <a:endParaRPr lang="en-US" sz="2800" dirty="0" smtClean="0"/>
-          </a:p>
-          <a:p>
-            <a:pPr marL="690563" lvl="1" indent="-342900">
-              <a:buFont typeface="+mj-lt"/>
-              <a:buAutoNum type="arabicPeriod" startAt="4"/>
-            </a:pPr>
-            <a:endParaRPr lang="en-US" sz="2600" dirty="0" smtClean="0"/>
-          </a:p>
-        </p:txBody>
-      </p:sp>
-      <p:sp>
-        <p:nvSpPr>
-          <p:cNvPr id="2" name="Slide Number Placeholder 1"/>
-          <p:cNvSpPr>
-            <a:spLocks noGrp="1"/>
-          </p:cNvSpPr>
-          <p:nvPr>
-            <p:ph type="sldNum" sz="quarter" idx="10"/>
-          </p:nvPr>
-        </p:nvSpPr>
-        <p:spPr/>
-        <p:txBody>
-          <a:bodyPr/>
-          <a:lstStyle/>
-          <a:p>
-            <a:fld id="{CF20ED08-E70C-4F83-9884-206434D7992D}" type="slidenum">
-              <a:rPr lang="en-US" smtClean="0"/>
-              <a:pPr/>
-              <a:t>14</a:t>
-            </a:fld>
-            <a:endParaRPr lang="en-US"/>
-          </a:p>
-        </p:txBody>
-      </p:sp>
-      <p:sp>
-        <p:nvSpPr>
-          <p:cNvPr id="6" name="Text Placeholder 6"/>
-          <p:cNvSpPr txBox="1">
-            <a:spLocks/>
-          </p:cNvSpPr>
-          <p:nvPr/>
-        </p:nvSpPr>
-        <p:spPr>
-          <a:xfrm>
-            <a:off x="523876" y="2569195"/>
-            <a:ext cx="7753350" cy="3600986"/>
-          </a:xfrm>
-          <a:prstGeom prst="rect">
-            <a:avLst/>
-          </a:prstGeom>
-          <a:solidFill>
-            <a:schemeClr val="accent5">
-              <a:lumMod val="40000"/>
-              <a:lumOff val="60000"/>
-              <a:alpha val="15000"/>
-            </a:schemeClr>
-          </a:solidFill>
-          <a:ln w="12700">
-            <a:solidFill>
-              <a:schemeClr val="accent5">
-                <a:lumMod val="60000"/>
-                <a:lumOff val="40000"/>
-              </a:schemeClr>
-            </a:solidFill>
-          </a:ln>
-        </p:spPr>
-        <p:txBody>
-          <a:bodyPr wrap="square">
-            <a:spAutoFit/>
-          </a:bodyPr>
-          <a:lstStyle>
-            <a:lvl1pPr indent="0" fontAlgn="base">
-              <a:spcBef>
-                <a:spcPts val="0"/>
-              </a:spcBef>
-              <a:spcAft>
-                <a:spcPct val="0"/>
-              </a:spcAft>
-              <a:buClr>
-                <a:schemeClr val="accent5">
-                  <a:lumMod val="40000"/>
-                  <a:lumOff val="60000"/>
-                </a:schemeClr>
-              </a:buClr>
-              <a:buSzPct val="70000"/>
-              <a:buFont typeface="Wingdings 2" pitchFamily="18" charset="2"/>
-              <a:buNone/>
-              <a:defRPr lang="en-US" sz="2000" b="1" smtClean="0">
-                <a:solidFill>
-                  <a:srgbClr val="8CF4F2"/>
-                </a:solidFill>
-                <a:effectLst>
-                  <a:outerShdw blurRad="38100" dist="38100" dir="2700000" algn="tl">
-                    <a:srgbClr val="000000">
-                      <a:alpha val="43137"/>
-                    </a:srgbClr>
-                  </a:outerShdw>
-                </a:effectLst>
-                <a:latin typeface="Consolas" pitchFamily="49" charset="0"/>
-                <a:cs typeface="Consolas" pitchFamily="49" charset="0"/>
-              </a:defRPr>
-            </a:lvl1pPr>
-            <a:lvl2pPr marL="630238" indent="-273050" fontAlgn="base">
-              <a:spcBef>
-                <a:spcPct val="20000"/>
-              </a:spcBef>
-              <a:spcAft>
-                <a:spcPct val="0"/>
-              </a:spcAft>
-              <a:buClr>
-                <a:schemeClr val="accent2">
-                  <a:lumMod val="60000"/>
-                  <a:lumOff val="40000"/>
-                </a:schemeClr>
-              </a:buClr>
-              <a:buFont typeface="Wingdings 2" pitchFamily="18" charset="2"/>
-              <a:buChar char=""/>
-              <a:defRPr sz="3000" b="1">
-                <a:solidFill>
-                  <a:schemeClr val="tx1">
-                    <a:lumMod val="20000"/>
-                    <a:lumOff val="80000"/>
-                  </a:schemeClr>
-                </a:solidFill>
-                <a:effectLst>
-                  <a:outerShdw blurRad="38100" dist="38100" dir="2700000" algn="tl">
-                    <a:srgbClr val="000000">
-                      <a:alpha val="43137"/>
-                    </a:srgbClr>
-                  </a:outerShdw>
-                </a:effectLst>
-              </a:defRPr>
-            </a:lvl2pPr>
-            <a:lvl3pPr marL="922338" indent="-273050" fontAlgn="base">
-              <a:spcBef>
-                <a:spcPct val="20000"/>
-              </a:spcBef>
-              <a:spcAft>
-                <a:spcPct val="0"/>
-              </a:spcAft>
-              <a:buClr>
-                <a:schemeClr val="tx1">
-                  <a:lumMod val="50000"/>
-                </a:schemeClr>
-              </a:buClr>
-              <a:buFont typeface="Wingdings 2" pitchFamily="18" charset="2"/>
-              <a:buChar char=""/>
-              <a:defRPr sz="2800" b="1">
-                <a:solidFill>
-                  <a:schemeClr val="tx1">
-                    <a:lumMod val="20000"/>
-                    <a:lumOff val="80000"/>
-                  </a:schemeClr>
-                </a:solidFill>
-                <a:effectLst>
-                  <a:outerShdw blurRad="38100" dist="38100" dir="2700000" algn="tl">
-                    <a:srgbClr val="000000">
-                      <a:alpha val="43137"/>
-                    </a:srgbClr>
-                  </a:outerShdw>
-                </a:effectLst>
-              </a:defRPr>
-            </a:lvl3pPr>
-            <a:lvl4pPr marL="1187450" indent="-228600" fontAlgn="base">
-              <a:spcBef>
-                <a:spcPct val="20000"/>
-              </a:spcBef>
-              <a:spcAft>
-                <a:spcPct val="0"/>
-              </a:spcAft>
-              <a:buClr>
-                <a:srgbClr val="F8BD52"/>
-              </a:buClr>
-              <a:buFont typeface="Wingdings 2" pitchFamily="18" charset="2"/>
-              <a:buChar char=""/>
-              <a:defRPr sz="2600" b="1">
-                <a:solidFill>
-                  <a:schemeClr val="tx1">
-                    <a:lumMod val="20000"/>
-                    <a:lumOff val="80000"/>
-                  </a:schemeClr>
-                </a:solidFill>
-                <a:effectLst>
-                  <a:outerShdw blurRad="38100" dist="38100" dir="2700000" algn="tl">
-                    <a:srgbClr val="000000">
-                      <a:alpha val="43137"/>
-                    </a:srgbClr>
-                  </a:outerShdw>
-                </a:effectLst>
-              </a:defRPr>
-            </a:lvl4pPr>
-            <a:lvl5pPr marL="1425575" indent="-228600" fontAlgn="base">
-              <a:spcBef>
-                <a:spcPct val="20000"/>
-              </a:spcBef>
-              <a:spcAft>
-                <a:spcPct val="0"/>
-              </a:spcAft>
-              <a:buClr>
-                <a:srgbClr val="46A6BD"/>
-              </a:buClr>
-              <a:buFont typeface="Wingdings 2" pitchFamily="18" charset="2"/>
-              <a:buChar char=""/>
-              <a:defRPr sz="2400" b="1">
-                <a:solidFill>
-                  <a:schemeClr val="tx1">
-                    <a:lumMod val="20000"/>
-                    <a:lumOff val="80000"/>
-                  </a:schemeClr>
-                </a:solidFill>
-                <a:effectLst>
-                  <a:outerShdw blurRad="38100" dist="38100" dir="2700000" algn="tl">
-                    <a:srgbClr val="000000">
-                      <a:alpha val="43137"/>
-                    </a:srgbClr>
-                  </a:outerShdw>
-                </a:effectLst>
-              </a:defRPr>
-            </a:lvl5pPr>
-            <a:lvl6pPr marL="1673352" indent="-228600">
-              <a:spcBef>
-                <a:spcPct val="20000"/>
-              </a:spcBef>
-              <a:buClr>
-                <a:schemeClr val="accent6"/>
-              </a:buClr>
-              <a:buFont typeface="Wingdings 2"/>
-              <a:buChar char=""/>
-            </a:lvl6pPr>
-            <a:lvl7pPr marL="1911096" indent="-228600">
-              <a:spcBef>
-                <a:spcPct val="20000"/>
-              </a:spcBef>
-              <a:buClr>
-                <a:schemeClr val="tx2"/>
-              </a:buClr>
-              <a:buFont typeface="Wingdings 2"/>
-              <a:buChar char=""/>
-              <a:defRPr sz="1600"/>
-            </a:lvl7pPr>
-            <a:lvl8pPr marL="2121408" indent="-182880">
-              <a:spcBef>
-                <a:spcPct val="20000"/>
-              </a:spcBef>
-              <a:buClr>
-                <a:schemeClr val="tx2"/>
-              </a:buClr>
-              <a:buFont typeface="Wingdings 2"/>
-              <a:buChar char=""/>
-              <a:defRPr sz="1400"/>
-            </a:lvl8pPr>
-            <a:lvl9pPr marL="2322576" indent="-182880">
-              <a:spcBef>
-                <a:spcPct val="20000"/>
-              </a:spcBef>
-              <a:buClr>
-                <a:schemeClr val="tx2"/>
-              </a:buClr>
-              <a:buFont typeface="Wingdings 2"/>
-              <a:buChar char=""/>
-              <a:defRPr sz="1400"/>
-            </a:lvl9pPr>
-          </a:lstStyle>
-          <a:p>
-            <a:r>
-              <a:rPr lang="en-US" sz="1900" dirty="0" smtClean="0"/>
-              <a:t>&lt;table&gt;</a:t>
-            </a:r>
-            <a:endParaRPr lang="en-US" sz="1900" dirty="0"/>
-          </a:p>
-          <a:p>
-            <a:r>
-              <a:rPr lang="en-US" sz="1900" dirty="0" smtClean="0"/>
-              <a:t>  &lt;</a:t>
-            </a:r>
-            <a:r>
-              <a:rPr lang="en-US" sz="1900" dirty="0" err="1"/>
-              <a:t>thead</a:t>
-            </a:r>
-            <a:r>
-              <a:rPr lang="en-US" sz="1900" dirty="0" smtClean="0"/>
-              <a:t>&gt;</a:t>
-            </a:r>
-          </a:p>
-          <a:p>
-            <a:r>
-              <a:rPr lang="en-US" sz="1900" dirty="0" smtClean="0"/>
-              <a:t>    &lt;</a:t>
-            </a:r>
-            <a:r>
-              <a:rPr lang="en-US" sz="1900" dirty="0" err="1" smtClean="0"/>
-              <a:t>tr</a:t>
-            </a:r>
-            <a:r>
-              <a:rPr lang="en-US" sz="1900" dirty="0" smtClean="0"/>
-              <a:t>&gt;&lt;</a:t>
-            </a:r>
-            <a:r>
-              <a:rPr lang="en-US" sz="1900" dirty="0" err="1"/>
-              <a:t>th</a:t>
-            </a:r>
-            <a:r>
-              <a:rPr lang="en-US" sz="1900" dirty="0"/>
-              <a:t>&gt;#&lt;/</a:t>
-            </a:r>
-            <a:r>
-              <a:rPr lang="en-US" sz="1900" dirty="0" err="1"/>
-              <a:t>th</a:t>
-            </a:r>
-            <a:r>
-              <a:rPr lang="en-US" sz="1900" dirty="0" smtClean="0"/>
-              <a:t>&gt;&lt;</a:t>
-            </a:r>
-            <a:r>
-              <a:rPr lang="en-US" sz="1900" dirty="0" err="1"/>
-              <a:t>th</a:t>
-            </a:r>
-            <a:r>
-              <a:rPr lang="en-US" sz="1900" dirty="0"/>
-              <a:t>&gt;Name&lt;/</a:t>
-            </a:r>
-            <a:r>
-              <a:rPr lang="en-US" sz="1900" dirty="0" err="1"/>
-              <a:t>th</a:t>
-            </a:r>
-            <a:r>
-              <a:rPr lang="en-US" sz="1900" dirty="0" smtClean="0"/>
-              <a:t>&gt;&lt;</a:t>
-            </a:r>
-            <a:r>
-              <a:rPr lang="en-US" sz="1900" dirty="0" err="1"/>
-              <a:t>th</a:t>
-            </a:r>
-            <a:r>
-              <a:rPr lang="en-US" sz="1900" dirty="0"/>
-              <a:t>&gt;Mark&lt;/</a:t>
-            </a:r>
-            <a:r>
-              <a:rPr lang="en-US" sz="1900" dirty="0" err="1"/>
-              <a:t>th</a:t>
-            </a:r>
-            <a:r>
-              <a:rPr lang="en-US" sz="1900" dirty="0" smtClean="0"/>
-              <a:t>&gt;&lt;/</a:t>
-            </a:r>
-            <a:r>
-              <a:rPr lang="en-US" sz="1900" dirty="0" err="1"/>
-              <a:t>tr</a:t>
-            </a:r>
-            <a:r>
-              <a:rPr lang="en-US" sz="1900" dirty="0"/>
-              <a:t>&gt;</a:t>
-            </a:r>
-          </a:p>
-          <a:p>
-            <a:r>
-              <a:rPr lang="en-US" sz="1900" dirty="0" smtClean="0"/>
-              <a:t>  &lt;/</a:t>
-            </a:r>
-            <a:r>
-              <a:rPr lang="en-US" sz="1900" dirty="0" err="1"/>
-              <a:t>thead</a:t>
-            </a:r>
-            <a:r>
-              <a:rPr lang="en-US" sz="1900" dirty="0"/>
-              <a:t>&gt;</a:t>
-            </a:r>
-          </a:p>
-          <a:p>
-            <a:r>
-              <a:rPr lang="en-US" sz="1900" dirty="0" smtClean="0"/>
-              <a:t>  &lt;</a:t>
-            </a:r>
-            <a:r>
-              <a:rPr lang="en-US" sz="1900" dirty="0" err="1"/>
-              <a:t>tbody</a:t>
-            </a:r>
-            <a:r>
-              <a:rPr lang="en-US" sz="1900" dirty="0"/>
-              <a:t> id="students-table</a:t>
-            </a:r>
-            <a:r>
-              <a:rPr lang="en-US" sz="1900" dirty="0" smtClean="0"/>
-              <a:t>"&gt;</a:t>
-            </a:r>
-            <a:endParaRPr lang="en-US" sz="1900" dirty="0"/>
-          </a:p>
-          <a:p>
-            <a:r>
-              <a:rPr lang="en-US" sz="1900" dirty="0" smtClean="0"/>
-              <a:t>    &lt;</a:t>
-            </a:r>
-            <a:r>
-              <a:rPr lang="en-US" sz="1900" dirty="0" err="1"/>
-              <a:t>tr</a:t>
-            </a:r>
-            <a:r>
-              <a:rPr lang="en-US" sz="1900" dirty="0"/>
-              <a:t> class="student-row"&gt;</a:t>
-            </a:r>
-          </a:p>
-          <a:p>
-            <a:r>
-              <a:rPr lang="en-US" sz="1900" dirty="0" smtClean="0"/>
-              <a:t>      &lt;</a:t>
-            </a:r>
-            <a:r>
-              <a:rPr lang="en-US" sz="1900" dirty="0"/>
-              <a:t>td&gt;{{number}}&lt;/td&gt;</a:t>
-            </a:r>
-          </a:p>
-          <a:p>
-            <a:r>
-              <a:rPr lang="en-US" sz="1900" dirty="0" smtClean="0"/>
-              <a:t>      &lt;td</a:t>
-            </a:r>
-            <a:r>
-              <a:rPr lang="en-US" sz="1900" dirty="0"/>
-              <a:t>&gt;{{name}}&lt;/td&gt;</a:t>
-            </a:r>
-          </a:p>
-          <a:p>
-            <a:r>
-              <a:rPr lang="en-US" sz="1900" dirty="0" smtClean="0"/>
-              <a:t>      &lt;td</a:t>
-            </a:r>
-            <a:r>
-              <a:rPr lang="en-US" sz="1900" dirty="0"/>
-              <a:t>&gt;{{mark}}&lt;/td&gt;</a:t>
-            </a:r>
-          </a:p>
-          <a:p>
-            <a:r>
-              <a:rPr lang="en-US" sz="1900" dirty="0" smtClean="0"/>
-              <a:t>    &lt;/</a:t>
-            </a:r>
-            <a:r>
-              <a:rPr lang="en-US" sz="1900" dirty="0" err="1"/>
-              <a:t>tr</a:t>
-            </a:r>
-            <a:r>
-              <a:rPr lang="en-US" sz="1900" dirty="0"/>
-              <a:t>&gt;		</a:t>
-            </a:r>
-          </a:p>
-          <a:p>
-            <a:r>
-              <a:rPr lang="en-US" sz="1900" dirty="0"/>
-              <a:t>  &lt;/</a:t>
-            </a:r>
-            <a:r>
-              <a:rPr lang="en-US" sz="1900" dirty="0" err="1"/>
-              <a:t>tbody</a:t>
-            </a:r>
-            <a:r>
-              <a:rPr lang="en-US" sz="1900" dirty="0"/>
-              <a:t>&gt;</a:t>
-            </a:r>
-          </a:p>
-          <a:p>
-            <a:r>
-              <a:rPr lang="en-US" sz="1900" dirty="0"/>
-              <a:t>&lt;/table</a:t>
-            </a:r>
-            <a:r>
-              <a:rPr lang="en-US" sz="1900" dirty="0" smtClean="0"/>
-              <a:t>&gt;</a:t>
-            </a:r>
-            <a:endParaRPr lang="en-US" sz="1900" dirty="0"/>
-          </a:p>
-        </p:txBody>
-      </p:sp>
-      <p:sp>
-        <p:nvSpPr>
-          <p:cNvPr id="7" name="Text Placeholder 6"/>
-          <p:cNvSpPr txBox="1">
-            <a:spLocks/>
-          </p:cNvSpPr>
-          <p:nvPr/>
-        </p:nvSpPr>
-        <p:spPr>
-          <a:xfrm>
-            <a:off x="2752725" y="5785460"/>
-            <a:ext cx="5524501" cy="384721"/>
-          </a:xfrm>
-          <a:prstGeom prst="rect">
-            <a:avLst/>
-          </a:prstGeom>
-          <a:solidFill>
-            <a:schemeClr val="accent5">
-              <a:lumMod val="40000"/>
-              <a:lumOff val="60000"/>
-              <a:alpha val="15000"/>
-            </a:schemeClr>
-          </a:solidFill>
-          <a:ln w="12700">
-            <a:solidFill>
-              <a:schemeClr val="accent5">
-                <a:lumMod val="60000"/>
-                <a:lumOff val="40000"/>
-              </a:schemeClr>
-            </a:solidFill>
-          </a:ln>
-        </p:spPr>
-        <p:txBody>
-          <a:bodyPr wrap="square">
-            <a:spAutoFit/>
-          </a:bodyPr>
-          <a:lstStyle>
-            <a:lvl1pPr indent="0" fontAlgn="base">
-              <a:spcBef>
-                <a:spcPts val="0"/>
-              </a:spcBef>
-              <a:spcAft>
-                <a:spcPct val="0"/>
-              </a:spcAft>
-              <a:buClr>
-                <a:schemeClr val="accent5">
-                  <a:lumMod val="40000"/>
-                  <a:lumOff val="60000"/>
-                </a:schemeClr>
-              </a:buClr>
-              <a:buSzPct val="70000"/>
-              <a:buFont typeface="Wingdings 2" pitchFamily="18" charset="2"/>
-              <a:buNone/>
-              <a:defRPr lang="en-US" sz="2000" b="1" smtClean="0">
-                <a:solidFill>
-                  <a:srgbClr val="8CF4F2"/>
-                </a:solidFill>
-                <a:effectLst>
-                  <a:outerShdw blurRad="38100" dist="38100" dir="2700000" algn="tl">
-                    <a:srgbClr val="000000">
-                      <a:alpha val="43137"/>
-                    </a:srgbClr>
-                  </a:outerShdw>
-                </a:effectLst>
-                <a:latin typeface="Consolas" pitchFamily="49" charset="0"/>
-                <a:cs typeface="Consolas" pitchFamily="49" charset="0"/>
-              </a:defRPr>
-            </a:lvl1pPr>
-            <a:lvl2pPr marL="630238" indent="-273050" fontAlgn="base">
-              <a:spcBef>
-                <a:spcPct val="20000"/>
-              </a:spcBef>
-              <a:spcAft>
-                <a:spcPct val="0"/>
-              </a:spcAft>
-              <a:buClr>
-                <a:schemeClr val="accent2">
-                  <a:lumMod val="60000"/>
-                  <a:lumOff val="40000"/>
-                </a:schemeClr>
-              </a:buClr>
-              <a:buFont typeface="Wingdings 2" pitchFamily="18" charset="2"/>
-              <a:buChar char=""/>
-              <a:defRPr sz="3000" b="1">
-                <a:solidFill>
-                  <a:schemeClr val="tx1">
-                    <a:lumMod val="20000"/>
-                    <a:lumOff val="80000"/>
-                  </a:schemeClr>
-                </a:solidFill>
-                <a:effectLst>
-                  <a:outerShdw blurRad="38100" dist="38100" dir="2700000" algn="tl">
-                    <a:srgbClr val="000000">
-                      <a:alpha val="43137"/>
-                    </a:srgbClr>
-                  </a:outerShdw>
-                </a:effectLst>
-              </a:defRPr>
-            </a:lvl2pPr>
-            <a:lvl3pPr marL="922338" indent="-273050" fontAlgn="base">
-              <a:spcBef>
-                <a:spcPct val="20000"/>
-              </a:spcBef>
-              <a:spcAft>
-                <a:spcPct val="0"/>
-              </a:spcAft>
-              <a:buClr>
-                <a:schemeClr val="tx1">
-                  <a:lumMod val="50000"/>
-                </a:schemeClr>
-              </a:buClr>
-              <a:buFont typeface="Wingdings 2" pitchFamily="18" charset="2"/>
-              <a:buChar char=""/>
-              <a:defRPr sz="2800" b="1">
-                <a:solidFill>
-                  <a:schemeClr val="tx1">
-                    <a:lumMod val="20000"/>
-                    <a:lumOff val="80000"/>
-                  </a:schemeClr>
-                </a:solidFill>
-                <a:effectLst>
-                  <a:outerShdw blurRad="38100" dist="38100" dir="2700000" algn="tl">
-                    <a:srgbClr val="000000">
-                      <a:alpha val="43137"/>
-                    </a:srgbClr>
-                  </a:outerShdw>
-                </a:effectLst>
-              </a:defRPr>
-            </a:lvl3pPr>
-            <a:lvl4pPr marL="1187450" indent="-228600" fontAlgn="base">
-              <a:spcBef>
-                <a:spcPct val="20000"/>
-              </a:spcBef>
-              <a:spcAft>
-                <a:spcPct val="0"/>
-              </a:spcAft>
-              <a:buClr>
-                <a:srgbClr val="F8BD52"/>
-              </a:buClr>
-              <a:buFont typeface="Wingdings 2" pitchFamily="18" charset="2"/>
-              <a:buChar char=""/>
-              <a:defRPr sz="2600" b="1">
-                <a:solidFill>
-                  <a:schemeClr val="tx1">
-                    <a:lumMod val="20000"/>
-                    <a:lumOff val="80000"/>
-                  </a:schemeClr>
-                </a:solidFill>
-                <a:effectLst>
-                  <a:outerShdw blurRad="38100" dist="38100" dir="2700000" algn="tl">
-                    <a:srgbClr val="000000">
-                      <a:alpha val="43137"/>
-                    </a:srgbClr>
-                  </a:outerShdw>
-                </a:effectLst>
-              </a:defRPr>
-            </a:lvl4pPr>
-            <a:lvl5pPr marL="1425575" indent="-228600" fontAlgn="base">
-              <a:spcBef>
-                <a:spcPct val="20000"/>
-              </a:spcBef>
-              <a:spcAft>
-                <a:spcPct val="0"/>
-              </a:spcAft>
-              <a:buClr>
-                <a:srgbClr val="46A6BD"/>
-              </a:buClr>
-              <a:buFont typeface="Wingdings 2" pitchFamily="18" charset="2"/>
-              <a:buChar char=""/>
-              <a:defRPr sz="2400" b="1">
-                <a:solidFill>
-                  <a:schemeClr val="tx1">
-                    <a:lumMod val="20000"/>
-                    <a:lumOff val="80000"/>
-                  </a:schemeClr>
-                </a:solidFill>
-                <a:effectLst>
-                  <a:outerShdw blurRad="38100" dist="38100" dir="2700000" algn="tl">
-                    <a:srgbClr val="000000">
-                      <a:alpha val="43137"/>
-                    </a:srgbClr>
-                  </a:outerShdw>
-                </a:effectLst>
-              </a:defRPr>
-            </a:lvl5pPr>
-            <a:lvl6pPr marL="1673352" indent="-228600">
-              <a:spcBef>
-                <a:spcPct val="20000"/>
-              </a:spcBef>
-              <a:buClr>
-                <a:schemeClr val="accent6"/>
-              </a:buClr>
-              <a:buFont typeface="Wingdings 2"/>
-              <a:buChar char=""/>
-            </a:lvl6pPr>
-            <a:lvl7pPr marL="1911096" indent="-228600">
-              <a:spcBef>
-                <a:spcPct val="20000"/>
-              </a:spcBef>
-              <a:buClr>
-                <a:schemeClr val="tx2"/>
-              </a:buClr>
-              <a:buFont typeface="Wingdings 2"/>
-              <a:buChar char=""/>
-              <a:defRPr sz="1600"/>
-            </a:lvl7pPr>
-            <a:lvl8pPr marL="2121408" indent="-182880">
-              <a:spcBef>
-                <a:spcPct val="20000"/>
-              </a:spcBef>
-              <a:buClr>
-                <a:schemeClr val="tx2"/>
-              </a:buClr>
-              <a:buFont typeface="Wingdings 2"/>
-              <a:buChar char=""/>
-              <a:defRPr sz="1400"/>
-            </a:lvl8pPr>
-            <a:lvl9pPr marL="2322576" indent="-182880">
-              <a:spcBef>
-                <a:spcPct val="20000"/>
-              </a:spcBef>
-              <a:buClr>
-                <a:schemeClr val="tx2"/>
-              </a:buClr>
-              <a:buFont typeface="Wingdings 2"/>
-              <a:buChar char=""/>
-              <a:defRPr sz="1400"/>
-            </a:lvl9pPr>
-          </a:lstStyle>
-          <a:p>
-            <a:r>
-              <a:rPr lang="en-US" sz="1900" dirty="0" smtClean="0"/>
-              <a:t>$('#students-table</a:t>
-            </a:r>
-            <a:r>
-              <a:rPr lang="en-US" sz="1900" dirty="0"/>
-              <a:t>').</a:t>
-            </a:r>
-            <a:r>
-              <a:rPr lang="en-US" sz="1900" dirty="0" err="1"/>
-              <a:t>listview</a:t>
-            </a:r>
-            <a:r>
-              <a:rPr lang="en-US" sz="1900" dirty="0"/>
-              <a:t>(students);</a:t>
-            </a:r>
-          </a:p>
-        </p:txBody>
-      </p:sp>
     </p:spTree>
     <p:extLst>
       <p:ext uri="{BB962C8B-B14F-4D97-AF65-F5344CB8AC3E}">
@@ -10123,4731 +8622,6 @@
         <p:cTn id="1" dur="indefinite" restart="never" nodeType="tmRoot"/>
       </p:par>
     </p:tnLst>
-  </p:timing>
-</p:sld>
-</file>
-
-<file path=ppt/slides/slide2.xml><?xml version="1.0" encoding="utf-8"?>
-<p:sld xmlns:a="http://schemas.openxmlformats.org/drawingml/2006/main" xmlns:r="http://schemas.openxmlformats.org/officeDocument/2006/relationships" xmlns:p="http://schemas.openxmlformats.org/presentationml/2006/main">
-  <p:cSld>
-    <p:spTree>
-      <p:nvGrpSpPr>
-        <p:cNvPr id="1" name=""/>
-        <p:cNvGrpSpPr/>
-        <p:nvPr/>
-      </p:nvGrpSpPr>
-      <p:grpSpPr>
-        <a:xfrm>
-          <a:off x="0" y="0"/>
-          <a:ext cx="0" cy="0"/>
-          <a:chOff x="0" y="0"/>
-          <a:chExt cx="0" cy="0"/>
-        </a:xfrm>
-      </p:grpSpPr>
-      <p:sp>
-        <p:nvSpPr>
-          <p:cNvPr id="4" name="Title 3"/>
-          <p:cNvSpPr>
-            <a:spLocks noGrp="1"/>
-          </p:cNvSpPr>
-          <p:nvPr>
-            <p:ph type="title"/>
-          </p:nvPr>
-        </p:nvSpPr>
-        <p:spPr/>
-        <p:txBody>
-          <a:bodyPr/>
-          <a:lstStyle/>
-          <a:p>
-            <a:r>
-              <a:rPr lang="en-US" dirty="0" smtClean="0"/>
-              <a:t>Creating HTML Templates</a:t>
-            </a:r>
-            <a:endParaRPr lang="en-US" dirty="0"/>
-          </a:p>
-        </p:txBody>
-      </p:sp>
-      <p:sp>
-        <p:nvSpPr>
-          <p:cNvPr id="5" name="Content Placeholder 4"/>
-          <p:cNvSpPr>
-            <a:spLocks noGrp="1"/>
-          </p:cNvSpPr>
-          <p:nvPr>
-            <p:ph idx="1"/>
-          </p:nvPr>
-        </p:nvSpPr>
-        <p:spPr/>
-        <p:txBody>
-          <a:bodyPr/>
-          <a:lstStyle/>
-          <a:p>
-            <a:pPr>
-              <a:tabLst>
-                <a:tab pos="282575" algn="l"/>
-                <a:tab pos="1200150" algn="l"/>
-              </a:tabLst>
-            </a:pPr>
-            <a:r>
-              <a:rPr lang="en-US" dirty="0" smtClean="0"/>
-              <a:t>HTML templates act much like </a:t>
-            </a:r>
-            <a:r>
-              <a:rPr lang="en-US" dirty="0" err="1" smtClean="0">
-                <a:solidFill>
-                  <a:schemeClr val="accent5">
-                    <a:lumMod val="20000"/>
-                    <a:lumOff val="80000"/>
-                  </a:schemeClr>
-                </a:solidFill>
-                <a:latin typeface="Consolas" panose="020B0609020204030204" pitchFamily="49" charset="0"/>
-                <a:cs typeface="Consolas" panose="020B0609020204030204" pitchFamily="49" charset="0"/>
-              </a:rPr>
-              <a:t>string.Format</a:t>
-            </a:r>
-            <a:r>
-              <a:rPr lang="en-US" dirty="0" smtClean="0">
-                <a:solidFill>
-                  <a:schemeClr val="accent5">
-                    <a:lumMod val="20000"/>
-                    <a:lumOff val="80000"/>
-                  </a:schemeClr>
-                </a:solidFill>
-                <a:latin typeface="Consolas" panose="020B0609020204030204" pitchFamily="49" charset="0"/>
-                <a:cs typeface="Consolas" panose="020B0609020204030204" pitchFamily="49" charset="0"/>
-              </a:rPr>
-              <a:t>()</a:t>
-            </a:r>
-            <a:r>
-              <a:rPr lang="en-US" dirty="0" smtClean="0"/>
-              <a:t> in C# and Java and </a:t>
-            </a:r>
-            <a:r>
-              <a:rPr lang="en-US" dirty="0" err="1" smtClean="0">
-                <a:solidFill>
-                  <a:schemeClr val="accent5">
-                    <a:lumMod val="20000"/>
-                    <a:lumOff val="80000"/>
-                  </a:schemeClr>
-                </a:solidFill>
-                <a:latin typeface="Consolas" panose="020B0609020204030204" pitchFamily="49" charset="0"/>
-                <a:cs typeface="Consolas" panose="020B0609020204030204" pitchFamily="49" charset="0"/>
-              </a:rPr>
-              <a:t>stringWithFormat</a:t>
-            </a:r>
-            <a:r>
-              <a:rPr lang="en-US" dirty="0" smtClean="0">
-                <a:solidFill>
-                  <a:schemeClr val="accent5">
-                    <a:lumMod val="20000"/>
-                    <a:lumOff val="80000"/>
-                  </a:schemeClr>
-                </a:solidFill>
-                <a:latin typeface="Consolas" panose="020B0609020204030204" pitchFamily="49" charset="0"/>
-                <a:cs typeface="Consolas" panose="020B0609020204030204" pitchFamily="49" charset="0"/>
-              </a:rPr>
-              <a:t>: @"…"</a:t>
-            </a:r>
-            <a:r>
-              <a:rPr lang="en-US" dirty="0" smtClean="0"/>
-              <a:t> in Objective-C</a:t>
-            </a:r>
-          </a:p>
-          <a:p>
-            <a:pPr lvl="1"/>
-            <a:r>
-              <a:rPr lang="en-US" dirty="0" smtClean="0"/>
-              <a:t>Put placeholders within a template string, and replace these placeholders with values</a:t>
-            </a:r>
-          </a:p>
-          <a:p>
-            <a:r>
-              <a:rPr lang="en-US" dirty="0" smtClean="0"/>
-              <a:t>Handlebars.js marks placeholders with double curly brackets </a:t>
-            </a:r>
-            <a:r>
-              <a:rPr lang="en-US" dirty="0" smtClean="0">
-                <a:solidFill>
-                  <a:schemeClr val="accent5">
-                    <a:lumMod val="20000"/>
-                    <a:lumOff val="80000"/>
-                  </a:schemeClr>
-                </a:solidFill>
-                <a:latin typeface="Consolas" panose="020B0609020204030204" pitchFamily="49" charset="0"/>
-                <a:cs typeface="Consolas" panose="020B0609020204030204" pitchFamily="49" charset="0"/>
-              </a:rPr>
-              <a:t>{{value}}</a:t>
-            </a:r>
-          </a:p>
-          <a:p>
-            <a:pPr lvl="1"/>
-            <a:r>
-              <a:rPr lang="en-US" dirty="0" smtClean="0"/>
-              <a:t>When rendered, the </a:t>
-            </a:r>
-            <a:r>
-              <a:rPr lang="en-US" dirty="0" smtClean="0">
-                <a:solidFill>
-                  <a:schemeClr val="accent5">
-                    <a:lumMod val="20000"/>
-                    <a:lumOff val="80000"/>
-                  </a:schemeClr>
-                </a:solidFill>
-              </a:rPr>
-              <a:t>placeholders </a:t>
-            </a:r>
-            <a:r>
-              <a:rPr lang="en-US" dirty="0"/>
-              <a:t>between the curly brackets</a:t>
-            </a:r>
-            <a:r>
-              <a:rPr lang="en-US" dirty="0" smtClean="0"/>
-              <a:t> are </a:t>
-            </a:r>
-            <a:r>
-              <a:rPr lang="en-US" dirty="0" smtClean="0">
-                <a:solidFill>
-                  <a:schemeClr val="accent5">
-                    <a:lumMod val="20000"/>
-                    <a:lumOff val="80000"/>
-                  </a:schemeClr>
-                </a:solidFill>
-              </a:rPr>
-              <a:t>replaced </a:t>
-            </a:r>
-            <a:r>
-              <a:rPr lang="en-US" dirty="0"/>
-              <a:t>with the corresponding value</a:t>
-            </a:r>
-          </a:p>
-        </p:txBody>
-      </p:sp>
-    </p:spTree>
-    <p:extLst>
-      <p:ext uri="{BB962C8B-B14F-4D97-AF65-F5344CB8AC3E}">
-        <p14:creationId xmlns="" xmlns:p14="http://schemas.microsoft.com/office/powerpoint/2010/main" val="2299441220"/>
-      </p:ext>
-    </p:extLst>
-  </p:cSld>
-  <p:clrMapOvr>
-    <a:masterClrMapping/>
-  </p:clrMapOvr>
-  <p:timing>
-    <p:tnLst>
-      <p:par>
-        <p:cTn id="1" dur="indefinite" restart="never" nodeType="tmRoot"/>
-      </p:par>
-    </p:tnLst>
-  </p:timing>
-</p:sld>
-</file>
-
-<file path=ppt/slides/slide3.xml><?xml version="1.0" encoding="utf-8"?>
-<p:sld xmlns:a="http://schemas.openxmlformats.org/drawingml/2006/main" xmlns:r="http://schemas.openxmlformats.org/officeDocument/2006/relationships" xmlns:p="http://schemas.openxmlformats.org/presentationml/2006/main">
-  <p:cSld>
-    <p:spTree>
-      <p:nvGrpSpPr>
-        <p:cNvPr id="1" name=""/>
-        <p:cNvGrpSpPr/>
-        <p:nvPr/>
-      </p:nvGrpSpPr>
-      <p:grpSpPr>
-        <a:xfrm>
-          <a:off x="0" y="0"/>
-          <a:ext cx="0" cy="0"/>
-          <a:chOff x="0" y="0"/>
-          <a:chExt cx="0" cy="0"/>
-        </a:xfrm>
-      </p:grpSpPr>
-      <p:sp>
-        <p:nvSpPr>
-          <p:cNvPr id="5" name="Title 4"/>
-          <p:cNvSpPr>
-            <a:spLocks noGrp="1"/>
-          </p:cNvSpPr>
-          <p:nvPr>
-            <p:ph type="title"/>
-          </p:nvPr>
-        </p:nvSpPr>
-        <p:spPr/>
-        <p:txBody>
-          <a:bodyPr/>
-          <a:lstStyle/>
-          <a:p>
-            <a:r>
-              <a:rPr lang="en-US" smtClean="0"/>
-              <a:t>Creating Templates: Example</a:t>
-            </a:r>
-            <a:endParaRPr lang="en-US" dirty="0"/>
-          </a:p>
-        </p:txBody>
-      </p:sp>
-      <p:sp>
-        <p:nvSpPr>
-          <p:cNvPr id="6" name="Content Placeholder 5"/>
-          <p:cNvSpPr>
-            <a:spLocks noGrp="1"/>
-          </p:cNvSpPr>
-          <p:nvPr>
-            <p:ph idx="1"/>
-          </p:nvPr>
-        </p:nvSpPr>
-        <p:spPr/>
-        <p:txBody>
-          <a:bodyPr/>
-          <a:lstStyle/>
-          <a:p>
-            <a:r>
-              <a:rPr lang="en-US" smtClean="0"/>
-              <a:t>Creating the template</a:t>
-            </a:r>
-            <a:endParaRPr lang="en-US" dirty="0"/>
-          </a:p>
-        </p:txBody>
-      </p:sp>
-      <p:sp>
-        <p:nvSpPr>
-          <p:cNvPr id="4" name="Slide Number Placeholder 3"/>
-          <p:cNvSpPr>
-            <a:spLocks noGrp="1"/>
-          </p:cNvSpPr>
-          <p:nvPr>
-            <p:ph type="sldNum" sz="quarter" idx="10"/>
-          </p:nvPr>
-        </p:nvSpPr>
-        <p:spPr/>
-        <p:txBody>
-          <a:bodyPr/>
-          <a:lstStyle/>
-          <a:p>
-            <a:fld id="{CF20ED08-E70C-4F83-9884-206434D7992D}" type="slidenum">
-              <a:rPr lang="en-US" smtClean="0"/>
-              <a:pPr/>
-              <a:t>3</a:t>
-            </a:fld>
-            <a:endParaRPr lang="en-US"/>
-          </a:p>
-        </p:txBody>
-      </p:sp>
-      <p:sp>
-        <p:nvSpPr>
-          <p:cNvPr id="7" name="Text Placeholder 6"/>
-          <p:cNvSpPr txBox="1">
-            <a:spLocks/>
-          </p:cNvSpPr>
-          <p:nvPr/>
-        </p:nvSpPr>
-        <p:spPr>
-          <a:xfrm>
-            <a:off x="381000" y="1523798"/>
-            <a:ext cx="8458200" cy="1846659"/>
-          </a:xfrm>
-          <a:prstGeom prst="rect">
-            <a:avLst/>
-          </a:prstGeom>
-          <a:solidFill>
-            <a:schemeClr val="accent5">
-              <a:lumMod val="40000"/>
-              <a:lumOff val="60000"/>
-              <a:alpha val="15000"/>
-            </a:schemeClr>
-          </a:solidFill>
-          <a:ln w="12700">
-            <a:solidFill>
-              <a:schemeClr val="accent5">
-                <a:lumMod val="60000"/>
-                <a:lumOff val="40000"/>
-              </a:schemeClr>
-            </a:solidFill>
-          </a:ln>
-        </p:spPr>
-        <p:txBody>
-          <a:bodyPr wrap="square">
-            <a:spAutoFit/>
-          </a:bodyPr>
-          <a:lstStyle>
-            <a:lvl1pPr indent="0" fontAlgn="base">
-              <a:spcBef>
-                <a:spcPts val="0"/>
-              </a:spcBef>
-              <a:spcAft>
-                <a:spcPct val="0"/>
-              </a:spcAft>
-              <a:buClr>
-                <a:schemeClr val="accent5">
-                  <a:lumMod val="40000"/>
-                  <a:lumOff val="60000"/>
-                </a:schemeClr>
-              </a:buClr>
-              <a:buSzPct val="70000"/>
-              <a:buFont typeface="Wingdings 2" pitchFamily="18" charset="2"/>
-              <a:buNone/>
-              <a:defRPr lang="en-US" sz="2000" b="1" smtClean="0">
-                <a:solidFill>
-                  <a:srgbClr val="8CF4F2"/>
-                </a:solidFill>
-                <a:effectLst>
-                  <a:outerShdw blurRad="38100" dist="38100" dir="2700000" algn="tl">
-                    <a:srgbClr val="000000">
-                      <a:alpha val="43137"/>
-                    </a:srgbClr>
-                  </a:outerShdw>
-                </a:effectLst>
-                <a:latin typeface="Consolas" pitchFamily="49" charset="0"/>
-                <a:cs typeface="Consolas" pitchFamily="49" charset="0"/>
-              </a:defRPr>
-            </a:lvl1pPr>
-            <a:lvl2pPr marL="630238" indent="-273050" fontAlgn="base">
-              <a:spcBef>
-                <a:spcPct val="20000"/>
-              </a:spcBef>
-              <a:spcAft>
-                <a:spcPct val="0"/>
-              </a:spcAft>
-              <a:buClr>
-                <a:schemeClr val="accent2">
-                  <a:lumMod val="60000"/>
-                  <a:lumOff val="40000"/>
-                </a:schemeClr>
-              </a:buClr>
-              <a:buFont typeface="Wingdings 2" pitchFamily="18" charset="2"/>
-              <a:buChar char=""/>
-              <a:defRPr sz="3000" b="1">
-                <a:solidFill>
-                  <a:schemeClr val="tx1">
-                    <a:lumMod val="20000"/>
-                    <a:lumOff val="80000"/>
-                  </a:schemeClr>
-                </a:solidFill>
-                <a:effectLst>
-                  <a:outerShdw blurRad="38100" dist="38100" dir="2700000" algn="tl">
-                    <a:srgbClr val="000000">
-                      <a:alpha val="43137"/>
-                    </a:srgbClr>
-                  </a:outerShdw>
-                </a:effectLst>
-              </a:defRPr>
-            </a:lvl2pPr>
-            <a:lvl3pPr marL="922338" indent="-273050" fontAlgn="base">
-              <a:spcBef>
-                <a:spcPct val="20000"/>
-              </a:spcBef>
-              <a:spcAft>
-                <a:spcPct val="0"/>
-              </a:spcAft>
-              <a:buClr>
-                <a:schemeClr val="tx1">
-                  <a:lumMod val="50000"/>
-                </a:schemeClr>
-              </a:buClr>
-              <a:buFont typeface="Wingdings 2" pitchFamily="18" charset="2"/>
-              <a:buChar char=""/>
-              <a:defRPr sz="2800" b="1">
-                <a:solidFill>
-                  <a:schemeClr val="tx1">
-                    <a:lumMod val="20000"/>
-                    <a:lumOff val="80000"/>
-                  </a:schemeClr>
-                </a:solidFill>
-                <a:effectLst>
-                  <a:outerShdw blurRad="38100" dist="38100" dir="2700000" algn="tl">
-                    <a:srgbClr val="000000">
-                      <a:alpha val="43137"/>
-                    </a:srgbClr>
-                  </a:outerShdw>
-                </a:effectLst>
-              </a:defRPr>
-            </a:lvl3pPr>
-            <a:lvl4pPr marL="1187450" indent="-228600" fontAlgn="base">
-              <a:spcBef>
-                <a:spcPct val="20000"/>
-              </a:spcBef>
-              <a:spcAft>
-                <a:spcPct val="0"/>
-              </a:spcAft>
-              <a:buClr>
-                <a:srgbClr val="F8BD52"/>
-              </a:buClr>
-              <a:buFont typeface="Wingdings 2" pitchFamily="18" charset="2"/>
-              <a:buChar char=""/>
-              <a:defRPr sz="2600" b="1">
-                <a:solidFill>
-                  <a:schemeClr val="tx1">
-                    <a:lumMod val="20000"/>
-                    <a:lumOff val="80000"/>
-                  </a:schemeClr>
-                </a:solidFill>
-                <a:effectLst>
-                  <a:outerShdw blurRad="38100" dist="38100" dir="2700000" algn="tl">
-                    <a:srgbClr val="000000">
-                      <a:alpha val="43137"/>
-                    </a:srgbClr>
-                  </a:outerShdw>
-                </a:effectLst>
-              </a:defRPr>
-            </a:lvl4pPr>
-            <a:lvl5pPr marL="1425575" indent="-228600" fontAlgn="base">
-              <a:spcBef>
-                <a:spcPct val="20000"/>
-              </a:spcBef>
-              <a:spcAft>
-                <a:spcPct val="0"/>
-              </a:spcAft>
-              <a:buClr>
-                <a:srgbClr val="46A6BD"/>
-              </a:buClr>
-              <a:buFont typeface="Wingdings 2" pitchFamily="18" charset="2"/>
-              <a:buChar char=""/>
-              <a:defRPr sz="2400" b="1">
-                <a:solidFill>
-                  <a:schemeClr val="tx1">
-                    <a:lumMod val="20000"/>
-                    <a:lumOff val="80000"/>
-                  </a:schemeClr>
-                </a:solidFill>
-                <a:effectLst>
-                  <a:outerShdw blurRad="38100" dist="38100" dir="2700000" algn="tl">
-                    <a:srgbClr val="000000">
-                      <a:alpha val="43137"/>
-                    </a:srgbClr>
-                  </a:outerShdw>
-                </a:effectLst>
-              </a:defRPr>
-            </a:lvl5pPr>
-            <a:lvl6pPr marL="1673352" indent="-228600">
-              <a:spcBef>
-                <a:spcPct val="20000"/>
-              </a:spcBef>
-              <a:buClr>
-                <a:schemeClr val="accent6"/>
-              </a:buClr>
-              <a:buFont typeface="Wingdings 2"/>
-              <a:buChar char=""/>
-            </a:lvl6pPr>
-            <a:lvl7pPr marL="1911096" indent="-228600">
-              <a:spcBef>
-                <a:spcPct val="20000"/>
-              </a:spcBef>
-              <a:buClr>
-                <a:schemeClr val="tx2"/>
-              </a:buClr>
-              <a:buFont typeface="Wingdings 2"/>
-              <a:buChar char=""/>
-              <a:defRPr sz="1600"/>
-            </a:lvl7pPr>
-            <a:lvl8pPr marL="2121408" indent="-182880">
-              <a:spcBef>
-                <a:spcPct val="20000"/>
-              </a:spcBef>
-              <a:buClr>
-                <a:schemeClr val="tx2"/>
-              </a:buClr>
-              <a:buFont typeface="Wingdings 2"/>
-              <a:buChar char=""/>
-              <a:defRPr sz="1400"/>
-            </a:lvl8pPr>
-            <a:lvl9pPr marL="2322576" indent="-182880">
-              <a:spcBef>
-                <a:spcPct val="20000"/>
-              </a:spcBef>
-              <a:buClr>
-                <a:schemeClr val="tx2"/>
-              </a:buClr>
-              <a:buFont typeface="Wingdings 2"/>
-              <a:buChar char=""/>
-              <a:defRPr sz="1400"/>
-            </a:lvl9pPr>
-          </a:lstStyle>
-          <a:p>
-            <a:r>
-              <a:rPr lang="en-US" sz="1900" dirty="0"/>
-              <a:t>&lt;script id</a:t>
-            </a:r>
-            <a:r>
-              <a:rPr lang="en-US" sz="1900" dirty="0" smtClean="0"/>
-              <a:t>="post-template" type</a:t>
-            </a:r>
-            <a:r>
-              <a:rPr lang="en-US" sz="1900" dirty="0"/>
-              <a:t>="</a:t>
-            </a:r>
-            <a:r>
-              <a:rPr lang="en-US" sz="1900" dirty="0">
-                <a:solidFill>
-                  <a:schemeClr val="tx1">
-                    <a:lumMod val="20000"/>
-                    <a:lumOff val="80000"/>
-                  </a:schemeClr>
-                </a:solidFill>
-              </a:rPr>
-              <a:t>text/x-handlebars-template</a:t>
-            </a:r>
-            <a:r>
-              <a:rPr lang="en-US" sz="1900" dirty="0" smtClean="0"/>
-              <a:t>"&gt;</a:t>
-            </a:r>
-            <a:endParaRPr lang="en-US" sz="1900" dirty="0"/>
-          </a:p>
-          <a:p>
-            <a:r>
-              <a:rPr lang="en-US" sz="1900" dirty="0" smtClean="0"/>
-              <a:t>  &lt;div </a:t>
-            </a:r>
-            <a:r>
-              <a:rPr lang="en-US" sz="1900" dirty="0"/>
-              <a:t>class='post'&gt;</a:t>
-            </a:r>
-          </a:p>
-          <a:p>
-            <a:r>
-              <a:rPr lang="en-US" sz="1900" dirty="0" smtClean="0"/>
-              <a:t>    &lt;</a:t>
-            </a:r>
-            <a:r>
-              <a:rPr lang="en-US" sz="1900" dirty="0"/>
-              <a:t>h1 class="post-title"&gt;</a:t>
-            </a:r>
-            <a:r>
-              <a:rPr lang="en-US" sz="1900" dirty="0">
-                <a:solidFill>
-                  <a:schemeClr val="tx1">
-                    <a:lumMod val="20000"/>
-                    <a:lumOff val="80000"/>
-                  </a:schemeClr>
-                </a:solidFill>
-              </a:rPr>
-              <a:t>{{title}}</a:t>
-            </a:r>
-            <a:r>
-              <a:rPr lang="en-US" sz="1900" dirty="0"/>
-              <a:t>&lt;/h1</a:t>
-            </a:r>
-            <a:r>
-              <a:rPr lang="en-US" sz="1900" dirty="0" smtClean="0"/>
-              <a:t>&gt;</a:t>
-            </a:r>
-          </a:p>
-          <a:p>
-            <a:r>
-              <a:rPr lang="en-US" sz="1900" dirty="0"/>
-              <a:t> </a:t>
-            </a:r>
-            <a:r>
-              <a:rPr lang="en-US" sz="1900" dirty="0" smtClean="0"/>
-              <a:t>   &lt;</a:t>
-            </a:r>
-            <a:r>
-              <a:rPr lang="en-US" sz="1900" dirty="0"/>
-              <a:t>p class="post-content</a:t>
-            </a:r>
-            <a:r>
-              <a:rPr lang="en-US" sz="1900" dirty="0" smtClean="0"/>
-              <a:t>"&gt;</a:t>
-            </a:r>
-            <a:r>
-              <a:rPr lang="en-US" sz="1900" dirty="0" smtClean="0">
-                <a:solidFill>
-                  <a:schemeClr val="tx1">
-                    <a:lumMod val="20000"/>
-                    <a:lumOff val="80000"/>
-                  </a:schemeClr>
-                </a:solidFill>
-              </a:rPr>
-              <a:t>{{content}}</a:t>
-            </a:r>
-            <a:r>
-              <a:rPr lang="en-US" sz="1900" dirty="0" smtClean="0"/>
-              <a:t>&lt;/</a:t>
-            </a:r>
-            <a:r>
-              <a:rPr lang="en-US" sz="1900" dirty="0"/>
-              <a:t>p&gt;</a:t>
-            </a:r>
-          </a:p>
-          <a:p>
-            <a:r>
-              <a:rPr lang="en-US" sz="1900" dirty="0" smtClean="0"/>
-              <a:t>  &lt;/</a:t>
-            </a:r>
-            <a:r>
-              <a:rPr lang="en-US" sz="1900" dirty="0"/>
-              <a:t>div&gt;</a:t>
-            </a:r>
-          </a:p>
-          <a:p>
-            <a:r>
-              <a:rPr lang="en-US" sz="1900" dirty="0" smtClean="0"/>
-              <a:t>&lt;/</a:t>
-            </a:r>
-            <a:r>
-              <a:rPr lang="en-US" sz="1900" dirty="0"/>
-              <a:t>script&gt;</a:t>
-            </a:r>
-          </a:p>
-        </p:txBody>
-      </p:sp>
-      <p:sp>
-        <p:nvSpPr>
-          <p:cNvPr id="8" name="Content Placeholder 5"/>
-          <p:cNvSpPr txBox="1">
-            <a:spLocks/>
-          </p:cNvSpPr>
-          <p:nvPr/>
-        </p:nvSpPr>
-        <p:spPr>
-          <a:xfrm>
-            <a:off x="228600" y="3459235"/>
-            <a:ext cx="8686800" cy="1126462"/>
-          </a:xfrm>
-          <a:prstGeom prst="rect">
-            <a:avLst/>
-          </a:prstGeom>
-        </p:spPr>
-        <p:txBody>
-          <a:bodyPr>
-            <a:spAutoFit/>
-          </a:bodyPr>
-          <a:lstStyle>
-            <a:lvl1pPr marL="282575" indent="-282575" algn="l" rtl="0" eaLnBrk="1" fontAlgn="base" hangingPunct="1">
-              <a:lnSpc>
-                <a:spcPct val="105000"/>
-              </a:lnSpc>
-              <a:spcBef>
-                <a:spcPts val="600"/>
-              </a:spcBef>
-              <a:spcAft>
-                <a:spcPts val="600"/>
-              </a:spcAft>
-              <a:buClr>
-                <a:schemeClr val="accent5">
-                  <a:lumMod val="40000"/>
-                  <a:lumOff val="60000"/>
-                </a:schemeClr>
-              </a:buClr>
-              <a:buSzPct val="70000"/>
-              <a:buFont typeface="Wingdings 2" pitchFamily="18" charset="2"/>
-              <a:buChar char=""/>
-              <a:tabLst>
-                <a:tab pos="282575" algn="l"/>
-              </a:tabLst>
-              <a:defRPr sz="3200" b="1" kern="1200">
-                <a:solidFill>
-                  <a:srgbClr val="EBFFD2"/>
-                </a:solidFill>
-                <a:effectLst>
-                  <a:outerShdw blurRad="38100" dist="38100" dir="2700000" algn="tl">
-                    <a:srgbClr val="000000">
-                      <a:alpha val="43137"/>
-                    </a:srgbClr>
-                  </a:outerShdw>
-                </a:effectLst>
-                <a:latin typeface="+mn-lt"/>
-                <a:ea typeface="+mn-ea"/>
-                <a:cs typeface="+mn-cs"/>
-              </a:defRPr>
-            </a:lvl1pPr>
-            <a:lvl2pPr marL="630238" indent="-273050" algn="l" rtl="0" eaLnBrk="1" fontAlgn="base" hangingPunct="1">
-              <a:lnSpc>
-                <a:spcPct val="105000"/>
-              </a:lnSpc>
-              <a:spcBef>
-                <a:spcPts val="600"/>
-              </a:spcBef>
-              <a:spcAft>
-                <a:spcPts val="600"/>
-              </a:spcAft>
-              <a:buClr>
-                <a:srgbClr val="8FD600"/>
-              </a:buClr>
-              <a:buFont typeface="Wingdings 2" pitchFamily="18" charset="2"/>
-              <a:buChar char=""/>
-              <a:defRPr sz="3000" b="1" kern="1200">
-                <a:solidFill>
-                  <a:schemeClr val="tx1">
-                    <a:lumMod val="40000"/>
-                    <a:lumOff val="60000"/>
-                  </a:schemeClr>
-                </a:solidFill>
-                <a:effectLst>
-                  <a:outerShdw blurRad="38100" dist="38100" dir="2700000" algn="tl">
-                    <a:srgbClr val="000000">
-                      <a:alpha val="43137"/>
-                    </a:srgbClr>
-                  </a:outerShdw>
-                </a:effectLst>
-                <a:latin typeface="+mn-lt"/>
-                <a:ea typeface="+mn-ea"/>
-                <a:cs typeface="+mn-cs"/>
-              </a:defRPr>
-            </a:lvl2pPr>
-            <a:lvl3pPr marL="922338" indent="-273050" algn="l" rtl="0" eaLnBrk="1" fontAlgn="base" hangingPunct="1">
-              <a:lnSpc>
-                <a:spcPct val="105000"/>
-              </a:lnSpc>
-              <a:spcBef>
-                <a:spcPts val="600"/>
-              </a:spcBef>
-              <a:spcAft>
-                <a:spcPts val="600"/>
-              </a:spcAft>
-              <a:buClr>
-                <a:srgbClr val="FFAD9F"/>
-              </a:buClr>
-              <a:buFont typeface="Wingdings 2" pitchFamily="18" charset="2"/>
-              <a:buChar char=""/>
-              <a:defRPr sz="2800" b="1" kern="1200">
-                <a:solidFill>
-                  <a:srgbClr val="F5FFC2"/>
-                </a:solidFill>
-                <a:effectLst>
-                  <a:outerShdw blurRad="38100" dist="38100" dir="2700000" algn="tl">
-                    <a:srgbClr val="000000">
-                      <a:alpha val="43137"/>
-                    </a:srgbClr>
-                  </a:outerShdw>
-                </a:effectLst>
-                <a:latin typeface="+mn-lt"/>
-                <a:ea typeface="+mn-ea"/>
-                <a:cs typeface="+mn-cs"/>
-              </a:defRPr>
-            </a:lvl3pPr>
-            <a:lvl4pPr marL="1187450" indent="-228600" algn="l" rtl="0" eaLnBrk="1" fontAlgn="base" hangingPunct="1">
-              <a:lnSpc>
-                <a:spcPct val="105000"/>
-              </a:lnSpc>
-              <a:spcBef>
-                <a:spcPts val="600"/>
-              </a:spcBef>
-              <a:spcAft>
-                <a:spcPts val="600"/>
-              </a:spcAft>
-              <a:buClr>
-                <a:srgbClr val="FACF82"/>
-              </a:buClr>
-              <a:buFont typeface="Wingdings 2" pitchFamily="18" charset="2"/>
-              <a:buChar char=""/>
-              <a:defRPr sz="2600" b="1" kern="1200">
-                <a:solidFill>
-                  <a:schemeClr val="tx1">
-                    <a:lumMod val="40000"/>
-                    <a:lumOff val="60000"/>
-                  </a:schemeClr>
-                </a:solidFill>
-                <a:effectLst>
-                  <a:outerShdw blurRad="38100" dist="38100" dir="2700000" algn="tl">
-                    <a:srgbClr val="000000">
-                      <a:alpha val="43137"/>
-                    </a:srgbClr>
-                  </a:outerShdw>
-                </a:effectLst>
-                <a:latin typeface="+mn-lt"/>
-                <a:ea typeface="+mn-ea"/>
-                <a:cs typeface="+mn-cs"/>
-              </a:defRPr>
-            </a:lvl4pPr>
-            <a:lvl5pPr marL="1425575" indent="-228600" algn="l" rtl="0" eaLnBrk="1" fontAlgn="base" hangingPunct="1">
-              <a:lnSpc>
-                <a:spcPct val="105000"/>
-              </a:lnSpc>
-              <a:spcBef>
-                <a:spcPts val="600"/>
-              </a:spcBef>
-              <a:spcAft>
-                <a:spcPts val="600"/>
-              </a:spcAft>
-              <a:buClr>
-                <a:srgbClr val="46A6BD"/>
-              </a:buClr>
-              <a:buFont typeface="Wingdings 2" pitchFamily="18" charset="2"/>
-              <a:buChar char=""/>
-              <a:defRPr sz="2400" b="1" kern="1200">
-                <a:solidFill>
-                  <a:schemeClr val="tx1">
-                    <a:lumMod val="40000"/>
-                    <a:lumOff val="60000"/>
-                  </a:schemeClr>
-                </a:solidFill>
-                <a:effectLst>
-                  <a:outerShdw blurRad="38100" dist="38100" dir="2700000" algn="tl">
-                    <a:srgbClr val="000000">
-                      <a:alpha val="43137"/>
-                    </a:srgbClr>
-                  </a:outerShdw>
-                </a:effectLst>
-                <a:latin typeface="+mn-lt"/>
-                <a:ea typeface="+mn-ea"/>
-                <a:cs typeface="+mn-cs"/>
-              </a:defRPr>
-            </a:lvl5pPr>
-            <a:lvl6pPr marL="1673352" indent="-228600" algn="l" rtl="0" eaLnBrk="1" latinLnBrk="0" hangingPunct="1">
-              <a:spcBef>
-                <a:spcPct val="20000"/>
-              </a:spcBef>
-              <a:buClr>
-                <a:schemeClr val="accent6"/>
-              </a:buClr>
-              <a:buFont typeface="Wingdings 2"/>
-              <a:buChar char=""/>
-              <a:defRPr sz="1800" kern="1200">
-                <a:solidFill>
-                  <a:schemeClr val="tx1"/>
-                </a:solidFill>
-                <a:latin typeface="+mn-lt"/>
-                <a:ea typeface="+mn-ea"/>
-                <a:cs typeface="+mn-cs"/>
-              </a:defRPr>
-            </a:lvl6pPr>
-            <a:lvl7pPr marL="1911096" indent="-228600" algn="l" rtl="0" eaLnBrk="1" latinLnBrk="0" hangingPunct="1">
-              <a:spcBef>
-                <a:spcPct val="20000"/>
-              </a:spcBef>
-              <a:buClr>
-                <a:schemeClr val="tx2"/>
-              </a:buClr>
-              <a:buFont typeface="Wingdings 2"/>
-              <a:buChar char=""/>
-              <a:defRPr sz="1600" kern="1200">
-                <a:solidFill>
-                  <a:schemeClr val="tx1"/>
-                </a:solidFill>
-                <a:latin typeface="+mn-lt"/>
-                <a:ea typeface="+mn-ea"/>
-                <a:cs typeface="+mn-cs"/>
-              </a:defRPr>
-            </a:lvl7pPr>
-            <a:lvl8pPr marL="2121408" indent="-182880" algn="l" rtl="0" eaLnBrk="1" latinLnBrk="0" hangingPunct="1">
-              <a:spcBef>
-                <a:spcPct val="20000"/>
-              </a:spcBef>
-              <a:buClr>
-                <a:schemeClr val="tx2"/>
-              </a:buClr>
-              <a:buFont typeface="Wingdings 2"/>
-              <a:buChar char=""/>
-              <a:defRPr sz="1400" kern="1200">
-                <a:solidFill>
-                  <a:schemeClr val="tx1"/>
-                </a:solidFill>
-                <a:latin typeface="+mn-lt"/>
-                <a:ea typeface="+mn-ea"/>
-                <a:cs typeface="+mn-cs"/>
-              </a:defRPr>
-            </a:lvl8pPr>
-            <a:lvl9pPr marL="2322576" indent="-182880" algn="l" rtl="0" eaLnBrk="1" latinLnBrk="0" hangingPunct="1">
-              <a:spcBef>
-                <a:spcPct val="20000"/>
-              </a:spcBef>
-              <a:buClr>
-                <a:schemeClr val="tx2"/>
-              </a:buClr>
-              <a:buFont typeface="Wingdings 2"/>
-              <a:buChar char=""/>
-              <a:defRPr sz="1400" kern="1200">
-                <a:solidFill>
-                  <a:schemeClr val="tx1"/>
-                </a:solidFill>
-                <a:latin typeface="+mn-lt"/>
-                <a:ea typeface="+mn-ea"/>
-                <a:cs typeface="+mn-cs"/>
-              </a:defRPr>
-            </a:lvl9pPr>
-          </a:lstStyle>
-          <a:p>
-            <a:r>
-              <a:rPr lang="en-US" dirty="0" smtClean="0"/>
-              <a:t>Create the JavaScript object and render the template to produce pure HTML code</a:t>
-            </a:r>
-            <a:endParaRPr lang="en-US" dirty="0"/>
-          </a:p>
-        </p:txBody>
-      </p:sp>
-      <p:sp>
-        <p:nvSpPr>
-          <p:cNvPr id="9" name="Text Placeholder 6"/>
-          <p:cNvSpPr txBox="1">
-            <a:spLocks/>
-          </p:cNvSpPr>
-          <p:nvPr/>
-        </p:nvSpPr>
-        <p:spPr>
-          <a:xfrm>
-            <a:off x="381000" y="4706541"/>
-            <a:ext cx="8458200" cy="1631216"/>
-          </a:xfrm>
-          <a:prstGeom prst="rect">
-            <a:avLst/>
-          </a:prstGeom>
-          <a:solidFill>
-            <a:schemeClr val="accent5">
-              <a:lumMod val="40000"/>
-              <a:lumOff val="60000"/>
-              <a:alpha val="15000"/>
-            </a:schemeClr>
-          </a:solidFill>
-          <a:ln w="12700">
-            <a:solidFill>
-              <a:schemeClr val="accent5">
-                <a:lumMod val="60000"/>
-                <a:lumOff val="40000"/>
-              </a:schemeClr>
-            </a:solidFill>
-          </a:ln>
-        </p:spPr>
-        <p:txBody>
-          <a:bodyPr wrap="square">
-            <a:spAutoFit/>
-          </a:bodyPr>
-          <a:lstStyle>
-            <a:lvl1pPr indent="0" fontAlgn="base">
-              <a:spcBef>
-                <a:spcPts val="0"/>
-              </a:spcBef>
-              <a:spcAft>
-                <a:spcPct val="0"/>
-              </a:spcAft>
-              <a:buClr>
-                <a:schemeClr val="accent5">
-                  <a:lumMod val="40000"/>
-                  <a:lumOff val="60000"/>
-                </a:schemeClr>
-              </a:buClr>
-              <a:buSzPct val="70000"/>
-              <a:buFont typeface="Wingdings 2" pitchFamily="18" charset="2"/>
-              <a:buNone/>
-              <a:defRPr lang="en-US" sz="2000" b="1" smtClean="0">
-                <a:solidFill>
-                  <a:srgbClr val="8CF4F2"/>
-                </a:solidFill>
-                <a:effectLst>
-                  <a:outerShdw blurRad="38100" dist="38100" dir="2700000" algn="tl">
-                    <a:srgbClr val="000000">
-                      <a:alpha val="43137"/>
-                    </a:srgbClr>
-                  </a:outerShdw>
-                </a:effectLst>
-                <a:latin typeface="Consolas" pitchFamily="49" charset="0"/>
-                <a:cs typeface="Consolas" pitchFamily="49" charset="0"/>
-              </a:defRPr>
-            </a:lvl1pPr>
-            <a:lvl2pPr marL="630238" indent="-273050" fontAlgn="base">
-              <a:spcBef>
-                <a:spcPct val="20000"/>
-              </a:spcBef>
-              <a:spcAft>
-                <a:spcPct val="0"/>
-              </a:spcAft>
-              <a:buClr>
-                <a:schemeClr val="accent2">
-                  <a:lumMod val="60000"/>
-                  <a:lumOff val="40000"/>
-                </a:schemeClr>
-              </a:buClr>
-              <a:buFont typeface="Wingdings 2" pitchFamily="18" charset="2"/>
-              <a:buChar char=""/>
-              <a:defRPr sz="3000" b="1">
-                <a:solidFill>
-                  <a:schemeClr val="tx1">
-                    <a:lumMod val="20000"/>
-                    <a:lumOff val="80000"/>
-                  </a:schemeClr>
-                </a:solidFill>
-                <a:effectLst>
-                  <a:outerShdw blurRad="38100" dist="38100" dir="2700000" algn="tl">
-                    <a:srgbClr val="000000">
-                      <a:alpha val="43137"/>
-                    </a:srgbClr>
-                  </a:outerShdw>
-                </a:effectLst>
-              </a:defRPr>
-            </a:lvl2pPr>
-            <a:lvl3pPr marL="922338" indent="-273050" fontAlgn="base">
-              <a:spcBef>
-                <a:spcPct val="20000"/>
-              </a:spcBef>
-              <a:spcAft>
-                <a:spcPct val="0"/>
-              </a:spcAft>
-              <a:buClr>
-                <a:schemeClr val="tx1">
-                  <a:lumMod val="50000"/>
-                </a:schemeClr>
-              </a:buClr>
-              <a:buFont typeface="Wingdings 2" pitchFamily="18" charset="2"/>
-              <a:buChar char=""/>
-              <a:defRPr sz="2800" b="1">
-                <a:solidFill>
-                  <a:schemeClr val="tx1">
-                    <a:lumMod val="20000"/>
-                    <a:lumOff val="80000"/>
-                  </a:schemeClr>
-                </a:solidFill>
-                <a:effectLst>
-                  <a:outerShdw blurRad="38100" dist="38100" dir="2700000" algn="tl">
-                    <a:srgbClr val="000000">
-                      <a:alpha val="43137"/>
-                    </a:srgbClr>
-                  </a:outerShdw>
-                </a:effectLst>
-              </a:defRPr>
-            </a:lvl3pPr>
-            <a:lvl4pPr marL="1187450" indent="-228600" fontAlgn="base">
-              <a:spcBef>
-                <a:spcPct val="20000"/>
-              </a:spcBef>
-              <a:spcAft>
-                <a:spcPct val="0"/>
-              </a:spcAft>
-              <a:buClr>
-                <a:srgbClr val="F8BD52"/>
-              </a:buClr>
-              <a:buFont typeface="Wingdings 2" pitchFamily="18" charset="2"/>
-              <a:buChar char=""/>
-              <a:defRPr sz="2600" b="1">
-                <a:solidFill>
-                  <a:schemeClr val="tx1">
-                    <a:lumMod val="20000"/>
-                    <a:lumOff val="80000"/>
-                  </a:schemeClr>
-                </a:solidFill>
-                <a:effectLst>
-                  <a:outerShdw blurRad="38100" dist="38100" dir="2700000" algn="tl">
-                    <a:srgbClr val="000000">
-                      <a:alpha val="43137"/>
-                    </a:srgbClr>
-                  </a:outerShdw>
-                </a:effectLst>
-              </a:defRPr>
-            </a:lvl4pPr>
-            <a:lvl5pPr marL="1425575" indent="-228600" fontAlgn="base">
-              <a:spcBef>
-                <a:spcPct val="20000"/>
-              </a:spcBef>
-              <a:spcAft>
-                <a:spcPct val="0"/>
-              </a:spcAft>
-              <a:buClr>
-                <a:srgbClr val="46A6BD"/>
-              </a:buClr>
-              <a:buFont typeface="Wingdings 2" pitchFamily="18" charset="2"/>
-              <a:buChar char=""/>
-              <a:defRPr sz="2400" b="1">
-                <a:solidFill>
-                  <a:schemeClr val="tx1">
-                    <a:lumMod val="20000"/>
-                    <a:lumOff val="80000"/>
-                  </a:schemeClr>
-                </a:solidFill>
-                <a:effectLst>
-                  <a:outerShdw blurRad="38100" dist="38100" dir="2700000" algn="tl">
-                    <a:srgbClr val="000000">
-                      <a:alpha val="43137"/>
-                    </a:srgbClr>
-                  </a:outerShdw>
-                </a:effectLst>
-              </a:defRPr>
-            </a:lvl5pPr>
-            <a:lvl6pPr marL="1673352" indent="-228600">
-              <a:spcBef>
-                <a:spcPct val="20000"/>
-              </a:spcBef>
-              <a:buClr>
-                <a:schemeClr val="accent6"/>
-              </a:buClr>
-              <a:buFont typeface="Wingdings 2"/>
-              <a:buChar char=""/>
-            </a:lvl6pPr>
-            <a:lvl7pPr marL="1911096" indent="-228600">
-              <a:spcBef>
-                <a:spcPct val="20000"/>
-              </a:spcBef>
-              <a:buClr>
-                <a:schemeClr val="tx2"/>
-              </a:buClr>
-              <a:buFont typeface="Wingdings 2"/>
-              <a:buChar char=""/>
-              <a:defRPr sz="1600"/>
-            </a:lvl7pPr>
-            <a:lvl8pPr marL="2121408" indent="-182880">
-              <a:spcBef>
-                <a:spcPct val="20000"/>
-              </a:spcBef>
-              <a:buClr>
-                <a:schemeClr val="tx2"/>
-              </a:buClr>
-              <a:buFont typeface="Wingdings 2"/>
-              <a:buChar char=""/>
-              <a:defRPr sz="1400"/>
-            </a:lvl8pPr>
-            <a:lvl9pPr marL="2322576" indent="-182880">
-              <a:spcBef>
-                <a:spcPct val="20000"/>
-              </a:spcBef>
-              <a:buClr>
-                <a:schemeClr val="tx2"/>
-              </a:buClr>
-              <a:buFont typeface="Wingdings 2"/>
-              <a:buChar char=""/>
-              <a:defRPr sz="1400"/>
-            </a:lvl9pPr>
-          </a:lstStyle>
-          <a:p>
-            <a:pPr>
-              <a:spcBef>
-                <a:spcPts val="300"/>
-              </a:spcBef>
-            </a:pPr>
-            <a:r>
-              <a:rPr lang="en-US" sz="1800" dirty="0" smtClean="0"/>
-              <a:t>var post = { </a:t>
-            </a:r>
-            <a:r>
-              <a:rPr lang="en-US" sz="1800" dirty="0" smtClean="0">
-                <a:solidFill>
-                  <a:schemeClr val="tx1">
-                    <a:lumMod val="20000"/>
-                    <a:lumOff val="80000"/>
-                  </a:schemeClr>
-                </a:solidFill>
-              </a:rPr>
-              <a:t>title</a:t>
-            </a:r>
-            <a:r>
-              <a:rPr lang="en-US" sz="1800" dirty="0" smtClean="0"/>
-              <a:t>: 'Post Title', </a:t>
-            </a:r>
-            <a:r>
-              <a:rPr lang="en-US" sz="1800" dirty="0" smtClean="0">
-                <a:solidFill>
-                  <a:schemeClr val="tx1">
-                    <a:lumMod val="20000"/>
-                    <a:lumOff val="80000"/>
-                  </a:schemeClr>
-                </a:solidFill>
-              </a:rPr>
-              <a:t>content</a:t>
-            </a:r>
-            <a:r>
-              <a:rPr lang="en-US" sz="1800" dirty="0" smtClean="0"/>
-              <a:t>: 'Post content' };</a:t>
-            </a:r>
-          </a:p>
-          <a:p>
-            <a:pPr>
-              <a:spcBef>
-                <a:spcPts val="300"/>
-              </a:spcBef>
-            </a:pPr>
-            <a:r>
-              <a:rPr lang="en-US" sz="1800" dirty="0" smtClean="0"/>
-              <a:t>var </a:t>
-            </a:r>
-            <a:r>
-              <a:rPr lang="en-US" sz="1800" dirty="0" err="1" smtClean="0"/>
-              <a:t>postTemplateNode</a:t>
-            </a:r>
-            <a:r>
-              <a:rPr lang="en-US" sz="1800" dirty="0" smtClean="0"/>
-              <a:t> = </a:t>
-            </a:r>
-            <a:r>
-              <a:rPr lang="en-US" sz="1800" dirty="0" err="1" smtClean="0"/>
-              <a:t>document.getElementById</a:t>
-            </a:r>
-            <a:r>
-              <a:rPr lang="en-US" sz="1800" dirty="0" smtClean="0"/>
-              <a:t>('post-template'),</a:t>
-            </a:r>
-          </a:p>
-          <a:p>
-            <a:pPr>
-              <a:spcBef>
-                <a:spcPts val="300"/>
-              </a:spcBef>
-            </a:pPr>
-            <a:r>
-              <a:rPr lang="en-US" sz="1800" dirty="0" smtClean="0"/>
-              <a:t>    </a:t>
-            </a:r>
-            <a:r>
-              <a:rPr lang="en-US" sz="1800" dirty="0" err="1" smtClean="0"/>
-              <a:t>postTemplateHtml</a:t>
-            </a:r>
-            <a:r>
-              <a:rPr lang="en-US" sz="1800" dirty="0" smtClean="0"/>
-              <a:t> = </a:t>
-            </a:r>
-            <a:r>
-              <a:rPr lang="en-US" sz="1800" dirty="0" err="1" smtClean="0"/>
-              <a:t>templateNode.innerHTML</a:t>
-            </a:r>
-            <a:r>
-              <a:rPr lang="en-US" sz="1800" dirty="0"/>
-              <a:t>,</a:t>
-            </a:r>
-            <a:endParaRPr lang="en-US" sz="1800" dirty="0" smtClean="0"/>
-          </a:p>
-          <a:p>
-            <a:pPr>
-              <a:spcBef>
-                <a:spcPts val="300"/>
-              </a:spcBef>
-            </a:pPr>
-            <a:r>
-              <a:rPr lang="en-US" sz="1800" dirty="0" smtClean="0"/>
-              <a:t>    </a:t>
-            </a:r>
-            <a:r>
-              <a:rPr lang="en-US" sz="1800" dirty="0" err="1" smtClean="0"/>
-              <a:t>postTemplate</a:t>
-            </a:r>
-            <a:r>
-              <a:rPr lang="en-US" sz="1800" dirty="0" smtClean="0"/>
-              <a:t> = </a:t>
-            </a:r>
-            <a:r>
-              <a:rPr lang="en-US" sz="1800" dirty="0" err="1" smtClean="0">
-                <a:solidFill>
-                  <a:schemeClr val="tx1">
-                    <a:lumMod val="20000"/>
-                    <a:lumOff val="80000"/>
-                  </a:schemeClr>
-                </a:solidFill>
-              </a:rPr>
-              <a:t>Handlebars.compile</a:t>
-            </a:r>
-            <a:r>
-              <a:rPr lang="en-US" sz="1800" dirty="0" smtClean="0">
-                <a:solidFill>
-                  <a:schemeClr val="tx1">
-                    <a:lumMod val="20000"/>
-                    <a:lumOff val="80000"/>
-                  </a:schemeClr>
-                </a:solidFill>
-              </a:rPr>
-              <a:t>(</a:t>
-            </a:r>
-            <a:r>
-              <a:rPr lang="en-US" sz="1800" dirty="0" err="1" smtClean="0">
-                <a:solidFill>
-                  <a:schemeClr val="tx1">
-                    <a:lumMod val="20000"/>
-                    <a:lumOff val="80000"/>
-                  </a:schemeClr>
-                </a:solidFill>
-              </a:rPr>
-              <a:t>postTemplateHtml</a:t>
-            </a:r>
-            <a:r>
-              <a:rPr lang="en-US" sz="1800" dirty="0" smtClean="0">
-                <a:solidFill>
-                  <a:schemeClr val="tx1">
-                    <a:lumMod val="20000"/>
-                    <a:lumOff val="80000"/>
-                  </a:schemeClr>
-                </a:solidFill>
-              </a:rPr>
-              <a:t>)</a:t>
-            </a:r>
-            <a:r>
-              <a:rPr lang="en-US" sz="1800" dirty="0" smtClean="0"/>
-              <a:t>;</a:t>
-            </a:r>
-          </a:p>
-          <a:p>
-            <a:pPr>
-              <a:spcBef>
-                <a:spcPts val="300"/>
-              </a:spcBef>
-            </a:pPr>
-            <a:r>
-              <a:rPr lang="en-US" sz="1800" smtClean="0"/>
-              <a:t>    domNode.innerHTML </a:t>
-            </a:r>
-            <a:r>
-              <a:rPr lang="en-US" sz="1800" dirty="0" smtClean="0"/>
-              <a:t>= </a:t>
-            </a:r>
-            <a:r>
-              <a:rPr lang="en-US" sz="1800" dirty="0" err="1" smtClean="0">
-                <a:solidFill>
-                  <a:schemeClr val="tx1">
-                    <a:lumMod val="20000"/>
-                    <a:lumOff val="80000"/>
-                  </a:schemeClr>
-                </a:solidFill>
-              </a:rPr>
-              <a:t>postTemplate</a:t>
-            </a:r>
-            <a:r>
-              <a:rPr lang="en-US" sz="1800" dirty="0" smtClean="0">
-                <a:solidFill>
-                  <a:schemeClr val="tx1">
-                    <a:lumMod val="20000"/>
-                    <a:lumOff val="80000"/>
-                  </a:schemeClr>
-                </a:solidFill>
-              </a:rPr>
-              <a:t>(post)</a:t>
-            </a:r>
-            <a:r>
-              <a:rPr lang="en-US" sz="1800" dirty="0" smtClean="0"/>
-              <a:t>;</a:t>
-            </a:r>
-          </a:p>
-        </p:txBody>
-      </p:sp>
-    </p:spTree>
-    <p:extLst>
-      <p:ext uri="{BB962C8B-B14F-4D97-AF65-F5344CB8AC3E}">
-        <p14:creationId xmlns="" xmlns:p14="http://schemas.microsoft.com/office/powerpoint/2010/main" val="3392108330"/>
-      </p:ext>
-    </p:extLst>
-  </p:cSld>
-  <p:clrMapOvr>
-    <a:masterClrMapping/>
-  </p:clrMapOvr>
-  <p:timing>
-    <p:tnLst>
-      <p:par>
-        <p:cTn id="1" dur="indefinite" restart="never" nodeType="tmRoot"/>
-      </p:par>
-    </p:tnLst>
-  </p:timing>
-</p:sld>
-</file>
-
-<file path=ppt/slides/slide4.xml><?xml version="1.0" encoding="utf-8"?>
-<p:sld xmlns:a="http://schemas.openxmlformats.org/drawingml/2006/main" xmlns:r="http://schemas.openxmlformats.org/officeDocument/2006/relationships" xmlns:p="http://schemas.openxmlformats.org/presentationml/2006/main">
-  <p:cSld>
-    <p:spTree>
-      <p:nvGrpSpPr>
-        <p:cNvPr id="1" name=""/>
-        <p:cNvGrpSpPr/>
-        <p:nvPr/>
-      </p:nvGrpSpPr>
-      <p:grpSpPr>
-        <a:xfrm>
-          <a:off x="0" y="0"/>
-          <a:ext cx="0" cy="0"/>
-          <a:chOff x="0" y="0"/>
-          <a:chExt cx="0" cy="0"/>
-        </a:xfrm>
-      </p:grpSpPr>
-      <p:sp>
-        <p:nvSpPr>
-          <p:cNvPr id="4" name="Title 3"/>
-          <p:cNvSpPr>
-            <a:spLocks noGrp="1"/>
-          </p:cNvSpPr>
-          <p:nvPr>
-            <p:ph type="title"/>
-          </p:nvPr>
-        </p:nvSpPr>
-        <p:spPr/>
-        <p:txBody>
-          <a:bodyPr/>
-          <a:lstStyle/>
-          <a:p>
-            <a:r>
-              <a:rPr lang="en-US" smtClean="0"/>
-              <a:t>HTML Escaping</a:t>
-            </a:r>
-            <a:endParaRPr lang="en-US" dirty="0"/>
-          </a:p>
-        </p:txBody>
-      </p:sp>
-      <p:sp>
-        <p:nvSpPr>
-          <p:cNvPr id="5" name="Content Placeholder 4"/>
-          <p:cNvSpPr>
-            <a:spLocks noGrp="1"/>
-          </p:cNvSpPr>
-          <p:nvPr>
-            <p:ph idx="1"/>
-          </p:nvPr>
-        </p:nvSpPr>
-        <p:spPr/>
-        <p:txBody>
-          <a:bodyPr/>
-          <a:lstStyle/>
-          <a:p>
-            <a:r>
-              <a:rPr lang="en-US" dirty="0" smtClean="0"/>
-              <a:t>Handlebars.js escapes all values before rendering them</a:t>
-            </a:r>
-          </a:p>
-          <a:p>
-            <a:r>
-              <a:rPr lang="en-US" dirty="0" smtClean="0"/>
-              <a:t>If the value should not be escaped there are two possibilities:</a:t>
-            </a:r>
-          </a:p>
-          <a:p>
-            <a:pPr lvl="1"/>
-            <a:r>
-              <a:rPr lang="en-US" dirty="0" smtClean="0"/>
-              <a:t>Use triple curly brackets in the template string</a:t>
-            </a:r>
-          </a:p>
-          <a:p>
-            <a:pPr lvl="1"/>
-            <a:endParaRPr lang="en-US" sz="1600" dirty="0" smtClean="0"/>
-          </a:p>
-          <a:p>
-            <a:pPr lvl="1"/>
-            <a:r>
-              <a:rPr lang="en-US" dirty="0" smtClean="0"/>
-              <a:t>Mark in the value not to be escaped</a:t>
-            </a:r>
-          </a:p>
-          <a:p>
-            <a:pPr lvl="1"/>
-            <a:endParaRPr lang="en-US" sz="4400" dirty="0" smtClean="0"/>
-          </a:p>
-          <a:p>
-            <a:pPr lvl="2"/>
-            <a:r>
-              <a:rPr lang="en-US" dirty="0" smtClean="0"/>
-              <a:t>Mostly used with helpers</a:t>
-            </a:r>
-            <a:endParaRPr lang="en-US" dirty="0"/>
-          </a:p>
-        </p:txBody>
-      </p:sp>
-      <p:sp>
-        <p:nvSpPr>
-          <p:cNvPr id="6" name="Text Placeholder 6"/>
-          <p:cNvSpPr txBox="1">
-            <a:spLocks/>
-          </p:cNvSpPr>
-          <p:nvPr/>
-        </p:nvSpPr>
-        <p:spPr>
-          <a:xfrm>
-            <a:off x="825623" y="3867150"/>
-            <a:ext cx="7510509" cy="384721"/>
-          </a:xfrm>
-          <a:prstGeom prst="rect">
-            <a:avLst/>
-          </a:prstGeom>
-          <a:solidFill>
-            <a:schemeClr val="accent5">
-              <a:lumMod val="40000"/>
-              <a:lumOff val="60000"/>
-              <a:alpha val="15000"/>
-            </a:schemeClr>
-          </a:solidFill>
-          <a:ln w="12700">
-            <a:solidFill>
-              <a:schemeClr val="accent5">
-                <a:lumMod val="60000"/>
-                <a:lumOff val="40000"/>
-              </a:schemeClr>
-            </a:solidFill>
-          </a:ln>
-        </p:spPr>
-        <p:txBody>
-          <a:bodyPr wrap="square">
-            <a:spAutoFit/>
-          </a:bodyPr>
-          <a:lstStyle>
-            <a:lvl1pPr indent="0" fontAlgn="base">
-              <a:spcBef>
-                <a:spcPts val="0"/>
-              </a:spcBef>
-              <a:spcAft>
-                <a:spcPct val="0"/>
-              </a:spcAft>
-              <a:buClr>
-                <a:schemeClr val="accent5">
-                  <a:lumMod val="40000"/>
-                  <a:lumOff val="60000"/>
-                </a:schemeClr>
-              </a:buClr>
-              <a:buSzPct val="70000"/>
-              <a:buFont typeface="Wingdings 2" pitchFamily="18" charset="2"/>
-              <a:buNone/>
-              <a:defRPr lang="en-US" sz="2000" b="1" smtClean="0">
-                <a:solidFill>
-                  <a:srgbClr val="8CF4F2"/>
-                </a:solidFill>
-                <a:effectLst>
-                  <a:outerShdw blurRad="38100" dist="38100" dir="2700000" algn="tl">
-                    <a:srgbClr val="000000">
-                      <a:alpha val="43137"/>
-                    </a:srgbClr>
-                  </a:outerShdw>
-                </a:effectLst>
-                <a:latin typeface="Consolas" pitchFamily="49" charset="0"/>
-                <a:cs typeface="Consolas" pitchFamily="49" charset="0"/>
-              </a:defRPr>
-            </a:lvl1pPr>
-            <a:lvl2pPr marL="630238" indent="-273050" fontAlgn="base">
-              <a:spcBef>
-                <a:spcPct val="20000"/>
-              </a:spcBef>
-              <a:spcAft>
-                <a:spcPct val="0"/>
-              </a:spcAft>
-              <a:buClr>
-                <a:schemeClr val="accent2">
-                  <a:lumMod val="60000"/>
-                  <a:lumOff val="40000"/>
-                </a:schemeClr>
-              </a:buClr>
-              <a:buFont typeface="Wingdings 2" pitchFamily="18" charset="2"/>
-              <a:buChar char=""/>
-              <a:defRPr sz="3000" b="1">
-                <a:solidFill>
-                  <a:schemeClr val="tx1">
-                    <a:lumMod val="20000"/>
-                    <a:lumOff val="80000"/>
-                  </a:schemeClr>
-                </a:solidFill>
-                <a:effectLst>
-                  <a:outerShdw blurRad="38100" dist="38100" dir="2700000" algn="tl">
-                    <a:srgbClr val="000000">
-                      <a:alpha val="43137"/>
-                    </a:srgbClr>
-                  </a:outerShdw>
-                </a:effectLst>
-              </a:defRPr>
-            </a:lvl2pPr>
-            <a:lvl3pPr marL="922338" indent="-273050" fontAlgn="base">
-              <a:spcBef>
-                <a:spcPct val="20000"/>
-              </a:spcBef>
-              <a:spcAft>
-                <a:spcPct val="0"/>
-              </a:spcAft>
-              <a:buClr>
-                <a:schemeClr val="tx1">
-                  <a:lumMod val="50000"/>
-                </a:schemeClr>
-              </a:buClr>
-              <a:buFont typeface="Wingdings 2" pitchFamily="18" charset="2"/>
-              <a:buChar char=""/>
-              <a:defRPr sz="2800" b="1">
-                <a:solidFill>
-                  <a:schemeClr val="tx1">
-                    <a:lumMod val="20000"/>
-                    <a:lumOff val="80000"/>
-                  </a:schemeClr>
-                </a:solidFill>
-                <a:effectLst>
-                  <a:outerShdw blurRad="38100" dist="38100" dir="2700000" algn="tl">
-                    <a:srgbClr val="000000">
-                      <a:alpha val="43137"/>
-                    </a:srgbClr>
-                  </a:outerShdw>
-                </a:effectLst>
-              </a:defRPr>
-            </a:lvl3pPr>
-            <a:lvl4pPr marL="1187450" indent="-228600" fontAlgn="base">
-              <a:spcBef>
-                <a:spcPct val="20000"/>
-              </a:spcBef>
-              <a:spcAft>
-                <a:spcPct val="0"/>
-              </a:spcAft>
-              <a:buClr>
-                <a:srgbClr val="F8BD52"/>
-              </a:buClr>
-              <a:buFont typeface="Wingdings 2" pitchFamily="18" charset="2"/>
-              <a:buChar char=""/>
-              <a:defRPr sz="2600" b="1">
-                <a:solidFill>
-                  <a:schemeClr val="tx1">
-                    <a:lumMod val="20000"/>
-                    <a:lumOff val="80000"/>
-                  </a:schemeClr>
-                </a:solidFill>
-                <a:effectLst>
-                  <a:outerShdw blurRad="38100" dist="38100" dir="2700000" algn="tl">
-                    <a:srgbClr val="000000">
-                      <a:alpha val="43137"/>
-                    </a:srgbClr>
-                  </a:outerShdw>
-                </a:effectLst>
-              </a:defRPr>
-            </a:lvl4pPr>
-            <a:lvl5pPr marL="1425575" indent="-228600" fontAlgn="base">
-              <a:spcBef>
-                <a:spcPct val="20000"/>
-              </a:spcBef>
-              <a:spcAft>
-                <a:spcPct val="0"/>
-              </a:spcAft>
-              <a:buClr>
-                <a:srgbClr val="46A6BD"/>
-              </a:buClr>
-              <a:buFont typeface="Wingdings 2" pitchFamily="18" charset="2"/>
-              <a:buChar char=""/>
-              <a:defRPr sz="2400" b="1">
-                <a:solidFill>
-                  <a:schemeClr val="tx1">
-                    <a:lumMod val="20000"/>
-                    <a:lumOff val="80000"/>
-                  </a:schemeClr>
-                </a:solidFill>
-                <a:effectLst>
-                  <a:outerShdw blurRad="38100" dist="38100" dir="2700000" algn="tl">
-                    <a:srgbClr val="000000">
-                      <a:alpha val="43137"/>
-                    </a:srgbClr>
-                  </a:outerShdw>
-                </a:effectLst>
-              </a:defRPr>
-            </a:lvl5pPr>
-            <a:lvl6pPr marL="1673352" indent="-228600">
-              <a:spcBef>
-                <a:spcPct val="20000"/>
-              </a:spcBef>
-              <a:buClr>
-                <a:schemeClr val="accent6"/>
-              </a:buClr>
-              <a:buFont typeface="Wingdings 2"/>
-              <a:buChar char=""/>
-            </a:lvl6pPr>
-            <a:lvl7pPr marL="1911096" indent="-228600">
-              <a:spcBef>
-                <a:spcPct val="20000"/>
-              </a:spcBef>
-              <a:buClr>
-                <a:schemeClr val="tx2"/>
-              </a:buClr>
-              <a:buFont typeface="Wingdings 2"/>
-              <a:buChar char=""/>
-              <a:defRPr sz="1600"/>
-            </a:lvl7pPr>
-            <a:lvl8pPr marL="2121408" indent="-182880">
-              <a:spcBef>
-                <a:spcPct val="20000"/>
-              </a:spcBef>
-              <a:buClr>
-                <a:schemeClr val="tx2"/>
-              </a:buClr>
-              <a:buFont typeface="Wingdings 2"/>
-              <a:buChar char=""/>
-              <a:defRPr sz="1400"/>
-            </a:lvl8pPr>
-            <a:lvl9pPr marL="2322576" indent="-182880">
-              <a:spcBef>
-                <a:spcPct val="20000"/>
-              </a:spcBef>
-              <a:buClr>
-                <a:schemeClr val="tx2"/>
-              </a:buClr>
-              <a:buFont typeface="Wingdings 2"/>
-              <a:buChar char=""/>
-              <a:defRPr sz="1400"/>
-            </a:lvl9pPr>
-          </a:lstStyle>
-          <a:p>
-            <a:r>
-              <a:rPr lang="en-US" sz="1900" dirty="0" smtClean="0"/>
-              <a:t>{{{value}}}</a:t>
-            </a:r>
-            <a:endParaRPr lang="en-US" sz="1900" dirty="0"/>
-          </a:p>
-        </p:txBody>
-      </p:sp>
-      <p:sp>
-        <p:nvSpPr>
-          <p:cNvPr id="7" name="Text Placeholder 6"/>
-          <p:cNvSpPr txBox="1">
-            <a:spLocks/>
-          </p:cNvSpPr>
-          <p:nvPr/>
-        </p:nvSpPr>
-        <p:spPr>
-          <a:xfrm>
-            <a:off x="825623" y="4921193"/>
-            <a:ext cx="7510509" cy="823302"/>
-          </a:xfrm>
-          <a:prstGeom prst="rect">
-            <a:avLst/>
-          </a:prstGeom>
-          <a:solidFill>
-            <a:schemeClr val="accent5">
-              <a:lumMod val="40000"/>
-              <a:lumOff val="60000"/>
-              <a:alpha val="15000"/>
-            </a:schemeClr>
-          </a:solidFill>
-          <a:ln w="12700">
-            <a:solidFill>
-              <a:schemeClr val="accent5">
-                <a:lumMod val="60000"/>
-                <a:lumOff val="40000"/>
-              </a:schemeClr>
-            </a:solidFill>
-          </a:ln>
-        </p:spPr>
-        <p:txBody>
-          <a:bodyPr wrap="square">
-            <a:spAutoFit/>
-          </a:bodyPr>
-          <a:lstStyle>
-            <a:lvl1pPr indent="0" fontAlgn="base">
-              <a:spcBef>
-                <a:spcPts val="0"/>
-              </a:spcBef>
-              <a:spcAft>
-                <a:spcPct val="0"/>
-              </a:spcAft>
-              <a:buClr>
-                <a:schemeClr val="accent5">
-                  <a:lumMod val="40000"/>
-                  <a:lumOff val="60000"/>
-                </a:schemeClr>
-              </a:buClr>
-              <a:buSzPct val="70000"/>
-              <a:buFont typeface="Wingdings 2" pitchFamily="18" charset="2"/>
-              <a:buNone/>
-              <a:defRPr lang="en-US" sz="2000" b="1" smtClean="0">
-                <a:solidFill>
-                  <a:srgbClr val="8CF4F2"/>
-                </a:solidFill>
-                <a:effectLst>
-                  <a:outerShdw blurRad="38100" dist="38100" dir="2700000" algn="tl">
-                    <a:srgbClr val="000000">
-                      <a:alpha val="43137"/>
-                    </a:srgbClr>
-                  </a:outerShdw>
-                </a:effectLst>
-                <a:latin typeface="Consolas" pitchFamily="49" charset="0"/>
-                <a:cs typeface="Consolas" pitchFamily="49" charset="0"/>
-              </a:defRPr>
-            </a:lvl1pPr>
-            <a:lvl2pPr marL="630238" indent="-273050" fontAlgn="base">
-              <a:spcBef>
-                <a:spcPct val="20000"/>
-              </a:spcBef>
-              <a:spcAft>
-                <a:spcPct val="0"/>
-              </a:spcAft>
-              <a:buClr>
-                <a:schemeClr val="accent2">
-                  <a:lumMod val="60000"/>
-                  <a:lumOff val="40000"/>
-                </a:schemeClr>
-              </a:buClr>
-              <a:buFont typeface="Wingdings 2" pitchFamily="18" charset="2"/>
-              <a:buChar char=""/>
-              <a:defRPr sz="3000" b="1">
-                <a:solidFill>
-                  <a:schemeClr val="tx1">
-                    <a:lumMod val="20000"/>
-                    <a:lumOff val="80000"/>
-                  </a:schemeClr>
-                </a:solidFill>
-                <a:effectLst>
-                  <a:outerShdw blurRad="38100" dist="38100" dir="2700000" algn="tl">
-                    <a:srgbClr val="000000">
-                      <a:alpha val="43137"/>
-                    </a:srgbClr>
-                  </a:outerShdw>
-                </a:effectLst>
-              </a:defRPr>
-            </a:lvl2pPr>
-            <a:lvl3pPr marL="922338" indent="-273050" fontAlgn="base">
-              <a:spcBef>
-                <a:spcPct val="20000"/>
-              </a:spcBef>
-              <a:spcAft>
-                <a:spcPct val="0"/>
-              </a:spcAft>
-              <a:buClr>
-                <a:schemeClr val="tx1">
-                  <a:lumMod val="50000"/>
-                </a:schemeClr>
-              </a:buClr>
-              <a:buFont typeface="Wingdings 2" pitchFamily="18" charset="2"/>
-              <a:buChar char=""/>
-              <a:defRPr sz="2800" b="1">
-                <a:solidFill>
-                  <a:schemeClr val="tx1">
-                    <a:lumMod val="20000"/>
-                    <a:lumOff val="80000"/>
-                  </a:schemeClr>
-                </a:solidFill>
-                <a:effectLst>
-                  <a:outerShdw blurRad="38100" dist="38100" dir="2700000" algn="tl">
-                    <a:srgbClr val="000000">
-                      <a:alpha val="43137"/>
-                    </a:srgbClr>
-                  </a:outerShdw>
-                </a:effectLst>
-              </a:defRPr>
-            </a:lvl3pPr>
-            <a:lvl4pPr marL="1187450" indent="-228600" fontAlgn="base">
-              <a:spcBef>
-                <a:spcPct val="20000"/>
-              </a:spcBef>
-              <a:spcAft>
-                <a:spcPct val="0"/>
-              </a:spcAft>
-              <a:buClr>
-                <a:srgbClr val="F8BD52"/>
-              </a:buClr>
-              <a:buFont typeface="Wingdings 2" pitchFamily="18" charset="2"/>
-              <a:buChar char=""/>
-              <a:defRPr sz="2600" b="1">
-                <a:solidFill>
-                  <a:schemeClr val="tx1">
-                    <a:lumMod val="20000"/>
-                    <a:lumOff val="80000"/>
-                  </a:schemeClr>
-                </a:solidFill>
-                <a:effectLst>
-                  <a:outerShdw blurRad="38100" dist="38100" dir="2700000" algn="tl">
-                    <a:srgbClr val="000000">
-                      <a:alpha val="43137"/>
-                    </a:srgbClr>
-                  </a:outerShdw>
-                </a:effectLst>
-              </a:defRPr>
-            </a:lvl4pPr>
-            <a:lvl5pPr marL="1425575" indent="-228600" fontAlgn="base">
-              <a:spcBef>
-                <a:spcPct val="20000"/>
-              </a:spcBef>
-              <a:spcAft>
-                <a:spcPct val="0"/>
-              </a:spcAft>
-              <a:buClr>
-                <a:srgbClr val="46A6BD"/>
-              </a:buClr>
-              <a:buFont typeface="Wingdings 2" pitchFamily="18" charset="2"/>
-              <a:buChar char=""/>
-              <a:defRPr sz="2400" b="1">
-                <a:solidFill>
-                  <a:schemeClr val="tx1">
-                    <a:lumMod val="20000"/>
-                    <a:lumOff val="80000"/>
-                  </a:schemeClr>
-                </a:solidFill>
-                <a:effectLst>
-                  <a:outerShdw blurRad="38100" dist="38100" dir="2700000" algn="tl">
-                    <a:srgbClr val="000000">
-                      <a:alpha val="43137"/>
-                    </a:srgbClr>
-                  </a:outerShdw>
-                </a:effectLst>
-              </a:defRPr>
-            </a:lvl5pPr>
-            <a:lvl6pPr marL="1673352" indent="-228600">
-              <a:spcBef>
-                <a:spcPct val="20000"/>
-              </a:spcBef>
-              <a:buClr>
-                <a:schemeClr val="accent6"/>
-              </a:buClr>
-              <a:buFont typeface="Wingdings 2"/>
-              <a:buChar char=""/>
-            </a:lvl6pPr>
-            <a:lvl7pPr marL="1911096" indent="-228600">
-              <a:spcBef>
-                <a:spcPct val="20000"/>
-              </a:spcBef>
-              <a:buClr>
-                <a:schemeClr val="tx2"/>
-              </a:buClr>
-              <a:buFont typeface="Wingdings 2"/>
-              <a:buChar char=""/>
-              <a:defRPr sz="1600"/>
-            </a:lvl7pPr>
-            <a:lvl8pPr marL="2121408" indent="-182880">
-              <a:spcBef>
-                <a:spcPct val="20000"/>
-              </a:spcBef>
-              <a:buClr>
-                <a:schemeClr val="tx2"/>
-              </a:buClr>
-              <a:buFont typeface="Wingdings 2"/>
-              <a:buChar char=""/>
-              <a:defRPr sz="1400"/>
-            </a:lvl8pPr>
-            <a:lvl9pPr marL="2322576" indent="-182880">
-              <a:spcBef>
-                <a:spcPct val="20000"/>
-              </a:spcBef>
-              <a:buClr>
-                <a:schemeClr val="tx2"/>
-              </a:buClr>
-              <a:buFont typeface="Wingdings 2"/>
-              <a:buChar char=""/>
-              <a:defRPr sz="1400"/>
-            </a:lvl9pPr>
-          </a:lstStyle>
-          <a:p>
-            <a:r>
-              <a:rPr lang="en-US" sz="1900" dirty="0" smtClean="0"/>
-              <a:t>var post = { title: '…',</a:t>
-            </a:r>
-          </a:p>
-          <a:p>
-            <a:r>
-              <a:rPr lang="en-US" sz="1900" dirty="0" smtClean="0"/>
-              <a:t>             content: new </a:t>
-            </a:r>
-            <a:r>
-              <a:rPr lang="en-US" sz="1900" dirty="0" err="1" smtClean="0"/>
-              <a:t>Handlebars.SafeString</a:t>
-            </a:r>
-            <a:r>
-              <a:rPr lang="en-US" sz="1900" dirty="0" smtClean="0"/>
-              <a:t>('…')</a:t>
-            </a:r>
-          </a:p>
-          <a:p>
-            <a:pPr>
-              <a:lnSpc>
-                <a:spcPct val="50000"/>
-              </a:lnSpc>
-            </a:pPr>
-            <a:r>
-              <a:rPr lang="en-US" sz="1900" dirty="0" smtClean="0"/>
-              <a:t>};</a:t>
-            </a:r>
-          </a:p>
-        </p:txBody>
-      </p:sp>
-    </p:spTree>
-    <p:extLst>
-      <p:ext uri="{BB962C8B-B14F-4D97-AF65-F5344CB8AC3E}">
-        <p14:creationId xmlns="" xmlns:p14="http://schemas.microsoft.com/office/powerpoint/2010/main" val="1310732777"/>
-      </p:ext>
-    </p:extLst>
-  </p:cSld>
-  <p:clrMapOvr>
-    <a:masterClrMapping/>
-  </p:clrMapOvr>
-  <p:timing>
-    <p:tnLst>
-      <p:par>
-        <p:cTn id="1" dur="indefinite" restart="never" nodeType="tmRoot"/>
-      </p:par>
-    </p:tnLst>
-  </p:timing>
-</p:sld>
-</file>
-
-<file path=ppt/slides/slide5.xml><?xml version="1.0" encoding="utf-8"?>
-<p:sld xmlns:a="http://schemas.openxmlformats.org/drawingml/2006/main" xmlns:r="http://schemas.openxmlformats.org/officeDocument/2006/relationships" xmlns:p="http://schemas.openxmlformats.org/presentationml/2006/main">
-  <p:cSld>
-    <p:spTree>
-      <p:nvGrpSpPr>
-        <p:cNvPr id="1" name=""/>
-        <p:cNvGrpSpPr/>
-        <p:nvPr/>
-      </p:nvGrpSpPr>
-      <p:grpSpPr>
-        <a:xfrm>
-          <a:off x="0" y="0"/>
-          <a:ext cx="0" cy="0"/>
-          <a:chOff x="0" y="0"/>
-          <a:chExt cx="0" cy="0"/>
-        </a:xfrm>
-      </p:grpSpPr>
-      <p:sp>
-        <p:nvSpPr>
-          <p:cNvPr id="4" name="Title 3"/>
-          <p:cNvSpPr>
-            <a:spLocks noGrp="1"/>
-          </p:cNvSpPr>
-          <p:nvPr>
-            <p:ph type="title"/>
-          </p:nvPr>
-        </p:nvSpPr>
-        <p:spPr/>
-        <p:txBody>
-          <a:bodyPr/>
-          <a:lstStyle/>
-          <a:p>
-            <a:r>
-              <a:rPr lang="en-US" dirty="0" smtClean="0"/>
-              <a:t>Handlebars.js Expressions</a:t>
-            </a:r>
-            <a:endParaRPr lang="en-US" dirty="0"/>
-          </a:p>
-        </p:txBody>
-      </p:sp>
-      <p:sp>
-        <p:nvSpPr>
-          <p:cNvPr id="5" name="Content Placeholder 4"/>
-          <p:cNvSpPr>
-            <a:spLocks noGrp="1"/>
-          </p:cNvSpPr>
-          <p:nvPr>
-            <p:ph idx="1"/>
-          </p:nvPr>
-        </p:nvSpPr>
-        <p:spPr>
-          <a:xfrm>
-            <a:off x="228600" y="1657350"/>
-            <a:ext cx="8686800" cy="3209925"/>
-          </a:xfrm>
-        </p:spPr>
-        <p:txBody>
-          <a:bodyPr/>
-          <a:lstStyle/>
-          <a:p>
-            <a:r>
-              <a:rPr lang="en-US" dirty="0" smtClean="0"/>
-              <a:t>Handlebars.js supports expressions within the templates</a:t>
-            </a:r>
-          </a:p>
-          <a:p>
-            <a:pPr lvl="1"/>
-            <a:r>
-              <a:rPr lang="en-US" dirty="0" smtClean="0"/>
-              <a:t>Block expressions</a:t>
-            </a:r>
-          </a:p>
-          <a:p>
-            <a:pPr lvl="2"/>
-            <a:r>
-              <a:rPr lang="en-US" dirty="0" smtClean="0"/>
-              <a:t>For iterating over a collection of elements</a:t>
-            </a:r>
-          </a:p>
-          <a:p>
-            <a:pPr lvl="1"/>
-            <a:r>
-              <a:rPr lang="en-US" dirty="0" smtClean="0"/>
-              <a:t>Conditional</a:t>
-            </a:r>
-            <a:r>
-              <a:rPr lang="bg-BG" dirty="0" smtClean="0"/>
-              <a:t> </a:t>
-            </a:r>
-            <a:r>
-              <a:rPr lang="en-US" dirty="0" smtClean="0"/>
-              <a:t>expressions</a:t>
-            </a:r>
-          </a:p>
-        </p:txBody>
-      </p:sp>
-    </p:spTree>
-    <p:extLst>
-      <p:ext uri="{BB962C8B-B14F-4D97-AF65-F5344CB8AC3E}">
-        <p14:creationId xmlns="" xmlns:p14="http://schemas.microsoft.com/office/powerpoint/2010/main" val="651408096"/>
-      </p:ext>
-    </p:extLst>
-  </p:cSld>
-  <p:clrMapOvr>
-    <a:masterClrMapping/>
-  </p:clrMapOvr>
-  <p:timing>
-    <p:tnLst>
-      <p:par>
-        <p:cTn id="1" dur="indefinite" restart="never" nodeType="tmRoot"/>
-      </p:par>
-    </p:tnLst>
-  </p:timing>
-</p:sld>
-</file>
-
-<file path=ppt/slides/slide6.xml><?xml version="1.0" encoding="utf-8"?>
-<p:sld xmlns:a="http://schemas.openxmlformats.org/drawingml/2006/main" xmlns:r="http://schemas.openxmlformats.org/officeDocument/2006/relationships" xmlns:p="http://schemas.openxmlformats.org/presentationml/2006/main">
-  <p:cSld>
-    <p:spTree>
-      <p:nvGrpSpPr>
-        <p:cNvPr id="1" name=""/>
-        <p:cNvGrpSpPr/>
-        <p:nvPr/>
-      </p:nvGrpSpPr>
-      <p:grpSpPr>
-        <a:xfrm>
-          <a:off x="0" y="0"/>
-          <a:ext cx="0" cy="0"/>
-          <a:chOff x="0" y="0"/>
-          <a:chExt cx="0" cy="0"/>
-        </a:xfrm>
-      </p:grpSpPr>
-      <p:sp>
-        <p:nvSpPr>
-          <p:cNvPr id="2" name="Title 1"/>
-          <p:cNvSpPr>
-            <a:spLocks noGrp="1"/>
-          </p:cNvSpPr>
-          <p:nvPr>
-            <p:ph type="title"/>
-          </p:nvPr>
-        </p:nvSpPr>
-        <p:spPr/>
-        <p:txBody>
-          <a:bodyPr/>
-          <a:lstStyle/>
-          <a:p>
-            <a:r>
-              <a:rPr lang="en-US" dirty="0" smtClean="0"/>
-              <a:t>Block expressions</a:t>
-            </a:r>
-            <a:endParaRPr lang="en-US" dirty="0"/>
-          </a:p>
-        </p:txBody>
-      </p:sp>
-      <p:sp>
-        <p:nvSpPr>
-          <p:cNvPr id="3" name="Content Placeholder 2"/>
-          <p:cNvSpPr>
-            <a:spLocks noGrp="1"/>
-          </p:cNvSpPr>
-          <p:nvPr>
-            <p:ph idx="1"/>
-          </p:nvPr>
-        </p:nvSpPr>
-        <p:spPr>
-          <a:xfrm>
-            <a:off x="228600" y="914400"/>
-            <a:ext cx="8686800" cy="2733675"/>
-          </a:xfrm>
-        </p:spPr>
-        <p:txBody>
-          <a:bodyPr/>
-          <a:lstStyle/>
-          <a:p>
-            <a:r>
-              <a:rPr lang="en-US" dirty="0"/>
-              <a:t>Block expressions are used to iterate over a collection of objects (like array)</a:t>
-            </a:r>
-          </a:p>
-          <a:p>
-            <a:pPr lvl="1"/>
-            <a:r>
-              <a:rPr lang="en-US" dirty="0"/>
-              <a:t>Created using </a:t>
-            </a:r>
-            <a:r>
-              <a:rPr lang="en-US" sz="2200" dirty="0">
-                <a:solidFill>
-                  <a:schemeClr val="accent5">
-                    <a:lumMod val="20000"/>
-                    <a:lumOff val="80000"/>
-                  </a:schemeClr>
-                </a:solidFill>
-                <a:latin typeface="Consolas" panose="020B0609020204030204" pitchFamily="49" charset="0"/>
-                <a:cs typeface="Consolas" panose="020B0609020204030204" pitchFamily="49" charset="0"/>
-              </a:rPr>
-              <a:t>{{#collection}}</a:t>
-            </a:r>
-            <a:r>
-              <a:rPr lang="en-US" dirty="0"/>
-              <a:t> and </a:t>
-            </a:r>
-            <a:r>
-              <a:rPr lang="en-US" sz="2200" dirty="0">
-                <a:solidFill>
-                  <a:schemeClr val="accent5">
-                    <a:lumMod val="20000"/>
-                    <a:lumOff val="80000"/>
-                  </a:schemeClr>
-                </a:solidFill>
-                <a:latin typeface="Consolas" panose="020B0609020204030204" pitchFamily="49" charset="0"/>
-                <a:cs typeface="Consolas" panose="020B0609020204030204" pitchFamily="49" charset="0"/>
-              </a:rPr>
-              <a:t>{{/collection}}</a:t>
-            </a:r>
-          </a:p>
-          <a:p>
-            <a:pPr lvl="2"/>
-            <a:r>
-              <a:rPr lang="en-US" dirty="0"/>
-              <a:t>Everything between will be evaluated for each object in the collection</a:t>
-            </a:r>
-          </a:p>
-        </p:txBody>
-      </p:sp>
-      <p:sp>
-        <p:nvSpPr>
-          <p:cNvPr id="4" name="Slide Number Placeholder 3"/>
-          <p:cNvSpPr>
-            <a:spLocks noGrp="1"/>
-          </p:cNvSpPr>
-          <p:nvPr>
-            <p:ph type="sldNum" sz="quarter" idx="10"/>
-          </p:nvPr>
-        </p:nvSpPr>
-        <p:spPr/>
-        <p:txBody>
-          <a:bodyPr/>
-          <a:lstStyle/>
-          <a:p>
-            <a:fld id="{CF20ED08-E70C-4F83-9884-206434D7992D}" type="slidenum">
-              <a:rPr lang="en-US" smtClean="0"/>
-              <a:pPr/>
-              <a:t>6</a:t>
-            </a:fld>
-            <a:endParaRPr lang="en-US"/>
-          </a:p>
-        </p:txBody>
-      </p:sp>
-      <p:sp>
-        <p:nvSpPr>
-          <p:cNvPr id="5" name="Text Placeholder 6"/>
-          <p:cNvSpPr txBox="1">
-            <a:spLocks/>
-          </p:cNvSpPr>
-          <p:nvPr/>
-        </p:nvSpPr>
-        <p:spPr>
-          <a:xfrm>
-            <a:off x="816745" y="3884257"/>
-            <a:ext cx="7510509" cy="2139047"/>
-          </a:xfrm>
-          <a:prstGeom prst="rect">
-            <a:avLst/>
-          </a:prstGeom>
-          <a:solidFill>
-            <a:schemeClr val="accent5">
-              <a:lumMod val="40000"/>
-              <a:lumOff val="60000"/>
-              <a:alpha val="15000"/>
-            </a:schemeClr>
-          </a:solidFill>
-          <a:ln w="12700">
-            <a:solidFill>
-              <a:schemeClr val="accent5">
-                <a:lumMod val="60000"/>
-                <a:lumOff val="40000"/>
-              </a:schemeClr>
-            </a:solidFill>
-          </a:ln>
-        </p:spPr>
-        <p:txBody>
-          <a:bodyPr wrap="square">
-            <a:spAutoFit/>
-          </a:bodyPr>
-          <a:lstStyle>
-            <a:lvl1pPr indent="0" fontAlgn="base">
-              <a:spcBef>
-                <a:spcPts val="0"/>
-              </a:spcBef>
-              <a:spcAft>
-                <a:spcPct val="0"/>
-              </a:spcAft>
-              <a:buClr>
-                <a:schemeClr val="accent5">
-                  <a:lumMod val="40000"/>
-                  <a:lumOff val="60000"/>
-                </a:schemeClr>
-              </a:buClr>
-              <a:buSzPct val="70000"/>
-              <a:buFont typeface="Wingdings 2" pitchFamily="18" charset="2"/>
-              <a:buNone/>
-              <a:defRPr lang="en-US" sz="2000" b="1" smtClean="0">
-                <a:solidFill>
-                  <a:srgbClr val="8CF4F2"/>
-                </a:solidFill>
-                <a:effectLst>
-                  <a:outerShdw blurRad="38100" dist="38100" dir="2700000" algn="tl">
-                    <a:srgbClr val="000000">
-                      <a:alpha val="43137"/>
-                    </a:srgbClr>
-                  </a:outerShdw>
-                </a:effectLst>
-                <a:latin typeface="Consolas" pitchFamily="49" charset="0"/>
-                <a:cs typeface="Consolas" pitchFamily="49" charset="0"/>
-              </a:defRPr>
-            </a:lvl1pPr>
-            <a:lvl2pPr marL="630238" indent="-273050" fontAlgn="base">
-              <a:spcBef>
-                <a:spcPct val="20000"/>
-              </a:spcBef>
-              <a:spcAft>
-                <a:spcPct val="0"/>
-              </a:spcAft>
-              <a:buClr>
-                <a:schemeClr val="accent2">
-                  <a:lumMod val="60000"/>
-                  <a:lumOff val="40000"/>
-                </a:schemeClr>
-              </a:buClr>
-              <a:buFont typeface="Wingdings 2" pitchFamily="18" charset="2"/>
-              <a:buChar char=""/>
-              <a:defRPr sz="3000" b="1">
-                <a:solidFill>
-                  <a:schemeClr val="tx1">
-                    <a:lumMod val="20000"/>
-                    <a:lumOff val="80000"/>
-                  </a:schemeClr>
-                </a:solidFill>
-                <a:effectLst>
-                  <a:outerShdw blurRad="38100" dist="38100" dir="2700000" algn="tl">
-                    <a:srgbClr val="000000">
-                      <a:alpha val="43137"/>
-                    </a:srgbClr>
-                  </a:outerShdw>
-                </a:effectLst>
-              </a:defRPr>
-            </a:lvl2pPr>
-            <a:lvl3pPr marL="922338" indent="-273050" fontAlgn="base">
-              <a:spcBef>
-                <a:spcPct val="20000"/>
-              </a:spcBef>
-              <a:spcAft>
-                <a:spcPct val="0"/>
-              </a:spcAft>
-              <a:buClr>
-                <a:schemeClr val="tx1">
-                  <a:lumMod val="50000"/>
-                </a:schemeClr>
-              </a:buClr>
-              <a:buFont typeface="Wingdings 2" pitchFamily="18" charset="2"/>
-              <a:buChar char=""/>
-              <a:defRPr sz="2800" b="1">
-                <a:solidFill>
-                  <a:schemeClr val="tx1">
-                    <a:lumMod val="20000"/>
-                    <a:lumOff val="80000"/>
-                  </a:schemeClr>
-                </a:solidFill>
-                <a:effectLst>
-                  <a:outerShdw blurRad="38100" dist="38100" dir="2700000" algn="tl">
-                    <a:srgbClr val="000000">
-                      <a:alpha val="43137"/>
-                    </a:srgbClr>
-                  </a:outerShdw>
-                </a:effectLst>
-              </a:defRPr>
-            </a:lvl3pPr>
-            <a:lvl4pPr marL="1187450" indent="-228600" fontAlgn="base">
-              <a:spcBef>
-                <a:spcPct val="20000"/>
-              </a:spcBef>
-              <a:spcAft>
-                <a:spcPct val="0"/>
-              </a:spcAft>
-              <a:buClr>
-                <a:srgbClr val="F8BD52"/>
-              </a:buClr>
-              <a:buFont typeface="Wingdings 2" pitchFamily="18" charset="2"/>
-              <a:buChar char=""/>
-              <a:defRPr sz="2600" b="1">
-                <a:solidFill>
-                  <a:schemeClr val="tx1">
-                    <a:lumMod val="20000"/>
-                    <a:lumOff val="80000"/>
-                  </a:schemeClr>
-                </a:solidFill>
-                <a:effectLst>
-                  <a:outerShdw blurRad="38100" dist="38100" dir="2700000" algn="tl">
-                    <a:srgbClr val="000000">
-                      <a:alpha val="43137"/>
-                    </a:srgbClr>
-                  </a:outerShdw>
-                </a:effectLst>
-              </a:defRPr>
-            </a:lvl4pPr>
-            <a:lvl5pPr marL="1425575" indent="-228600" fontAlgn="base">
-              <a:spcBef>
-                <a:spcPct val="20000"/>
-              </a:spcBef>
-              <a:spcAft>
-                <a:spcPct val="0"/>
-              </a:spcAft>
-              <a:buClr>
-                <a:srgbClr val="46A6BD"/>
-              </a:buClr>
-              <a:buFont typeface="Wingdings 2" pitchFamily="18" charset="2"/>
-              <a:buChar char=""/>
-              <a:defRPr sz="2400" b="1">
-                <a:solidFill>
-                  <a:schemeClr val="tx1">
-                    <a:lumMod val="20000"/>
-                    <a:lumOff val="80000"/>
-                  </a:schemeClr>
-                </a:solidFill>
-                <a:effectLst>
-                  <a:outerShdw blurRad="38100" dist="38100" dir="2700000" algn="tl">
-                    <a:srgbClr val="000000">
-                      <a:alpha val="43137"/>
-                    </a:srgbClr>
-                  </a:outerShdw>
-                </a:effectLst>
-              </a:defRPr>
-            </a:lvl5pPr>
-            <a:lvl6pPr marL="1673352" indent="-228600">
-              <a:spcBef>
-                <a:spcPct val="20000"/>
-              </a:spcBef>
-              <a:buClr>
-                <a:schemeClr val="accent6"/>
-              </a:buClr>
-              <a:buFont typeface="Wingdings 2"/>
-              <a:buChar char=""/>
-            </a:lvl6pPr>
-            <a:lvl7pPr marL="1911096" indent="-228600">
-              <a:spcBef>
-                <a:spcPct val="20000"/>
-              </a:spcBef>
-              <a:buClr>
-                <a:schemeClr val="tx2"/>
-              </a:buClr>
-              <a:buFont typeface="Wingdings 2"/>
-              <a:buChar char=""/>
-              <a:defRPr sz="1600"/>
-            </a:lvl7pPr>
-            <a:lvl8pPr marL="2121408" indent="-182880">
-              <a:spcBef>
-                <a:spcPct val="20000"/>
-              </a:spcBef>
-              <a:buClr>
-                <a:schemeClr val="tx2"/>
-              </a:buClr>
-              <a:buFont typeface="Wingdings 2"/>
-              <a:buChar char=""/>
-              <a:defRPr sz="1400"/>
-            </a:lvl8pPr>
-            <a:lvl9pPr marL="2322576" indent="-182880">
-              <a:spcBef>
-                <a:spcPct val="20000"/>
-              </a:spcBef>
-              <a:buClr>
-                <a:schemeClr val="tx2"/>
-              </a:buClr>
-              <a:buFont typeface="Wingdings 2"/>
-              <a:buChar char=""/>
-              <a:defRPr sz="1400"/>
-            </a:lvl9pPr>
-          </a:lstStyle>
-          <a:p>
-            <a:r>
-              <a:rPr lang="en-US" sz="1900" dirty="0"/>
-              <a:t>&lt;</a:t>
-            </a:r>
-            <a:r>
-              <a:rPr lang="en-US" sz="1900" dirty="0" err="1"/>
-              <a:t>ul</a:t>
-            </a:r>
-            <a:r>
-              <a:rPr lang="en-US" sz="1900" dirty="0"/>
-              <a:t> class="categories-list"&gt; </a:t>
-            </a:r>
-          </a:p>
-          <a:p>
-            <a:r>
-              <a:rPr lang="en-US" sz="1900" dirty="0" smtClean="0"/>
-              <a:t>  {{#</a:t>
-            </a:r>
-            <a:r>
-              <a:rPr lang="en-US" sz="1900" dirty="0"/>
-              <a:t>categories}}</a:t>
-            </a:r>
-          </a:p>
-          <a:p>
-            <a:r>
-              <a:rPr lang="en-US" sz="1900" dirty="0" smtClean="0">
-                <a:solidFill>
-                  <a:schemeClr val="tx1">
-                    <a:lumMod val="20000"/>
-                    <a:lumOff val="80000"/>
-                  </a:schemeClr>
-                </a:solidFill>
-              </a:rPr>
-              <a:t>    &lt;</a:t>
-            </a:r>
-            <a:r>
-              <a:rPr lang="en-US" sz="1900" dirty="0">
-                <a:solidFill>
-                  <a:schemeClr val="tx1">
-                    <a:lumMod val="20000"/>
-                    <a:lumOff val="80000"/>
-                  </a:schemeClr>
-                </a:solidFill>
-              </a:rPr>
-              <a:t>li class="category-item"&gt;</a:t>
-            </a:r>
-          </a:p>
-          <a:p>
-            <a:r>
-              <a:rPr lang="en-US" sz="1900" dirty="0" smtClean="0">
-                <a:solidFill>
-                  <a:schemeClr val="tx1">
-                    <a:lumMod val="20000"/>
-                    <a:lumOff val="80000"/>
-                  </a:schemeClr>
-                </a:solidFill>
-              </a:rPr>
-              <a:t>      &lt;</a:t>
-            </a:r>
-            <a:r>
-              <a:rPr lang="en-US" sz="1900" dirty="0">
-                <a:solidFill>
-                  <a:schemeClr val="tx1">
-                    <a:lumMod val="20000"/>
-                    <a:lumOff val="80000"/>
-                  </a:schemeClr>
-                </a:solidFill>
-              </a:rPr>
-              <a:t>a </a:t>
-            </a:r>
-            <a:r>
-              <a:rPr lang="en-US" sz="1900" dirty="0" err="1">
-                <a:solidFill>
-                  <a:schemeClr val="tx1">
-                    <a:lumMod val="20000"/>
-                    <a:lumOff val="80000"/>
-                  </a:schemeClr>
-                </a:solidFill>
-              </a:rPr>
-              <a:t>href</a:t>
-            </a:r>
-            <a:r>
-              <a:rPr lang="en-US" sz="1900" dirty="0">
-                <a:solidFill>
-                  <a:schemeClr val="tx1">
-                    <a:lumMod val="20000"/>
-                    <a:lumOff val="80000"/>
-                  </a:schemeClr>
-                </a:solidFill>
-              </a:rPr>
-              <a:t>="#/categories/</a:t>
-            </a:r>
-            <a:r>
-              <a:rPr lang="en-US" sz="1900" dirty="0"/>
-              <a:t>{{id}}</a:t>
-            </a:r>
-            <a:r>
-              <a:rPr lang="en-US" sz="1900" dirty="0">
-                <a:solidFill>
-                  <a:schemeClr val="tx1">
-                    <a:lumMod val="20000"/>
-                    <a:lumOff val="80000"/>
-                  </a:schemeClr>
-                </a:solidFill>
-              </a:rPr>
-              <a:t>"&gt;</a:t>
-            </a:r>
-            <a:r>
-              <a:rPr lang="en-US" sz="1900" dirty="0"/>
-              <a:t>{{name}}</a:t>
-            </a:r>
-            <a:r>
-              <a:rPr lang="en-US" sz="1900" dirty="0">
-                <a:solidFill>
-                  <a:schemeClr val="tx1">
-                    <a:lumMod val="20000"/>
-                    <a:lumOff val="80000"/>
-                  </a:schemeClr>
-                </a:solidFill>
-              </a:rPr>
-              <a:t>&lt;/a&gt;</a:t>
-            </a:r>
-          </a:p>
-          <a:p>
-            <a:r>
-              <a:rPr lang="en-US" sz="1900" dirty="0" smtClean="0">
-                <a:solidFill>
-                  <a:schemeClr val="tx1">
-                    <a:lumMod val="20000"/>
-                    <a:lumOff val="80000"/>
-                  </a:schemeClr>
-                </a:solidFill>
-              </a:rPr>
-              <a:t>    &lt;/</a:t>
-            </a:r>
-            <a:r>
-              <a:rPr lang="en-US" sz="1900" dirty="0">
-                <a:solidFill>
-                  <a:schemeClr val="tx1">
-                    <a:lumMod val="20000"/>
-                    <a:lumOff val="80000"/>
-                  </a:schemeClr>
-                </a:solidFill>
-              </a:rPr>
-              <a:t>li&gt;</a:t>
-            </a:r>
-          </a:p>
-          <a:p>
-            <a:r>
-              <a:rPr lang="en-US" sz="1900" dirty="0" smtClean="0"/>
-              <a:t>  {{/</a:t>
-            </a:r>
-            <a:r>
-              <a:rPr lang="en-US" sz="1900" dirty="0"/>
-              <a:t>categories}}</a:t>
-            </a:r>
-          </a:p>
-          <a:p>
-            <a:r>
-              <a:rPr lang="en-US" sz="1900" dirty="0" smtClean="0"/>
-              <a:t>&lt;/</a:t>
-            </a:r>
-            <a:r>
-              <a:rPr lang="en-US" sz="1900" dirty="0" err="1"/>
-              <a:t>ul</a:t>
-            </a:r>
-            <a:r>
-              <a:rPr lang="en-US" sz="1900" dirty="0"/>
-              <a:t>&gt;</a:t>
-            </a:r>
-            <a:endParaRPr lang="en-US" sz="1900" dirty="0" smtClean="0"/>
-          </a:p>
-        </p:txBody>
-      </p:sp>
-      <p:sp>
-        <p:nvSpPr>
-          <p:cNvPr id="6" name="AutoShape 7"/>
-          <p:cNvSpPr>
-            <a:spLocks noChangeArrowheads="1"/>
-          </p:cNvSpPr>
-          <p:nvPr/>
-        </p:nvSpPr>
-        <p:spPr bwMode="auto">
-          <a:xfrm>
-            <a:off x="3369718" y="5308215"/>
-            <a:ext cx="1792832" cy="715089"/>
-          </a:xfrm>
-          <a:prstGeom prst="wedgeRoundRectCallout">
-            <a:avLst>
-              <a:gd name="adj1" fmla="val 42291"/>
-              <a:gd name="adj2" fmla="val -76519"/>
-              <a:gd name="adj3" fmla="val 16667"/>
-            </a:avLst>
-          </a:prstGeom>
-          <a:solidFill>
-            <a:srgbClr val="9F8471"/>
-          </a:solidFill>
-          <a:ln w="6350">
-            <a:solidFill>
-              <a:schemeClr val="tx1">
-                <a:lumMod val="20000"/>
-                <a:lumOff val="80000"/>
-              </a:schemeClr>
-            </a:solidFill>
-          </a:ln>
-        </p:spPr>
-        <p:txBody>
-          <a:bodyPr wrap="square">
-            <a:spAutoFit/>
-          </a:bodyPr>
-          <a:lstStyle/>
-          <a:p>
-            <a:pPr algn="ctr" eaLnBrk="0" hangingPunct="0">
-              <a:spcBef>
-                <a:spcPts val="0"/>
-              </a:spcBef>
-              <a:buClr>
-                <a:schemeClr val="accent5">
-                  <a:lumMod val="40000"/>
-                  <a:lumOff val="60000"/>
-                </a:schemeClr>
-              </a:buClr>
-              <a:buSzPct val="70000"/>
-            </a:pPr>
-            <a:r>
-              <a:rPr lang="en-US" b="1" noProof="1" smtClean="0">
-                <a:solidFill>
-                  <a:srgbClr val="F7FFE7"/>
-                </a:solidFill>
-                <a:effectLst>
-                  <a:outerShdw blurRad="38100" dist="38100" dir="2700000" algn="tl">
-                    <a:srgbClr val="000000">
-                      <a:alpha val="43137"/>
-                    </a:srgbClr>
-                  </a:outerShdw>
-                </a:effectLst>
-                <a:latin typeface="+mn-lt"/>
-                <a:cs typeface="Consolas" pitchFamily="49" charset="0"/>
-              </a:rPr>
-              <a:t>The id &amp; name of every object</a:t>
-            </a:r>
-            <a:endParaRPr lang="en-US" b="1" noProof="1">
-              <a:solidFill>
-                <a:srgbClr val="F7FFE7"/>
-              </a:solidFill>
-              <a:effectLst>
-                <a:outerShdw blurRad="38100" dist="38100" dir="2700000" algn="tl">
-                  <a:srgbClr val="000000">
-                    <a:alpha val="43137"/>
-                  </a:srgbClr>
-                </a:outerShdw>
-              </a:effectLst>
-              <a:latin typeface="+mn-lt"/>
-              <a:cs typeface="Consolas" pitchFamily="49" charset="0"/>
-            </a:endParaRPr>
-          </a:p>
-        </p:txBody>
-      </p:sp>
-    </p:spTree>
-    <p:extLst>
-      <p:ext uri="{BB962C8B-B14F-4D97-AF65-F5344CB8AC3E}">
-        <p14:creationId xmlns="" xmlns:p14="http://schemas.microsoft.com/office/powerpoint/2010/main" val="1286105398"/>
-      </p:ext>
-    </p:extLst>
-  </p:cSld>
-  <p:clrMapOvr>
-    <a:masterClrMapping/>
-  </p:clrMapOvr>
-  <p:timing>
-    <p:tnLst>
-      <p:par>
-        <p:cTn id="1" dur="indefinite" restart="never" nodeType="tmRoot">
-          <p:childTnLst>
-            <p:seq concurrent="1" nextAc="seek">
-              <p:cTn id="2" dur="indefinite" nodeType="mainSeq">
-                <p:childTnLst>
-                  <p:par>
-                    <p:cTn id="3" fill="hold">
-                      <p:stCondLst>
-                        <p:cond delay="indefinite"/>
-                        <p:cond evt="onBegin" delay="0">
-                          <p:tn val="2"/>
-                        </p:cond>
-                      </p:stCondLst>
-                      <p:childTnLst>
-                        <p:par>
-                          <p:cTn id="4" fill="hold">
-                            <p:stCondLst>
-                              <p:cond delay="0"/>
-                            </p:stCondLst>
-                            <p:childTnLst>
-                              <p:par>
-                                <p:cTn id="5" presetID="10" presetClass="entr" presetSubtype="0" fill="hold" grpId="0" nodeType="afterEffect">
-                                  <p:stCondLst>
-                                    <p:cond delay="0"/>
-                                  </p:stCondLst>
-                                  <p:childTnLst>
-                                    <p:set>
-                                      <p:cBhvr>
-                                        <p:cTn id="6" dur="1" fill="hold">
-                                          <p:stCondLst>
-                                            <p:cond delay="0"/>
-                                          </p:stCondLst>
-                                        </p:cTn>
-                                        <p:tgtEl>
-                                          <p:spTgt spid="6"/>
-                                        </p:tgtEl>
-                                        <p:attrNameLst>
-                                          <p:attrName>style.visibility</p:attrName>
-                                        </p:attrNameLst>
-                                      </p:cBhvr>
-                                      <p:to>
-                                        <p:strVal val="visible"/>
-                                      </p:to>
-                                    </p:set>
-                                    <p:animEffect transition="in" filter="fade">
-                                      <p:cBhvr>
-                                        <p:cTn id="7" dur="500"/>
-                                        <p:tgtEl>
-                                          <p:spTgt spid="6"/>
-                                        </p:tgtEl>
-                                      </p:cBhvr>
-                                    </p:animEffect>
-                                  </p:childTnLst>
-                                </p:cTn>
-                              </p:par>
-                            </p:childTnLst>
-                          </p:cTn>
-                        </p:par>
-                      </p:childTnLst>
-                    </p:cTn>
-                  </p:par>
-                </p:childTnLst>
-              </p:cTn>
-              <p:prevCondLst>
-                <p:cond evt="onPrev" delay="0">
-                  <p:tgtEl>
-                    <p:sldTgt/>
-                  </p:tgtEl>
-                </p:cond>
-              </p:prevCondLst>
-              <p:nextCondLst>
-                <p:cond evt="onNext" delay="0">
-                  <p:tgtEl>
-                    <p:sldTgt/>
-                  </p:tgtEl>
-                </p:cond>
-              </p:nextCondLst>
-            </p:seq>
-          </p:childTnLst>
-        </p:cTn>
-      </p:par>
-    </p:tnLst>
-    <p:bldLst>
-      <p:bldP spid="6" grpId="0" animBg="1"/>
-    </p:bldLst>
-  </p:timing>
-</p:sld>
-</file>
-
-<file path=ppt/slides/slide7.xml><?xml version="1.0" encoding="utf-8"?>
-<p:sld xmlns:a="http://schemas.openxmlformats.org/drawingml/2006/main" xmlns:r="http://schemas.openxmlformats.org/officeDocument/2006/relationships" xmlns:p="http://schemas.openxmlformats.org/presentationml/2006/main">
-  <p:cSld>
-    <p:spTree>
-      <p:nvGrpSpPr>
-        <p:cNvPr id="1" name=""/>
-        <p:cNvGrpSpPr/>
-        <p:nvPr/>
-      </p:nvGrpSpPr>
-      <p:grpSpPr>
-        <a:xfrm>
-          <a:off x="0" y="0"/>
-          <a:ext cx="0" cy="0"/>
-          <a:chOff x="0" y="0"/>
-          <a:chExt cx="0" cy="0"/>
-        </a:xfrm>
-      </p:grpSpPr>
-      <p:sp>
-        <p:nvSpPr>
-          <p:cNvPr id="4" name="Title 3"/>
-          <p:cNvSpPr>
-            <a:spLocks noGrp="1"/>
-          </p:cNvSpPr>
-          <p:nvPr>
-            <p:ph type="title"/>
-          </p:nvPr>
-        </p:nvSpPr>
-        <p:spPr/>
-        <p:txBody>
-          <a:bodyPr/>
-          <a:lstStyle/>
-          <a:p>
-            <a:r>
-              <a:rPr lang="en-US" dirty="0" smtClean="0"/>
-              <a:t>Conditional Expressions</a:t>
-            </a:r>
-            <a:endParaRPr lang="en-US" dirty="0"/>
-          </a:p>
-        </p:txBody>
-      </p:sp>
-      <p:sp>
-        <p:nvSpPr>
-          <p:cNvPr id="5" name="Content Placeholder 4"/>
-          <p:cNvSpPr>
-            <a:spLocks noGrp="1"/>
-          </p:cNvSpPr>
-          <p:nvPr>
-            <p:ph idx="1"/>
-          </p:nvPr>
-        </p:nvSpPr>
-        <p:spPr>
-          <a:xfrm>
-            <a:off x="228600" y="866775"/>
-            <a:ext cx="8686800" cy="5791200"/>
-          </a:xfrm>
-        </p:spPr>
-        <p:txBody>
-          <a:bodyPr/>
-          <a:lstStyle/>
-          <a:p>
-            <a:r>
-              <a:rPr lang="en-US" sz="3000" dirty="0" smtClean="0"/>
-              <a:t>Render code only if a condition is </a:t>
-            </a:r>
-            <a:r>
-              <a:rPr lang="en-US" sz="3000" dirty="0" err="1" smtClean="0"/>
-              <a:t>fulfulled</a:t>
-            </a:r>
-            <a:endParaRPr lang="en-US" sz="3000" dirty="0" smtClean="0"/>
-          </a:p>
-          <a:p>
-            <a:pPr lvl="1"/>
-            <a:r>
-              <a:rPr lang="en-US" sz="2800" dirty="0" smtClean="0"/>
-              <a:t>Using </a:t>
-            </a:r>
-            <a:r>
-              <a:rPr lang="en-US" sz="2800" dirty="0" smtClean="0">
-                <a:solidFill>
-                  <a:schemeClr val="accent5">
-                    <a:lumMod val="20000"/>
-                    <a:lumOff val="80000"/>
-                  </a:schemeClr>
-                </a:solidFill>
-                <a:latin typeface="Consolas" panose="020B0609020204030204" pitchFamily="49" charset="0"/>
-                <a:cs typeface="Consolas" panose="020B0609020204030204" pitchFamily="49" charset="0"/>
-              </a:rPr>
-              <a:t>{{#if condition}} {{/if}}</a:t>
-            </a:r>
-            <a:r>
-              <a:rPr lang="en-US" sz="2800" dirty="0" smtClean="0"/>
-              <a:t> </a:t>
-            </a:r>
-            <a:br>
-              <a:rPr lang="en-US" sz="2800" dirty="0" smtClean="0"/>
-            </a:br>
-            <a:r>
-              <a:rPr lang="en-US" sz="2800" dirty="0" smtClean="0"/>
-              <a:t>or </a:t>
-            </a:r>
-            <a:r>
-              <a:rPr lang="en-US" sz="2800" dirty="0" smtClean="0">
-                <a:solidFill>
-                  <a:schemeClr val="accent5">
-                    <a:lumMod val="20000"/>
-                    <a:lumOff val="80000"/>
-                  </a:schemeClr>
-                </a:solidFill>
-                <a:latin typeface="Consolas" panose="020B0609020204030204" pitchFamily="49" charset="0"/>
-                <a:cs typeface="Consolas" panose="020B0609020204030204" pitchFamily="49" charset="0"/>
-              </a:rPr>
-              <a:t>{{unless condition}} {{/unless}}</a:t>
-            </a:r>
-            <a:endParaRPr lang="en-US" sz="2800" dirty="0">
-              <a:solidFill>
-                <a:schemeClr val="accent5">
-                  <a:lumMod val="20000"/>
-                  <a:lumOff val="80000"/>
-                </a:schemeClr>
-              </a:solidFill>
-              <a:latin typeface="Consolas" panose="020B0609020204030204" pitchFamily="49" charset="0"/>
-              <a:cs typeface="Consolas" panose="020B0609020204030204" pitchFamily="49" charset="0"/>
-            </a:endParaRPr>
-          </a:p>
-        </p:txBody>
-      </p:sp>
-      <p:sp>
-        <p:nvSpPr>
-          <p:cNvPr id="6" name="Text Placeholder 6"/>
-          <p:cNvSpPr txBox="1">
-            <a:spLocks/>
-          </p:cNvSpPr>
-          <p:nvPr/>
-        </p:nvSpPr>
-        <p:spPr>
-          <a:xfrm>
-            <a:off x="816745" y="2531707"/>
-            <a:ext cx="7510509" cy="3893374"/>
-          </a:xfrm>
-          <a:prstGeom prst="rect">
-            <a:avLst/>
-          </a:prstGeom>
-          <a:solidFill>
-            <a:schemeClr val="accent5">
-              <a:lumMod val="40000"/>
-              <a:lumOff val="60000"/>
-              <a:alpha val="15000"/>
-            </a:schemeClr>
-          </a:solidFill>
-          <a:ln w="12700">
-            <a:solidFill>
-              <a:schemeClr val="accent5">
-                <a:lumMod val="60000"/>
-                <a:lumOff val="40000"/>
-              </a:schemeClr>
-            </a:solidFill>
-          </a:ln>
-        </p:spPr>
-        <p:txBody>
-          <a:bodyPr wrap="square">
-            <a:spAutoFit/>
-          </a:bodyPr>
-          <a:lstStyle>
-            <a:lvl1pPr indent="0" fontAlgn="base">
-              <a:spcBef>
-                <a:spcPts val="0"/>
-              </a:spcBef>
-              <a:spcAft>
-                <a:spcPct val="0"/>
-              </a:spcAft>
-              <a:buClr>
-                <a:schemeClr val="accent5">
-                  <a:lumMod val="40000"/>
-                  <a:lumOff val="60000"/>
-                </a:schemeClr>
-              </a:buClr>
-              <a:buSzPct val="70000"/>
-              <a:buFont typeface="Wingdings 2" pitchFamily="18" charset="2"/>
-              <a:buNone/>
-              <a:defRPr lang="en-US" sz="2000" b="1" smtClean="0">
-                <a:solidFill>
-                  <a:srgbClr val="8CF4F2"/>
-                </a:solidFill>
-                <a:effectLst>
-                  <a:outerShdw blurRad="38100" dist="38100" dir="2700000" algn="tl">
-                    <a:srgbClr val="000000">
-                      <a:alpha val="43137"/>
-                    </a:srgbClr>
-                  </a:outerShdw>
-                </a:effectLst>
-                <a:latin typeface="Consolas" pitchFamily="49" charset="0"/>
-                <a:cs typeface="Consolas" pitchFamily="49" charset="0"/>
-              </a:defRPr>
-            </a:lvl1pPr>
-            <a:lvl2pPr marL="630238" indent="-273050" fontAlgn="base">
-              <a:spcBef>
-                <a:spcPct val="20000"/>
-              </a:spcBef>
-              <a:spcAft>
-                <a:spcPct val="0"/>
-              </a:spcAft>
-              <a:buClr>
-                <a:schemeClr val="accent2">
-                  <a:lumMod val="60000"/>
-                  <a:lumOff val="40000"/>
-                </a:schemeClr>
-              </a:buClr>
-              <a:buFont typeface="Wingdings 2" pitchFamily="18" charset="2"/>
-              <a:buChar char=""/>
-              <a:defRPr sz="3000" b="1">
-                <a:solidFill>
-                  <a:schemeClr val="tx1">
-                    <a:lumMod val="20000"/>
-                    <a:lumOff val="80000"/>
-                  </a:schemeClr>
-                </a:solidFill>
-                <a:effectLst>
-                  <a:outerShdw blurRad="38100" dist="38100" dir="2700000" algn="tl">
-                    <a:srgbClr val="000000">
-                      <a:alpha val="43137"/>
-                    </a:srgbClr>
-                  </a:outerShdw>
-                </a:effectLst>
-              </a:defRPr>
-            </a:lvl2pPr>
-            <a:lvl3pPr marL="922338" indent="-273050" fontAlgn="base">
-              <a:spcBef>
-                <a:spcPct val="20000"/>
-              </a:spcBef>
-              <a:spcAft>
-                <a:spcPct val="0"/>
-              </a:spcAft>
-              <a:buClr>
-                <a:schemeClr val="tx1">
-                  <a:lumMod val="50000"/>
-                </a:schemeClr>
-              </a:buClr>
-              <a:buFont typeface="Wingdings 2" pitchFamily="18" charset="2"/>
-              <a:buChar char=""/>
-              <a:defRPr sz="2800" b="1">
-                <a:solidFill>
-                  <a:schemeClr val="tx1">
-                    <a:lumMod val="20000"/>
-                    <a:lumOff val="80000"/>
-                  </a:schemeClr>
-                </a:solidFill>
-                <a:effectLst>
-                  <a:outerShdw blurRad="38100" dist="38100" dir="2700000" algn="tl">
-                    <a:srgbClr val="000000">
-                      <a:alpha val="43137"/>
-                    </a:srgbClr>
-                  </a:outerShdw>
-                </a:effectLst>
-              </a:defRPr>
-            </a:lvl3pPr>
-            <a:lvl4pPr marL="1187450" indent="-228600" fontAlgn="base">
-              <a:spcBef>
-                <a:spcPct val="20000"/>
-              </a:spcBef>
-              <a:spcAft>
-                <a:spcPct val="0"/>
-              </a:spcAft>
-              <a:buClr>
-                <a:srgbClr val="F8BD52"/>
-              </a:buClr>
-              <a:buFont typeface="Wingdings 2" pitchFamily="18" charset="2"/>
-              <a:buChar char=""/>
-              <a:defRPr sz="2600" b="1">
-                <a:solidFill>
-                  <a:schemeClr val="tx1">
-                    <a:lumMod val="20000"/>
-                    <a:lumOff val="80000"/>
-                  </a:schemeClr>
-                </a:solidFill>
-                <a:effectLst>
-                  <a:outerShdw blurRad="38100" dist="38100" dir="2700000" algn="tl">
-                    <a:srgbClr val="000000">
-                      <a:alpha val="43137"/>
-                    </a:srgbClr>
-                  </a:outerShdw>
-                </a:effectLst>
-              </a:defRPr>
-            </a:lvl4pPr>
-            <a:lvl5pPr marL="1425575" indent="-228600" fontAlgn="base">
-              <a:spcBef>
-                <a:spcPct val="20000"/>
-              </a:spcBef>
-              <a:spcAft>
-                <a:spcPct val="0"/>
-              </a:spcAft>
-              <a:buClr>
-                <a:srgbClr val="46A6BD"/>
-              </a:buClr>
-              <a:buFont typeface="Wingdings 2" pitchFamily="18" charset="2"/>
-              <a:buChar char=""/>
-              <a:defRPr sz="2400" b="1">
-                <a:solidFill>
-                  <a:schemeClr val="tx1">
-                    <a:lumMod val="20000"/>
-                    <a:lumOff val="80000"/>
-                  </a:schemeClr>
-                </a:solidFill>
-                <a:effectLst>
-                  <a:outerShdw blurRad="38100" dist="38100" dir="2700000" algn="tl">
-                    <a:srgbClr val="000000">
-                      <a:alpha val="43137"/>
-                    </a:srgbClr>
-                  </a:outerShdw>
-                </a:effectLst>
-              </a:defRPr>
-            </a:lvl5pPr>
-            <a:lvl6pPr marL="1673352" indent="-228600">
-              <a:spcBef>
-                <a:spcPct val="20000"/>
-              </a:spcBef>
-              <a:buClr>
-                <a:schemeClr val="accent6"/>
-              </a:buClr>
-              <a:buFont typeface="Wingdings 2"/>
-              <a:buChar char=""/>
-            </a:lvl6pPr>
-            <a:lvl7pPr marL="1911096" indent="-228600">
-              <a:spcBef>
-                <a:spcPct val="20000"/>
-              </a:spcBef>
-              <a:buClr>
-                <a:schemeClr val="tx2"/>
-              </a:buClr>
-              <a:buFont typeface="Wingdings 2"/>
-              <a:buChar char=""/>
-              <a:defRPr sz="1600"/>
-            </a:lvl7pPr>
-            <a:lvl8pPr marL="2121408" indent="-182880">
-              <a:spcBef>
-                <a:spcPct val="20000"/>
-              </a:spcBef>
-              <a:buClr>
-                <a:schemeClr val="tx2"/>
-              </a:buClr>
-              <a:buFont typeface="Wingdings 2"/>
-              <a:buChar char=""/>
-              <a:defRPr sz="1400"/>
-            </a:lvl8pPr>
-            <a:lvl9pPr marL="2322576" indent="-182880">
-              <a:spcBef>
-                <a:spcPct val="20000"/>
-              </a:spcBef>
-              <a:buClr>
-                <a:schemeClr val="tx2"/>
-              </a:buClr>
-              <a:buFont typeface="Wingdings 2"/>
-              <a:buChar char=""/>
-              <a:defRPr sz="1400"/>
-            </a:lvl9pPr>
-          </a:lstStyle>
-          <a:p>
-            <a:r>
-              <a:rPr lang="en-US" sz="1900" dirty="0" smtClean="0"/>
-              <a:t>&lt;h1&gt;Posts</a:t>
-            </a:r>
-            <a:r>
-              <a:rPr lang="en-US" sz="1900" dirty="0"/>
-              <a:t>&lt;/h1&gt;</a:t>
-            </a:r>
-          </a:p>
-          <a:p>
-            <a:r>
-              <a:rPr lang="en-US" sz="1900" dirty="0" smtClean="0"/>
-              <a:t>  &lt;</a:t>
-            </a:r>
-            <a:r>
-              <a:rPr lang="en-US" sz="1900" dirty="0" err="1" smtClean="0"/>
-              <a:t>ul</a:t>
-            </a:r>
-            <a:r>
-              <a:rPr lang="en-US" sz="1900" dirty="0" smtClean="0"/>
-              <a:t> </a:t>
-            </a:r>
-            <a:r>
-              <a:rPr lang="en-US" sz="1900" dirty="0"/>
-              <a:t>class="posts"&gt;</a:t>
-            </a:r>
-          </a:p>
-          <a:p>
-            <a:r>
-              <a:rPr lang="en-US" sz="1900" dirty="0" smtClean="0"/>
-              <a:t>    {{#</a:t>
-            </a:r>
-            <a:r>
-              <a:rPr lang="en-US" sz="1900" dirty="0"/>
-              <a:t>posts</a:t>
-            </a:r>
-            <a:r>
-              <a:rPr lang="en-US" sz="1900" dirty="0" smtClean="0"/>
-              <a:t>}}</a:t>
-            </a:r>
-            <a:endParaRPr lang="en-US" sz="1900" dirty="0"/>
-          </a:p>
-          <a:p>
-            <a:r>
-              <a:rPr lang="en-US" sz="1900" dirty="0" smtClean="0"/>
-              <a:t>      &lt;</a:t>
-            </a:r>
-            <a:r>
-              <a:rPr lang="en-US" sz="1900" dirty="0"/>
-              <a:t>li</a:t>
-            </a:r>
-            <a:r>
-              <a:rPr lang="en-US" sz="1900" dirty="0" smtClean="0"/>
-              <a:t>&gt;</a:t>
-            </a:r>
-          </a:p>
-          <a:p>
-            <a:r>
-              <a:rPr lang="en-US" sz="1900" dirty="0"/>
-              <a:t> </a:t>
-            </a:r>
-            <a:r>
-              <a:rPr lang="en-US" sz="1900" dirty="0" smtClean="0"/>
-              <a:t>       &lt;</a:t>
-            </a:r>
-            <a:r>
-              <a:rPr lang="en-US" sz="1900" dirty="0"/>
-              <a:t>strong</a:t>
-            </a:r>
-            <a:r>
-              <a:rPr lang="en-US" sz="1900" dirty="0" smtClean="0"/>
-              <a:t>&gt;</a:t>
-            </a:r>
-          </a:p>
-          <a:p>
-            <a:r>
-              <a:rPr lang="en-US" sz="1900" dirty="0" smtClean="0"/>
-              <a:t>          &lt;</a:t>
-            </a:r>
-            <a:r>
-              <a:rPr lang="en-US" sz="1900" dirty="0"/>
-              <a:t>a </a:t>
-            </a:r>
-            <a:r>
-              <a:rPr lang="en-US" sz="1900" dirty="0" err="1"/>
-              <a:t>href</a:t>
-            </a:r>
-            <a:r>
-              <a:rPr lang="en-US" sz="1900" dirty="0"/>
-              <a:t>="#/posts/{{id}}"&gt;{{title}}&lt;/a</a:t>
-            </a:r>
-            <a:r>
-              <a:rPr lang="en-US" sz="1900" dirty="0" smtClean="0"/>
-              <a:t>&gt;</a:t>
-            </a:r>
-          </a:p>
-          <a:p>
-            <a:r>
-              <a:rPr lang="en-US" sz="1900" dirty="0"/>
-              <a:t> </a:t>
-            </a:r>
-            <a:r>
-              <a:rPr lang="en-US" sz="1900" dirty="0" smtClean="0"/>
-              <a:t>       &lt;/</a:t>
-            </a:r>
-            <a:r>
-              <a:rPr lang="en-US" sz="1900" dirty="0"/>
-              <a:t>strong</a:t>
-            </a:r>
-            <a:r>
-              <a:rPr lang="en-US" sz="1900" dirty="0" smtClean="0"/>
-              <a:t>&gt;</a:t>
-            </a:r>
-          </a:p>
-          <a:p>
-            <a:r>
-              <a:rPr lang="en-US" sz="1900" dirty="0"/>
-              <a:t> </a:t>
-            </a:r>
-            <a:r>
-              <a:rPr lang="en-US" sz="1900" dirty="0" smtClean="0"/>
-              <a:t>       </a:t>
-            </a:r>
-            <a:r>
-              <a:rPr lang="en-US" sz="1900" dirty="0" smtClean="0">
-                <a:solidFill>
-                  <a:schemeClr val="tx1">
-                    <a:lumMod val="20000"/>
-                    <a:lumOff val="80000"/>
-                  </a:schemeClr>
-                </a:solidFill>
-              </a:rPr>
-              <a:t>{{#</a:t>
-            </a:r>
-            <a:r>
-              <a:rPr lang="en-US" sz="1900" dirty="0">
-                <a:solidFill>
-                  <a:schemeClr val="tx1">
-                    <a:lumMod val="20000"/>
-                    <a:lumOff val="80000"/>
-                  </a:schemeClr>
-                </a:solidFill>
-              </a:rPr>
-              <a:t>if author</a:t>
-            </a:r>
-            <a:r>
-              <a:rPr lang="en-US" sz="1900" dirty="0" smtClean="0">
-                <a:solidFill>
-                  <a:schemeClr val="tx1">
-                    <a:lumMod val="20000"/>
-                    <a:lumOff val="80000"/>
-                  </a:schemeClr>
-                </a:solidFill>
-              </a:rPr>
-              <a:t>}}</a:t>
-            </a:r>
-          </a:p>
-          <a:p>
-            <a:r>
-              <a:rPr lang="en-US" sz="1900" dirty="0" smtClean="0">
-                <a:solidFill>
-                  <a:schemeClr val="tx1">
-                    <a:lumMod val="20000"/>
-                    <a:lumOff val="80000"/>
-                  </a:schemeClr>
-                </a:solidFill>
-              </a:rPr>
-              <a:t>          &lt;span </a:t>
-            </a:r>
-            <a:r>
-              <a:rPr lang="en-US" sz="1900" dirty="0">
-                <a:solidFill>
-                  <a:schemeClr val="tx1">
-                    <a:lumMod val="20000"/>
-                    <a:lumOff val="80000"/>
-                  </a:schemeClr>
-                </a:solidFill>
-              </a:rPr>
-              <a:t>class="author"&gt;by {{author}}&lt;/span&gt;</a:t>
-            </a:r>
-          </a:p>
-          <a:p>
-            <a:r>
-              <a:rPr lang="en-US" sz="1900" dirty="0" smtClean="0">
-                <a:solidFill>
-                  <a:schemeClr val="tx1">
-                    <a:lumMod val="20000"/>
-                    <a:lumOff val="80000"/>
-                  </a:schemeClr>
-                </a:solidFill>
-              </a:rPr>
-              <a:t>        {{/</a:t>
-            </a:r>
-            <a:r>
-              <a:rPr lang="en-US" sz="1900" dirty="0">
-                <a:solidFill>
-                  <a:schemeClr val="tx1">
-                    <a:lumMod val="20000"/>
-                    <a:lumOff val="80000"/>
-                  </a:schemeClr>
-                </a:solidFill>
-              </a:rPr>
-              <a:t>if</a:t>
-            </a:r>
-            <a:r>
-              <a:rPr lang="en-US" sz="1900" dirty="0" smtClean="0">
-                <a:solidFill>
-                  <a:schemeClr val="tx1">
-                    <a:lumMod val="20000"/>
-                    <a:lumOff val="80000"/>
-                  </a:schemeClr>
-                </a:solidFill>
-              </a:rPr>
-              <a:t>}}</a:t>
-            </a:r>
-          </a:p>
-          <a:p>
-            <a:r>
-              <a:rPr lang="en-US" sz="1900" dirty="0" smtClean="0"/>
-              <a:t>      &lt;/</a:t>
-            </a:r>
-            <a:r>
-              <a:rPr lang="en-US" sz="1900" dirty="0"/>
-              <a:t>li</a:t>
-            </a:r>
-            <a:r>
-              <a:rPr lang="en-US" sz="1900" dirty="0" smtClean="0"/>
-              <a:t>&gt;</a:t>
-            </a:r>
-          </a:p>
-          <a:p>
-            <a:r>
-              <a:rPr lang="en-US" sz="1900" dirty="0" smtClean="0"/>
-              <a:t>   {{/</a:t>
-            </a:r>
-            <a:r>
-              <a:rPr lang="en-US" sz="1900" dirty="0"/>
-              <a:t>posts</a:t>
-            </a:r>
-            <a:r>
-              <a:rPr lang="en-US" sz="1900" dirty="0" smtClean="0"/>
-              <a:t>}}</a:t>
-            </a:r>
-          </a:p>
-          <a:p>
-            <a:r>
-              <a:rPr lang="en-US" sz="1900" dirty="0" smtClean="0"/>
-              <a:t>&lt;/</a:t>
-            </a:r>
-            <a:r>
-              <a:rPr lang="en-US" sz="1900" dirty="0" err="1"/>
-              <a:t>ul</a:t>
-            </a:r>
-            <a:r>
-              <a:rPr lang="en-US" sz="1900" dirty="0"/>
-              <a:t>&gt;</a:t>
-            </a:r>
-          </a:p>
-        </p:txBody>
-      </p:sp>
-      <p:sp>
-        <p:nvSpPr>
-          <p:cNvPr id="7" name="AutoShape 7"/>
-          <p:cNvSpPr>
-            <a:spLocks noChangeArrowheads="1"/>
-          </p:cNvSpPr>
-          <p:nvPr/>
-        </p:nvSpPr>
-        <p:spPr bwMode="auto">
-          <a:xfrm>
-            <a:off x="3131592" y="5468895"/>
-            <a:ext cx="3288257" cy="715089"/>
-          </a:xfrm>
-          <a:prstGeom prst="wedgeRoundRectCallout">
-            <a:avLst>
-              <a:gd name="adj1" fmla="val -44308"/>
-              <a:gd name="adj2" fmla="val -85843"/>
-              <a:gd name="adj3" fmla="val 16667"/>
-            </a:avLst>
-          </a:prstGeom>
-          <a:solidFill>
-            <a:srgbClr val="9F8471"/>
-          </a:solidFill>
-          <a:ln w="6350">
-            <a:solidFill>
-              <a:schemeClr val="tx1">
-                <a:lumMod val="20000"/>
-                <a:lumOff val="80000"/>
-              </a:schemeClr>
-            </a:solidFill>
-          </a:ln>
-        </p:spPr>
-        <p:txBody>
-          <a:bodyPr wrap="square">
-            <a:spAutoFit/>
-          </a:bodyPr>
-          <a:lstStyle/>
-          <a:p>
-            <a:pPr algn="ctr" eaLnBrk="0" hangingPunct="0">
-              <a:spcBef>
-                <a:spcPts val="0"/>
-              </a:spcBef>
-              <a:buClr>
-                <a:schemeClr val="accent5">
-                  <a:lumMod val="40000"/>
-                  <a:lumOff val="60000"/>
-                </a:schemeClr>
-              </a:buClr>
-              <a:buSzPct val="70000"/>
-            </a:pPr>
-            <a:r>
-              <a:rPr lang="en-US" b="1" noProof="1" smtClean="0">
-                <a:solidFill>
-                  <a:srgbClr val="F7FFE7"/>
-                </a:solidFill>
-                <a:effectLst>
-                  <a:outerShdw blurRad="38100" dist="38100" dir="2700000" algn="tl">
-                    <a:srgbClr val="000000">
-                      <a:alpha val="43137"/>
-                    </a:srgbClr>
-                  </a:outerShdw>
-                </a:effectLst>
-                <a:latin typeface="+mn-lt"/>
-                <a:cs typeface="Consolas" pitchFamily="49" charset="0"/>
-              </a:rPr>
-              <a:t>If author is </a:t>
-            </a:r>
-            <a:r>
-              <a:rPr lang="en-US" b="1" noProof="1" smtClean="0">
-                <a:solidFill>
-                  <a:schemeClr val="accent5">
-                    <a:lumMod val="20000"/>
-                    <a:lumOff val="80000"/>
-                  </a:schemeClr>
-                </a:solidFill>
-                <a:effectLst>
-                  <a:outerShdw blurRad="38100" dist="38100" dir="2700000" algn="tl">
-                    <a:srgbClr val="000000">
-                      <a:alpha val="43137"/>
-                    </a:srgbClr>
-                  </a:outerShdw>
-                </a:effectLst>
-                <a:latin typeface="+mn-lt"/>
-                <a:cs typeface="Consolas" pitchFamily="49" charset="0"/>
-              </a:rPr>
-              <a:t>false-like</a:t>
-            </a:r>
-            <a:r>
-              <a:rPr lang="bg-BG" b="1" noProof="1" smtClean="0">
-                <a:solidFill>
-                  <a:schemeClr val="accent5">
-                    <a:lumMod val="20000"/>
-                    <a:lumOff val="80000"/>
-                  </a:schemeClr>
-                </a:solidFill>
-                <a:effectLst>
-                  <a:outerShdw blurRad="38100" dist="38100" dir="2700000" algn="tl">
-                    <a:srgbClr val="000000">
-                      <a:alpha val="43137"/>
-                    </a:srgbClr>
-                  </a:outerShdw>
-                </a:effectLst>
-                <a:latin typeface="+mn-lt"/>
-                <a:cs typeface="Consolas" pitchFamily="49" charset="0"/>
-              </a:rPr>
-              <a:t> </a:t>
-            </a:r>
-            <a:r>
-              <a:rPr lang="en-US" b="1" noProof="1" smtClean="0">
-                <a:solidFill>
-                  <a:srgbClr val="F7FFE7"/>
-                </a:solidFill>
-                <a:effectLst>
-                  <a:outerShdw blurRad="38100" dist="38100" dir="2700000" algn="tl">
-                    <a:srgbClr val="000000">
-                      <a:alpha val="43137"/>
-                    </a:srgbClr>
-                  </a:outerShdw>
-                </a:effectLst>
-                <a:latin typeface="+mn-lt"/>
-                <a:cs typeface="Consolas" pitchFamily="49" charset="0"/>
-              </a:rPr>
-              <a:t>value,  this code will not be rendered</a:t>
-            </a:r>
-            <a:endParaRPr lang="en-US" b="1" noProof="1">
-              <a:solidFill>
-                <a:srgbClr val="F7FFE7"/>
-              </a:solidFill>
-              <a:effectLst>
-                <a:outerShdw blurRad="38100" dist="38100" dir="2700000" algn="tl">
-                  <a:srgbClr val="000000">
-                    <a:alpha val="43137"/>
-                  </a:srgbClr>
-                </a:outerShdw>
-              </a:effectLst>
-              <a:latin typeface="+mn-lt"/>
-              <a:cs typeface="Consolas" pitchFamily="49" charset="0"/>
-            </a:endParaRPr>
-          </a:p>
-        </p:txBody>
-      </p:sp>
-    </p:spTree>
-    <p:extLst>
-      <p:ext uri="{BB962C8B-B14F-4D97-AF65-F5344CB8AC3E}">
-        <p14:creationId xmlns="" xmlns:p14="http://schemas.microsoft.com/office/powerpoint/2010/main" val="4091660151"/>
-      </p:ext>
-    </p:extLst>
-  </p:cSld>
-  <p:clrMapOvr>
-    <a:masterClrMapping/>
-  </p:clrMapOvr>
-  <p:timing>
-    <p:tnLst>
-      <p:par>
-        <p:cTn id="1" dur="indefinite" restart="never" nodeType="tmRoot">
-          <p:childTnLst>
-            <p:seq concurrent="1" nextAc="seek">
-              <p:cTn id="2" dur="indefinite" nodeType="mainSeq">
-                <p:childTnLst>
-                  <p:par>
-                    <p:cTn id="3" fill="hold">
-                      <p:stCondLst>
-                        <p:cond delay="indefinite"/>
-                        <p:cond evt="onBegin" delay="0">
-                          <p:tn val="2"/>
-                        </p:cond>
-                      </p:stCondLst>
-                      <p:childTnLst>
-                        <p:par>
-                          <p:cTn id="4" fill="hold">
-                            <p:stCondLst>
-                              <p:cond delay="0"/>
-                            </p:stCondLst>
-                            <p:childTnLst>
-                              <p:par>
-                                <p:cTn id="5" presetID="10" presetClass="entr" presetSubtype="0" fill="hold" grpId="0" nodeType="afterEffect">
-                                  <p:stCondLst>
-                                    <p:cond delay="0"/>
-                                  </p:stCondLst>
-                                  <p:childTnLst>
-                                    <p:set>
-                                      <p:cBhvr>
-                                        <p:cTn id="6" dur="1" fill="hold">
-                                          <p:stCondLst>
-                                            <p:cond delay="0"/>
-                                          </p:stCondLst>
-                                        </p:cTn>
-                                        <p:tgtEl>
-                                          <p:spTgt spid="7"/>
-                                        </p:tgtEl>
-                                        <p:attrNameLst>
-                                          <p:attrName>style.visibility</p:attrName>
-                                        </p:attrNameLst>
-                                      </p:cBhvr>
-                                      <p:to>
-                                        <p:strVal val="visible"/>
-                                      </p:to>
-                                    </p:set>
-                                    <p:animEffect transition="in" filter="fade">
-                                      <p:cBhvr>
-                                        <p:cTn id="7" dur="500"/>
-                                        <p:tgtEl>
-                                          <p:spTgt spid="7"/>
-                                        </p:tgtEl>
-                                      </p:cBhvr>
-                                    </p:animEffect>
-                                  </p:childTnLst>
-                                </p:cTn>
-                              </p:par>
-                            </p:childTnLst>
-                          </p:cTn>
-                        </p:par>
-                      </p:childTnLst>
-                    </p:cTn>
-                  </p:par>
-                </p:childTnLst>
-              </p:cTn>
-              <p:prevCondLst>
-                <p:cond evt="onPrev" delay="0">
-                  <p:tgtEl>
-                    <p:sldTgt/>
-                  </p:tgtEl>
-                </p:cond>
-              </p:prevCondLst>
-              <p:nextCondLst>
-                <p:cond evt="onNext" delay="0">
-                  <p:tgtEl>
-                    <p:sldTgt/>
-                  </p:tgtEl>
-                </p:cond>
-              </p:nextCondLst>
-            </p:seq>
-          </p:childTnLst>
-        </p:cTn>
-      </p:par>
-    </p:tnLst>
-    <p:bldLst>
-      <p:bldP spid="7" grpId="0" animBg="1"/>
-    </p:bldLst>
-  </p:timing>
-</p:sld>
-</file>
-
-<file path=ppt/slides/slide8.xml><?xml version="1.0" encoding="utf-8"?>
-<p:sld xmlns:a="http://schemas.openxmlformats.org/drawingml/2006/main" xmlns:r="http://schemas.openxmlformats.org/officeDocument/2006/relationships" xmlns:p="http://schemas.openxmlformats.org/presentationml/2006/main">
-  <p:cSld>
-    <p:spTree>
-      <p:nvGrpSpPr>
-        <p:cNvPr id="1" name=""/>
-        <p:cNvGrpSpPr/>
-        <p:nvPr/>
-      </p:nvGrpSpPr>
-      <p:grpSpPr>
-        <a:xfrm>
-          <a:off x="0" y="0"/>
-          <a:ext cx="0" cy="0"/>
-          <a:chOff x="0" y="0"/>
-          <a:chExt cx="0" cy="0"/>
-        </a:xfrm>
-      </p:grpSpPr>
-      <p:sp>
-        <p:nvSpPr>
-          <p:cNvPr id="4" name="Title 3"/>
-          <p:cNvSpPr>
-            <a:spLocks noGrp="1"/>
-          </p:cNvSpPr>
-          <p:nvPr>
-            <p:ph type="title"/>
-          </p:nvPr>
-        </p:nvSpPr>
-        <p:spPr/>
-        <p:txBody>
-          <a:bodyPr/>
-          <a:lstStyle/>
-          <a:p>
-            <a:r>
-              <a:rPr lang="en-US" dirty="0" smtClean="0"/>
-              <a:t>Handlebars.js Helpers</a:t>
-            </a:r>
-            <a:endParaRPr lang="en-US" dirty="0"/>
-          </a:p>
-        </p:txBody>
-      </p:sp>
-      <p:sp>
-        <p:nvSpPr>
-          <p:cNvPr id="5" name="Content Placeholder 4"/>
-          <p:cNvSpPr>
-            <a:spLocks noGrp="1"/>
-          </p:cNvSpPr>
-          <p:nvPr>
-            <p:ph idx="1"/>
-          </p:nvPr>
-        </p:nvSpPr>
-        <p:spPr/>
-        <p:txBody>
-          <a:bodyPr/>
-          <a:lstStyle/>
-          <a:p>
-            <a:r>
-              <a:rPr lang="en-US" dirty="0" smtClean="0"/>
-              <a:t>Handlebars.js helpers are like functions that do predefined job</a:t>
-            </a:r>
-          </a:p>
-          <a:p>
-            <a:r>
-              <a:rPr lang="en-US" dirty="0" smtClean="0"/>
-              <a:t>Build-in helpers:</a:t>
-            </a:r>
-          </a:p>
-          <a:p>
-            <a:pPr lvl="1"/>
-            <a:r>
-              <a:rPr lang="en-US" dirty="0" smtClean="0">
-                <a:solidFill>
-                  <a:schemeClr val="accent5">
-                    <a:lumMod val="20000"/>
-                    <a:lumOff val="80000"/>
-                  </a:schemeClr>
-                </a:solidFill>
-                <a:latin typeface="Consolas" panose="020B0609020204030204" pitchFamily="49" charset="0"/>
-                <a:cs typeface="Consolas" panose="020B0609020204030204" pitchFamily="49" charset="0"/>
-              </a:rPr>
-              <a:t>{{#each collection}} {{/each}}</a:t>
-            </a:r>
-          </a:p>
-          <a:p>
-            <a:pPr lvl="2"/>
-            <a:r>
-              <a:rPr lang="en-US" dirty="0"/>
-              <a:t>Much like block expressions but with more </a:t>
-            </a:r>
-            <a:r>
-              <a:rPr lang="en-US" dirty="0" smtClean="0"/>
-              <a:t>control like </a:t>
-            </a:r>
-            <a:r>
-              <a:rPr lang="en-US" dirty="0" smtClean="0">
-                <a:solidFill>
-                  <a:schemeClr val="accent5">
-                    <a:lumMod val="20000"/>
-                    <a:lumOff val="80000"/>
-                  </a:schemeClr>
-                </a:solidFill>
-                <a:latin typeface="Consolas" panose="020B0609020204030204" pitchFamily="49" charset="0"/>
-                <a:cs typeface="Consolas" panose="020B0609020204030204" pitchFamily="49" charset="0"/>
-              </a:rPr>
-              <a:t>{{@index}}</a:t>
-            </a:r>
-            <a:r>
-              <a:rPr lang="en-US" dirty="0" smtClean="0"/>
-              <a:t> and </a:t>
-            </a:r>
-            <a:r>
-              <a:rPr lang="en-US" dirty="0">
-                <a:solidFill>
-                  <a:schemeClr val="accent5">
-                    <a:lumMod val="20000"/>
-                    <a:lumOff val="80000"/>
-                  </a:schemeClr>
-                </a:solidFill>
-                <a:latin typeface="Consolas" panose="020B0609020204030204" pitchFamily="49" charset="0"/>
-                <a:cs typeface="Consolas" panose="020B0609020204030204" pitchFamily="49" charset="0"/>
-              </a:rPr>
-              <a:t>{{this</a:t>
-            </a:r>
-            <a:r>
-              <a:rPr lang="en-US" dirty="0" smtClean="0">
-                <a:solidFill>
-                  <a:schemeClr val="accent5">
-                    <a:lumMod val="20000"/>
-                    <a:lumOff val="80000"/>
-                  </a:schemeClr>
-                </a:solidFill>
-                <a:latin typeface="Consolas" panose="020B0609020204030204" pitchFamily="49" charset="0"/>
-                <a:cs typeface="Consolas" panose="020B0609020204030204" pitchFamily="49" charset="0"/>
-              </a:rPr>
-              <a:t>}}</a:t>
-            </a:r>
-          </a:p>
-          <a:p>
-            <a:pPr lvl="1"/>
-            <a:r>
-              <a:rPr lang="en-US" dirty="0" smtClean="0">
-                <a:solidFill>
-                  <a:schemeClr val="accent5">
-                    <a:lumMod val="20000"/>
-                    <a:lumOff val="80000"/>
-                  </a:schemeClr>
-                </a:solidFill>
-                <a:latin typeface="Consolas" panose="020B0609020204030204" pitchFamily="49" charset="0"/>
-                <a:cs typeface="Consolas" panose="020B0609020204030204" pitchFamily="49" charset="0"/>
-              </a:rPr>
-              <a:t>{{#with </a:t>
-            </a:r>
-            <a:r>
-              <a:rPr lang="en-US" dirty="0" err="1" smtClean="0">
-                <a:solidFill>
-                  <a:schemeClr val="accent5">
-                    <a:lumMod val="20000"/>
-                    <a:lumOff val="80000"/>
-                  </a:schemeClr>
-                </a:solidFill>
-                <a:latin typeface="Consolas" panose="020B0609020204030204" pitchFamily="49" charset="0"/>
-                <a:cs typeface="Consolas" panose="020B0609020204030204" pitchFamily="49" charset="0"/>
-              </a:rPr>
-              <a:t>obj</a:t>
-            </a:r>
-            <a:r>
-              <a:rPr lang="en-US" dirty="0" smtClean="0">
-                <a:solidFill>
-                  <a:schemeClr val="accent5">
-                    <a:lumMod val="20000"/>
-                    <a:lumOff val="80000"/>
-                  </a:schemeClr>
-                </a:solidFill>
-                <a:latin typeface="Consolas" panose="020B0609020204030204" pitchFamily="49" charset="0"/>
-                <a:cs typeface="Consolas" panose="020B0609020204030204" pitchFamily="49" charset="0"/>
-              </a:rPr>
-              <a:t>}} {{/with}}</a:t>
-            </a:r>
-          </a:p>
-          <a:p>
-            <a:pPr lvl="2"/>
-            <a:r>
-              <a:rPr lang="en-US" dirty="0" smtClean="0"/>
-              <a:t>Used to minify the path</a:t>
-            </a:r>
-          </a:p>
-          <a:p>
-            <a:pPr lvl="2"/>
-            <a:r>
-              <a:rPr lang="en-US" dirty="0" smtClean="0"/>
-              <a:t>Write </a:t>
-            </a:r>
-            <a:r>
-              <a:rPr lang="en-US" dirty="0" smtClean="0">
-                <a:solidFill>
-                  <a:schemeClr val="accent5">
-                    <a:lumMod val="20000"/>
-                    <a:lumOff val="80000"/>
-                  </a:schemeClr>
-                </a:solidFill>
-                <a:latin typeface="Consolas" panose="020B0609020204030204" pitchFamily="49" charset="0"/>
-                <a:cs typeface="Consolas" panose="020B0609020204030204" pitchFamily="49" charset="0"/>
-              </a:rPr>
-              <a:t>{{prop}}</a:t>
-            </a:r>
-            <a:r>
-              <a:rPr lang="en-US" dirty="0" smtClean="0"/>
-              <a:t> Instead of </a:t>
-            </a:r>
-            <a:r>
-              <a:rPr lang="en-US" dirty="0" smtClean="0">
-                <a:solidFill>
-                  <a:schemeClr val="accent5">
-                    <a:lumMod val="20000"/>
-                    <a:lumOff val="80000"/>
-                  </a:schemeClr>
-                </a:solidFill>
-                <a:latin typeface="Consolas" panose="020B0609020204030204" pitchFamily="49" charset="0"/>
-                <a:cs typeface="Consolas" panose="020B0609020204030204" pitchFamily="49" charset="0"/>
-              </a:rPr>
-              <a:t>{{</a:t>
-            </a:r>
-            <a:r>
-              <a:rPr lang="en-US" dirty="0" err="1" smtClean="0">
-                <a:solidFill>
-                  <a:schemeClr val="accent5">
-                    <a:lumMod val="20000"/>
-                    <a:lumOff val="80000"/>
-                  </a:schemeClr>
-                </a:solidFill>
-                <a:latin typeface="Consolas" panose="020B0609020204030204" pitchFamily="49" charset="0"/>
-                <a:cs typeface="Consolas" panose="020B0609020204030204" pitchFamily="49" charset="0"/>
-              </a:rPr>
-              <a:t>obj.prop</a:t>
-            </a:r>
-            <a:r>
-              <a:rPr lang="en-US" dirty="0" smtClean="0">
-                <a:solidFill>
-                  <a:schemeClr val="accent5">
-                    <a:lumMod val="20000"/>
-                    <a:lumOff val="80000"/>
-                  </a:schemeClr>
-                </a:solidFill>
-                <a:latin typeface="Consolas" panose="020B0609020204030204" pitchFamily="49" charset="0"/>
-                <a:cs typeface="Consolas" panose="020B0609020204030204" pitchFamily="49" charset="0"/>
-              </a:rPr>
-              <a:t>}}</a:t>
-            </a:r>
-            <a:endParaRPr lang="en-US" dirty="0">
-              <a:solidFill>
-                <a:schemeClr val="accent5">
-                  <a:lumMod val="20000"/>
-                  <a:lumOff val="80000"/>
-                </a:schemeClr>
-              </a:solidFill>
-              <a:latin typeface="Consolas" panose="020B0609020204030204" pitchFamily="49" charset="0"/>
-              <a:cs typeface="Consolas" panose="020B0609020204030204" pitchFamily="49" charset="0"/>
-            </a:endParaRPr>
-          </a:p>
-        </p:txBody>
-      </p:sp>
-    </p:spTree>
-    <p:extLst>
-      <p:ext uri="{BB962C8B-B14F-4D97-AF65-F5344CB8AC3E}">
-        <p14:creationId xmlns="" xmlns:p14="http://schemas.microsoft.com/office/powerpoint/2010/main" val="2372376676"/>
-      </p:ext>
-    </p:extLst>
-  </p:cSld>
-  <p:clrMapOvr>
-    <a:masterClrMapping/>
-  </p:clrMapOvr>
-  <p:timing>
-    <p:tnLst>
-      <p:par>
-        <p:cTn id="1" dur="indefinite" restart="never" nodeType="tmRoot"/>
-      </p:par>
-    </p:tnLst>
-  </p:timing>
-</p:sld>
-</file>
-
-<file path=ppt/slides/slide9.xml><?xml version="1.0" encoding="utf-8"?>
-<p:sld xmlns:a="http://schemas.openxmlformats.org/drawingml/2006/main" xmlns:r="http://schemas.openxmlformats.org/officeDocument/2006/relationships" xmlns:p="http://schemas.openxmlformats.org/presentationml/2006/main">
-  <p:cSld>
-    <p:spTree>
-      <p:nvGrpSpPr>
-        <p:cNvPr id="1" name=""/>
-        <p:cNvGrpSpPr/>
-        <p:nvPr/>
-      </p:nvGrpSpPr>
-      <p:grpSpPr>
-        <a:xfrm>
-          <a:off x="0" y="0"/>
-          <a:ext cx="0" cy="0"/>
-          <a:chOff x="0" y="0"/>
-          <a:chExt cx="0" cy="0"/>
-        </a:xfrm>
-      </p:grpSpPr>
-      <p:sp>
-        <p:nvSpPr>
-          <p:cNvPr id="4" name="Title 3"/>
-          <p:cNvSpPr>
-            <a:spLocks noGrp="1"/>
-          </p:cNvSpPr>
-          <p:nvPr>
-            <p:ph type="title"/>
-          </p:nvPr>
-        </p:nvSpPr>
-        <p:spPr/>
-        <p:txBody>
-          <a:bodyPr/>
-          <a:lstStyle/>
-          <a:p>
-            <a:r>
-              <a:rPr lang="en-US" dirty="0" smtClean="0"/>
-              <a:t>Registering Custom Helpers</a:t>
-            </a:r>
-            <a:endParaRPr lang="en-US" dirty="0"/>
-          </a:p>
-        </p:txBody>
-      </p:sp>
-      <p:sp>
-        <p:nvSpPr>
-          <p:cNvPr id="5" name="Content Placeholder 4"/>
-          <p:cNvSpPr>
-            <a:spLocks noGrp="1"/>
-          </p:cNvSpPr>
-          <p:nvPr>
-            <p:ph idx="1"/>
-          </p:nvPr>
-        </p:nvSpPr>
-        <p:spPr>
-          <a:xfrm>
-            <a:off x="228600" y="914400"/>
-            <a:ext cx="8686800" cy="2028825"/>
-          </a:xfrm>
-        </p:spPr>
-        <p:txBody>
-          <a:bodyPr/>
-          <a:lstStyle/>
-          <a:p>
-            <a:r>
-              <a:rPr lang="en-US" dirty="0" smtClean="0"/>
-              <a:t>Handlebars.js supports extension of the </a:t>
-            </a:r>
-            <a:br>
-              <a:rPr lang="en-US" dirty="0" smtClean="0"/>
-            </a:br>
-            <a:r>
-              <a:rPr lang="en-US" dirty="0" smtClean="0"/>
-              <a:t>built-in helpers</a:t>
-            </a:r>
-          </a:p>
-          <a:p>
-            <a:pPr lvl="1"/>
-            <a:r>
-              <a:rPr lang="en-US" dirty="0" smtClean="0"/>
-              <a:t>Using </a:t>
-            </a:r>
-            <a:r>
-              <a:rPr lang="en-US" dirty="0" err="1" smtClean="0">
-                <a:solidFill>
-                  <a:schemeClr val="accent5">
-                    <a:lumMod val="20000"/>
-                    <a:lumOff val="80000"/>
-                  </a:schemeClr>
-                </a:solidFill>
-                <a:latin typeface="Consolas" panose="020B0609020204030204" pitchFamily="49" charset="0"/>
-                <a:cs typeface="Consolas" panose="020B0609020204030204" pitchFamily="49" charset="0"/>
-              </a:rPr>
-              <a:t>Handlebars.registerHelper</a:t>
-            </a:r>
-            <a:r>
-              <a:rPr lang="en-US" dirty="0" smtClean="0">
-                <a:solidFill>
-                  <a:schemeClr val="accent5">
-                    <a:lumMod val="20000"/>
-                    <a:lumOff val="80000"/>
-                  </a:schemeClr>
-                </a:solidFill>
-                <a:latin typeface="Consolas" panose="020B0609020204030204" pitchFamily="49" charset="0"/>
-                <a:cs typeface="Consolas" panose="020B0609020204030204" pitchFamily="49" charset="0"/>
-              </a:rPr>
-              <a:t>(…)</a:t>
-            </a:r>
-            <a:r>
-              <a:rPr lang="en-US" dirty="0" smtClean="0"/>
-              <a:t>:</a:t>
-            </a:r>
-            <a:endParaRPr lang="en-US" dirty="0"/>
-          </a:p>
-        </p:txBody>
-      </p:sp>
-      <p:sp>
-        <p:nvSpPr>
-          <p:cNvPr id="6" name="Text Placeholder 6"/>
-          <p:cNvSpPr txBox="1">
-            <a:spLocks/>
-          </p:cNvSpPr>
-          <p:nvPr/>
-        </p:nvSpPr>
-        <p:spPr>
-          <a:xfrm>
-            <a:off x="816745" y="2703157"/>
-            <a:ext cx="7510509" cy="2431435"/>
-          </a:xfrm>
-          <a:prstGeom prst="rect">
-            <a:avLst/>
-          </a:prstGeom>
-          <a:solidFill>
-            <a:schemeClr val="accent5">
-              <a:lumMod val="40000"/>
-              <a:lumOff val="60000"/>
-              <a:alpha val="15000"/>
-            </a:schemeClr>
-          </a:solidFill>
-          <a:ln w="12700">
-            <a:solidFill>
-              <a:schemeClr val="accent5">
-                <a:lumMod val="60000"/>
-                <a:lumOff val="40000"/>
-              </a:schemeClr>
-            </a:solidFill>
-          </a:ln>
-        </p:spPr>
-        <p:txBody>
-          <a:bodyPr wrap="square">
-            <a:spAutoFit/>
-          </a:bodyPr>
-          <a:lstStyle>
-            <a:lvl1pPr indent="0" fontAlgn="base">
-              <a:spcBef>
-                <a:spcPts val="0"/>
-              </a:spcBef>
-              <a:spcAft>
-                <a:spcPct val="0"/>
-              </a:spcAft>
-              <a:buClr>
-                <a:schemeClr val="accent5">
-                  <a:lumMod val="40000"/>
-                  <a:lumOff val="60000"/>
-                </a:schemeClr>
-              </a:buClr>
-              <a:buSzPct val="70000"/>
-              <a:buFont typeface="Wingdings 2" pitchFamily="18" charset="2"/>
-              <a:buNone/>
-              <a:defRPr lang="en-US" sz="2000" b="1" smtClean="0">
-                <a:solidFill>
-                  <a:srgbClr val="8CF4F2"/>
-                </a:solidFill>
-                <a:effectLst>
-                  <a:outerShdw blurRad="38100" dist="38100" dir="2700000" algn="tl">
-                    <a:srgbClr val="000000">
-                      <a:alpha val="43137"/>
-                    </a:srgbClr>
-                  </a:outerShdw>
-                </a:effectLst>
-                <a:latin typeface="Consolas" pitchFamily="49" charset="0"/>
-                <a:cs typeface="Consolas" pitchFamily="49" charset="0"/>
-              </a:defRPr>
-            </a:lvl1pPr>
-            <a:lvl2pPr marL="630238" indent="-273050" fontAlgn="base">
-              <a:spcBef>
-                <a:spcPct val="20000"/>
-              </a:spcBef>
-              <a:spcAft>
-                <a:spcPct val="0"/>
-              </a:spcAft>
-              <a:buClr>
-                <a:schemeClr val="accent2">
-                  <a:lumMod val="60000"/>
-                  <a:lumOff val="40000"/>
-                </a:schemeClr>
-              </a:buClr>
-              <a:buFont typeface="Wingdings 2" pitchFamily="18" charset="2"/>
-              <a:buChar char=""/>
-              <a:defRPr sz="3000" b="1">
-                <a:solidFill>
-                  <a:schemeClr val="tx1">
-                    <a:lumMod val="20000"/>
-                    <a:lumOff val="80000"/>
-                  </a:schemeClr>
-                </a:solidFill>
-                <a:effectLst>
-                  <a:outerShdw blurRad="38100" dist="38100" dir="2700000" algn="tl">
-                    <a:srgbClr val="000000">
-                      <a:alpha val="43137"/>
-                    </a:srgbClr>
-                  </a:outerShdw>
-                </a:effectLst>
-              </a:defRPr>
-            </a:lvl2pPr>
-            <a:lvl3pPr marL="922338" indent="-273050" fontAlgn="base">
-              <a:spcBef>
-                <a:spcPct val="20000"/>
-              </a:spcBef>
-              <a:spcAft>
-                <a:spcPct val="0"/>
-              </a:spcAft>
-              <a:buClr>
-                <a:schemeClr val="tx1">
-                  <a:lumMod val="50000"/>
-                </a:schemeClr>
-              </a:buClr>
-              <a:buFont typeface="Wingdings 2" pitchFamily="18" charset="2"/>
-              <a:buChar char=""/>
-              <a:defRPr sz="2800" b="1">
-                <a:solidFill>
-                  <a:schemeClr val="tx1">
-                    <a:lumMod val="20000"/>
-                    <a:lumOff val="80000"/>
-                  </a:schemeClr>
-                </a:solidFill>
-                <a:effectLst>
-                  <a:outerShdw blurRad="38100" dist="38100" dir="2700000" algn="tl">
-                    <a:srgbClr val="000000">
-                      <a:alpha val="43137"/>
-                    </a:srgbClr>
-                  </a:outerShdw>
-                </a:effectLst>
-              </a:defRPr>
-            </a:lvl3pPr>
-            <a:lvl4pPr marL="1187450" indent="-228600" fontAlgn="base">
-              <a:spcBef>
-                <a:spcPct val="20000"/>
-              </a:spcBef>
-              <a:spcAft>
-                <a:spcPct val="0"/>
-              </a:spcAft>
-              <a:buClr>
-                <a:srgbClr val="F8BD52"/>
-              </a:buClr>
-              <a:buFont typeface="Wingdings 2" pitchFamily="18" charset="2"/>
-              <a:buChar char=""/>
-              <a:defRPr sz="2600" b="1">
-                <a:solidFill>
-                  <a:schemeClr val="tx1">
-                    <a:lumMod val="20000"/>
-                    <a:lumOff val="80000"/>
-                  </a:schemeClr>
-                </a:solidFill>
-                <a:effectLst>
-                  <a:outerShdw blurRad="38100" dist="38100" dir="2700000" algn="tl">
-                    <a:srgbClr val="000000">
-                      <a:alpha val="43137"/>
-                    </a:srgbClr>
-                  </a:outerShdw>
-                </a:effectLst>
-              </a:defRPr>
-            </a:lvl4pPr>
-            <a:lvl5pPr marL="1425575" indent="-228600" fontAlgn="base">
-              <a:spcBef>
-                <a:spcPct val="20000"/>
-              </a:spcBef>
-              <a:spcAft>
-                <a:spcPct val="0"/>
-              </a:spcAft>
-              <a:buClr>
-                <a:srgbClr val="46A6BD"/>
-              </a:buClr>
-              <a:buFont typeface="Wingdings 2" pitchFamily="18" charset="2"/>
-              <a:buChar char=""/>
-              <a:defRPr sz="2400" b="1">
-                <a:solidFill>
-                  <a:schemeClr val="tx1">
-                    <a:lumMod val="20000"/>
-                    <a:lumOff val="80000"/>
-                  </a:schemeClr>
-                </a:solidFill>
-                <a:effectLst>
-                  <a:outerShdw blurRad="38100" dist="38100" dir="2700000" algn="tl">
-                    <a:srgbClr val="000000">
-                      <a:alpha val="43137"/>
-                    </a:srgbClr>
-                  </a:outerShdw>
-                </a:effectLst>
-              </a:defRPr>
-            </a:lvl5pPr>
-            <a:lvl6pPr marL="1673352" indent="-228600">
-              <a:spcBef>
-                <a:spcPct val="20000"/>
-              </a:spcBef>
-              <a:buClr>
-                <a:schemeClr val="accent6"/>
-              </a:buClr>
-              <a:buFont typeface="Wingdings 2"/>
-              <a:buChar char=""/>
-            </a:lvl6pPr>
-            <a:lvl7pPr marL="1911096" indent="-228600">
-              <a:spcBef>
-                <a:spcPct val="20000"/>
-              </a:spcBef>
-              <a:buClr>
-                <a:schemeClr val="tx2"/>
-              </a:buClr>
-              <a:buFont typeface="Wingdings 2"/>
-              <a:buChar char=""/>
-              <a:defRPr sz="1600"/>
-            </a:lvl7pPr>
-            <a:lvl8pPr marL="2121408" indent="-182880">
-              <a:spcBef>
-                <a:spcPct val="20000"/>
-              </a:spcBef>
-              <a:buClr>
-                <a:schemeClr val="tx2"/>
-              </a:buClr>
-              <a:buFont typeface="Wingdings 2"/>
-              <a:buChar char=""/>
-              <a:defRPr sz="1400"/>
-            </a:lvl8pPr>
-            <a:lvl9pPr marL="2322576" indent="-182880">
-              <a:spcBef>
-                <a:spcPct val="20000"/>
-              </a:spcBef>
-              <a:buClr>
-                <a:schemeClr val="tx2"/>
-              </a:buClr>
-              <a:buFont typeface="Wingdings 2"/>
-              <a:buChar char=""/>
-              <a:defRPr sz="1400"/>
-            </a:lvl9pPr>
-          </a:lstStyle>
-          <a:p>
-            <a:r>
-              <a:rPr lang="en-US" sz="1900" dirty="0" err="1" smtClean="0"/>
-              <a:t>Handlebars.registerHelper</a:t>
-            </a:r>
-            <a:r>
-              <a:rPr lang="en-US" sz="1900" dirty="0"/>
-              <a:t> </a:t>
-            </a:r>
-            <a:r>
-              <a:rPr lang="en-US" sz="1900" dirty="0" smtClean="0"/>
-              <a:t>('tags', function(tags){</a:t>
-            </a:r>
-          </a:p>
-          <a:p>
-            <a:r>
-              <a:rPr lang="en-US" sz="1900" dirty="0"/>
-              <a:t> </a:t>
-            </a:r>
-            <a:r>
-              <a:rPr lang="en-US" sz="1900" dirty="0" smtClean="0"/>
-              <a:t> var html = '&lt;</a:t>
-            </a:r>
-            <a:r>
-              <a:rPr lang="en-US" sz="1900" dirty="0" err="1" smtClean="0"/>
-              <a:t>ul</a:t>
-            </a:r>
-            <a:r>
-              <a:rPr lang="en-US" sz="1900" dirty="0" smtClean="0"/>
-              <a:t> class="tags-list"&gt;',</a:t>
-            </a:r>
-          </a:p>
-          <a:p>
-            <a:r>
-              <a:rPr lang="en-US" sz="1900" dirty="0"/>
-              <a:t> </a:t>
-            </a:r>
-            <a:r>
-              <a:rPr lang="en-US" sz="1900" dirty="0" smtClean="0"/>
-              <a:t>     tag;</a:t>
-            </a:r>
-          </a:p>
-          <a:p>
-            <a:r>
-              <a:rPr lang="en-US" sz="1900" dirty="0" smtClean="0"/>
-              <a:t>  for(tag in tags){</a:t>
-            </a:r>
-          </a:p>
-          <a:p>
-            <a:r>
-              <a:rPr lang="en-US" sz="1900" dirty="0"/>
-              <a:t> </a:t>
-            </a:r>
-            <a:r>
-              <a:rPr lang="en-US" sz="1900" dirty="0" smtClean="0"/>
-              <a:t>   html += '&lt;li class="tag"&gt;' + tag + '&lt;/li&gt;';</a:t>
-            </a:r>
-            <a:r>
-              <a:rPr lang="en-US" sz="1900" dirty="0"/>
-              <a:t>	</a:t>
-            </a:r>
-            <a:endParaRPr lang="en-US" sz="1900" dirty="0" smtClean="0"/>
-          </a:p>
-          <a:p>
-            <a:r>
-              <a:rPr lang="en-US" sz="1900" dirty="0"/>
-              <a:t> </a:t>
-            </a:r>
-            <a:r>
-              <a:rPr lang="en-US" sz="1900" dirty="0" smtClean="0"/>
-              <a:t> }</a:t>
-            </a:r>
-          </a:p>
-          <a:p>
-            <a:r>
-              <a:rPr lang="en-US" sz="1900" dirty="0"/>
-              <a:t> </a:t>
-            </a:r>
-            <a:r>
-              <a:rPr lang="en-US" sz="1900" dirty="0" smtClean="0"/>
-              <a:t> return </a:t>
-            </a:r>
-            <a:r>
-              <a:rPr lang="en-US" sz="1900" dirty="0">
-                <a:solidFill>
-                  <a:schemeClr val="tx1">
-                    <a:lumMod val="20000"/>
-                    <a:lumOff val="80000"/>
-                  </a:schemeClr>
-                </a:solidFill>
-              </a:rPr>
-              <a:t>new </a:t>
-            </a:r>
-            <a:r>
-              <a:rPr lang="en-US" sz="1900" dirty="0" err="1">
-                <a:solidFill>
-                  <a:schemeClr val="tx1">
-                    <a:lumMod val="20000"/>
-                    <a:lumOff val="80000"/>
-                  </a:schemeClr>
-                </a:solidFill>
-              </a:rPr>
-              <a:t>Handlebars.SafeString</a:t>
-            </a:r>
-            <a:r>
-              <a:rPr lang="en-US" sz="1900" dirty="0">
-                <a:solidFill>
-                  <a:schemeClr val="tx1">
-                    <a:lumMod val="20000"/>
-                    <a:lumOff val="80000"/>
-                  </a:schemeClr>
-                </a:solidFill>
-              </a:rPr>
-              <a:t>(html)</a:t>
-            </a:r>
-            <a:r>
-              <a:rPr lang="en-US" sz="1900" dirty="0" smtClean="0"/>
-              <a:t>;</a:t>
-            </a:r>
-          </a:p>
-          <a:p>
-            <a:r>
-              <a:rPr lang="en-US" sz="1900" dirty="0" smtClean="0"/>
-              <a:t>});</a:t>
-            </a:r>
-            <a:endParaRPr lang="en-US" sz="1900" dirty="0"/>
-          </a:p>
-        </p:txBody>
-      </p:sp>
-      <p:sp>
-        <p:nvSpPr>
-          <p:cNvPr id="7" name="AutoShape 7"/>
-          <p:cNvSpPr>
-            <a:spLocks noChangeArrowheads="1"/>
-          </p:cNvSpPr>
-          <p:nvPr/>
-        </p:nvSpPr>
-        <p:spPr bwMode="auto">
-          <a:xfrm>
-            <a:off x="3674515" y="5134592"/>
-            <a:ext cx="2478635" cy="715089"/>
-          </a:xfrm>
-          <a:prstGeom prst="wedgeRoundRectCallout">
-            <a:avLst>
-              <a:gd name="adj1" fmla="val -44308"/>
-              <a:gd name="adj2" fmla="val -85843"/>
-              <a:gd name="adj3" fmla="val 16667"/>
-            </a:avLst>
-          </a:prstGeom>
-          <a:solidFill>
-            <a:srgbClr val="9F8471"/>
-          </a:solidFill>
-          <a:ln w="6350">
-            <a:solidFill>
-              <a:schemeClr val="tx1">
-                <a:lumMod val="20000"/>
-                <a:lumOff val="80000"/>
-              </a:schemeClr>
-            </a:solidFill>
-          </a:ln>
-        </p:spPr>
-        <p:txBody>
-          <a:bodyPr wrap="square">
-            <a:spAutoFit/>
-          </a:bodyPr>
-          <a:lstStyle/>
-          <a:p>
-            <a:pPr algn="ctr" eaLnBrk="0" hangingPunct="0">
-              <a:spcBef>
-                <a:spcPts val="0"/>
-              </a:spcBef>
-              <a:buClr>
-                <a:schemeClr val="accent5">
-                  <a:lumMod val="40000"/>
-                  <a:lumOff val="60000"/>
-                </a:schemeClr>
-              </a:buClr>
-              <a:buSzPct val="70000"/>
-            </a:pPr>
-            <a:r>
-              <a:rPr lang="en-US" b="1" noProof="1" smtClean="0">
-                <a:solidFill>
-                  <a:srgbClr val="F7FFE7"/>
-                </a:solidFill>
-                <a:effectLst>
-                  <a:outerShdw blurRad="38100" dist="38100" dir="2700000" algn="tl">
-                    <a:srgbClr val="000000">
-                      <a:alpha val="43137"/>
-                    </a:srgbClr>
-                  </a:outerShdw>
-                </a:effectLst>
-                <a:cs typeface="Consolas" pitchFamily="49" charset="0"/>
-              </a:rPr>
-              <a:t>SageString is mandatory here</a:t>
-            </a:r>
-            <a:endParaRPr lang="en-US" b="1" noProof="1">
-              <a:solidFill>
-                <a:srgbClr val="F7FFE7"/>
-              </a:solidFill>
-              <a:effectLst>
-                <a:outerShdw blurRad="38100" dist="38100" dir="2700000" algn="tl">
-                  <a:srgbClr val="000000">
-                    <a:alpha val="43137"/>
-                  </a:srgbClr>
-                </a:outerShdw>
-              </a:effectLst>
-              <a:latin typeface="+mn-lt"/>
-              <a:cs typeface="Consolas" pitchFamily="49" charset="0"/>
-            </a:endParaRPr>
-          </a:p>
-        </p:txBody>
-      </p:sp>
-      <p:sp>
-        <p:nvSpPr>
-          <p:cNvPr id="8" name="AutoShape 7"/>
-          <p:cNvSpPr>
-            <a:spLocks noChangeArrowheads="1"/>
-          </p:cNvSpPr>
-          <p:nvPr/>
-        </p:nvSpPr>
-        <p:spPr bwMode="auto">
-          <a:xfrm>
-            <a:off x="6153150" y="5411531"/>
-            <a:ext cx="2478635" cy="715089"/>
-          </a:xfrm>
-          <a:prstGeom prst="wedgeRoundRectCallout">
-            <a:avLst>
-              <a:gd name="adj1" fmla="val -60598"/>
-              <a:gd name="adj2" fmla="val -44551"/>
-              <a:gd name="adj3" fmla="val 16667"/>
-            </a:avLst>
-          </a:prstGeom>
-          <a:solidFill>
-            <a:srgbClr val="9F8471"/>
-          </a:solidFill>
-          <a:ln w="6350">
-            <a:solidFill>
-              <a:schemeClr val="tx1">
-                <a:lumMod val="20000"/>
-                <a:lumOff val="80000"/>
-              </a:schemeClr>
-            </a:solidFill>
-          </a:ln>
-        </p:spPr>
-        <p:txBody>
-          <a:bodyPr wrap="square">
-            <a:spAutoFit/>
-          </a:bodyPr>
-          <a:lstStyle/>
-          <a:p>
-            <a:pPr algn="ctr" eaLnBrk="0" hangingPunct="0">
-              <a:spcBef>
-                <a:spcPts val="0"/>
-              </a:spcBef>
-              <a:buClr>
-                <a:schemeClr val="accent5">
-                  <a:lumMod val="40000"/>
-                  <a:lumOff val="60000"/>
-                </a:schemeClr>
-              </a:buClr>
-              <a:buSzPct val="70000"/>
-            </a:pPr>
-            <a:r>
-              <a:rPr lang="en-US" b="1" noProof="1" smtClean="0">
-                <a:solidFill>
-                  <a:srgbClr val="F7FFE7"/>
-                </a:solidFill>
-                <a:effectLst>
-                  <a:outerShdw blurRad="38100" dist="38100" dir="2700000" algn="tl">
-                    <a:srgbClr val="000000">
-                      <a:alpha val="43137"/>
-                    </a:srgbClr>
-                  </a:outerShdw>
-                </a:effectLst>
-                <a:cs typeface="Consolas" pitchFamily="49" charset="0"/>
-              </a:rPr>
-              <a:t>Otherwise the result will be escaped</a:t>
-            </a:r>
-            <a:endParaRPr lang="en-US" b="1" noProof="1">
-              <a:solidFill>
-                <a:srgbClr val="F7FFE7"/>
-              </a:solidFill>
-              <a:effectLst>
-                <a:outerShdw blurRad="38100" dist="38100" dir="2700000" algn="tl">
-                  <a:srgbClr val="000000">
-                    <a:alpha val="43137"/>
-                  </a:srgbClr>
-                </a:outerShdw>
-              </a:effectLst>
-              <a:latin typeface="+mn-lt"/>
-              <a:cs typeface="Consolas" pitchFamily="49" charset="0"/>
-            </a:endParaRPr>
-          </a:p>
-        </p:txBody>
-      </p:sp>
-    </p:spTree>
-    <p:extLst>
-      <p:ext uri="{BB962C8B-B14F-4D97-AF65-F5344CB8AC3E}">
-        <p14:creationId xmlns="" xmlns:p14="http://schemas.microsoft.com/office/powerpoint/2010/main" val="4076499666"/>
-      </p:ext>
-    </p:extLst>
-  </p:cSld>
-  <p:clrMapOvr>
-    <a:masterClrMapping/>
-  </p:clrMapOvr>
-  <p:timing>
-    <p:tnLst>
-      <p:par>
-        <p:cTn id="1" dur="indefinite" restart="never" nodeType="tmRoot">
-          <p:childTnLst>
-            <p:seq concurrent="1" nextAc="seek">
-              <p:cTn id="2" dur="indefinite" nodeType="mainSeq">
-                <p:childTnLst>
-                  <p:par>
-                    <p:cTn id="3" fill="hold">
-                      <p:stCondLst>
-                        <p:cond delay="indefinite"/>
-                        <p:cond evt="onBegin" delay="0">
-                          <p:tn val="2"/>
-                        </p:cond>
-                      </p:stCondLst>
-                      <p:childTnLst>
-                        <p:par>
-                          <p:cTn id="4" fill="hold">
-                            <p:stCondLst>
-                              <p:cond delay="0"/>
-                            </p:stCondLst>
-                            <p:childTnLst>
-                              <p:par>
-                                <p:cTn id="5" presetID="10" presetClass="entr" presetSubtype="0" fill="hold" grpId="0" nodeType="afterEffect">
-                                  <p:stCondLst>
-                                    <p:cond delay="0"/>
-                                  </p:stCondLst>
-                                  <p:childTnLst>
-                                    <p:set>
-                                      <p:cBhvr>
-                                        <p:cTn id="6" dur="1" fill="hold">
-                                          <p:stCondLst>
-                                            <p:cond delay="0"/>
-                                          </p:stCondLst>
-                                        </p:cTn>
-                                        <p:tgtEl>
-                                          <p:spTgt spid="8"/>
-                                        </p:tgtEl>
-                                        <p:attrNameLst>
-                                          <p:attrName>style.visibility</p:attrName>
-                                        </p:attrNameLst>
-                                      </p:cBhvr>
-                                      <p:to>
-                                        <p:strVal val="visible"/>
-                                      </p:to>
-                                    </p:set>
-                                    <p:animEffect transition="in" filter="fade">
-                                      <p:cBhvr>
-                                        <p:cTn id="7" dur="500"/>
-                                        <p:tgtEl>
-                                          <p:spTgt spid="8"/>
-                                        </p:tgtEl>
-                                      </p:cBhvr>
-                                    </p:animEffect>
-                                  </p:childTnLst>
-                                </p:cTn>
-                              </p:par>
-                            </p:childTnLst>
-                          </p:cTn>
-                        </p:par>
-                      </p:childTnLst>
-                    </p:cTn>
-                  </p:par>
-                </p:childTnLst>
-              </p:cTn>
-              <p:prevCondLst>
-                <p:cond evt="onPrev" delay="0">
-                  <p:tgtEl>
-                    <p:sldTgt/>
-                  </p:tgtEl>
-                </p:cond>
-              </p:prevCondLst>
-              <p:nextCondLst>
-                <p:cond evt="onNext" delay="0">
-                  <p:tgtEl>
-                    <p:sldTgt/>
-                  </p:tgtEl>
-                </p:cond>
-              </p:nextCondLst>
-            </p:seq>
-          </p:childTnLst>
-        </p:cTn>
-      </p:par>
-    </p:tnLst>
-    <p:bldLst>
-      <p:bldP spid="8" grpId="0" animBg="1"/>
-    </p:bldLst>
   </p:timing>
 </p:sld>
 </file>
